--- a/poster/CS224D_Poster.pptx
+++ b/poster/CS224D_Poster.pptx
@@ -4,6 +4,9 @@
   <p:sldMasterIdLst>
     <p:sldMasterId id="2147483660" r:id="rId1"/>
   </p:sldMasterIdLst>
+  <p:notesMasterIdLst>
+    <p:notesMasterId r:id="rId3"/>
+  </p:notesMasterIdLst>
   <p:sldIdLst>
     <p:sldId id="258" r:id="rId2"/>
   </p:sldIdLst>
@@ -105,6 +108,440 @@
     </a:lvl9pPr>
   </p:defaultTextStyle>
 </p:presentation>
+</file>
+
+<file path=ppt/notesMasters/notesMaster1.xml><?xml version="1.0" encoding="utf-8"?>
+<p:notesMaster xmlns:a="http://schemas.openxmlformats.org/drawingml/2006/main" xmlns:r="http://schemas.openxmlformats.org/officeDocument/2006/relationships" xmlns:p="http://schemas.openxmlformats.org/presentationml/2006/main">
+  <p:cSld>
+    <p:bg>
+      <p:bgRef idx="1001">
+        <a:schemeClr val="bg1"/>
+      </p:bgRef>
+    </p:bg>
+    <p:spTree>
+      <p:nvGrpSpPr>
+        <p:cNvPr id="1" name=""/>
+        <p:cNvGrpSpPr/>
+        <p:nvPr/>
+      </p:nvGrpSpPr>
+      <p:grpSpPr>
+        <a:xfrm>
+          <a:off x="0" y="0"/>
+          <a:ext cx="0" cy="0"/>
+          <a:chOff x="0" y="0"/>
+          <a:chExt cx="0" cy="0"/>
+        </a:xfrm>
+      </p:grpSpPr>
+      <p:sp>
+        <p:nvSpPr>
+          <p:cNvPr id="2" name="Header Placeholder 1"/>
+          <p:cNvSpPr>
+            <a:spLocks noGrp="1"/>
+          </p:cNvSpPr>
+          <p:nvPr>
+            <p:ph type="hdr" sz="quarter"/>
+          </p:nvPr>
+        </p:nvSpPr>
+        <p:spPr>
+          <a:xfrm>
+            <a:off x="0" y="0"/>
+            <a:ext cx="3038475" cy="465138"/>
+          </a:xfrm>
+          <a:prstGeom prst="rect">
+            <a:avLst/>
+          </a:prstGeom>
+        </p:spPr>
+        <p:txBody>
+          <a:bodyPr vert="horz" lIns="91440" tIns="45720" rIns="91440" bIns="45720" rtlCol="0"/>
+          <a:lstStyle>
+            <a:lvl1pPr algn="l">
+              <a:defRPr sz="1200"/>
+            </a:lvl1pPr>
+          </a:lstStyle>
+          <a:p>
+            <a:endParaRPr lang="en-US"/>
+          </a:p>
+        </p:txBody>
+      </p:sp>
+      <p:sp>
+        <p:nvSpPr>
+          <p:cNvPr id="3" name="Date Placeholder 2"/>
+          <p:cNvSpPr>
+            <a:spLocks noGrp="1"/>
+          </p:cNvSpPr>
+          <p:nvPr>
+            <p:ph type="dt" idx="1"/>
+          </p:nvPr>
+        </p:nvSpPr>
+        <p:spPr>
+          <a:xfrm>
+            <a:off x="3970338" y="0"/>
+            <a:ext cx="3038475" cy="465138"/>
+          </a:xfrm>
+          <a:prstGeom prst="rect">
+            <a:avLst/>
+          </a:prstGeom>
+        </p:spPr>
+        <p:txBody>
+          <a:bodyPr vert="horz" lIns="91440" tIns="45720" rIns="91440" bIns="45720" rtlCol="0"/>
+          <a:lstStyle>
+            <a:lvl1pPr algn="r">
+              <a:defRPr sz="1200"/>
+            </a:lvl1pPr>
+          </a:lstStyle>
+          <a:p>
+            <a:fld id="{D68611EC-9D29-5347-BB24-AF419ABE9C21}" type="datetimeFigureOut">
+              <a:rPr lang="en-US" smtClean="0"/>
+              <a:t>6/2/15</a:t>
+            </a:fld>
+            <a:endParaRPr lang="en-US"/>
+          </a:p>
+        </p:txBody>
+      </p:sp>
+      <p:sp>
+        <p:nvSpPr>
+          <p:cNvPr id="4" name="Slide Image Placeholder 3"/>
+          <p:cNvSpPr>
+            <a:spLocks noGrp="1" noRot="1" noChangeAspect="1"/>
+          </p:cNvSpPr>
+          <p:nvPr>
+            <p:ph type="sldImg" idx="2"/>
+          </p:nvPr>
+        </p:nvSpPr>
+        <p:spPr>
+          <a:xfrm>
+            <a:off x="1181100" y="696913"/>
+            <a:ext cx="4648200" cy="3486150"/>
+          </a:xfrm>
+          <a:prstGeom prst="rect">
+            <a:avLst/>
+          </a:prstGeom>
+          <a:noFill/>
+          <a:ln w="12700">
+            <a:solidFill>
+              <a:prstClr val="black"/>
+            </a:solidFill>
+          </a:ln>
+        </p:spPr>
+        <p:txBody>
+          <a:bodyPr vert="horz" lIns="91440" tIns="45720" rIns="91440" bIns="45720" rtlCol="0" anchor="ctr"/>
+          <a:lstStyle/>
+          <a:p>
+            <a:endParaRPr lang="en-US"/>
+          </a:p>
+        </p:txBody>
+      </p:sp>
+      <p:sp>
+        <p:nvSpPr>
+          <p:cNvPr id="5" name="Notes Placeholder 4"/>
+          <p:cNvSpPr>
+            <a:spLocks noGrp="1"/>
+          </p:cNvSpPr>
+          <p:nvPr>
+            <p:ph type="body" sz="quarter" idx="3"/>
+          </p:nvPr>
+        </p:nvSpPr>
+        <p:spPr>
+          <a:xfrm>
+            <a:off x="701675" y="4416425"/>
+            <a:ext cx="5607050" cy="4183063"/>
+          </a:xfrm>
+          <a:prstGeom prst="rect">
+            <a:avLst/>
+          </a:prstGeom>
+        </p:spPr>
+        <p:txBody>
+          <a:bodyPr vert="horz" lIns="91440" tIns="45720" rIns="91440" bIns="45720" rtlCol="0"/>
+          <a:lstStyle/>
+          <a:p>
+            <a:pPr lvl="0"/>
+            <a:r>
+              <a:rPr lang="en-US" smtClean="0"/>
+              <a:t>Click to edit Master text styles</a:t>
+            </a:r>
+          </a:p>
+          <a:p>
+            <a:pPr lvl="1"/>
+            <a:r>
+              <a:rPr lang="en-US" smtClean="0"/>
+              <a:t>Second level</a:t>
+            </a:r>
+          </a:p>
+          <a:p>
+            <a:pPr lvl="2"/>
+            <a:r>
+              <a:rPr lang="en-US" smtClean="0"/>
+              <a:t>Third level</a:t>
+            </a:r>
+          </a:p>
+          <a:p>
+            <a:pPr lvl="3"/>
+            <a:r>
+              <a:rPr lang="en-US" smtClean="0"/>
+              <a:t>Fourth level</a:t>
+            </a:r>
+          </a:p>
+          <a:p>
+            <a:pPr lvl="4"/>
+            <a:r>
+              <a:rPr lang="en-US" smtClean="0"/>
+              <a:t>Fifth level</a:t>
+            </a:r>
+            <a:endParaRPr lang="en-US"/>
+          </a:p>
+        </p:txBody>
+      </p:sp>
+      <p:sp>
+        <p:nvSpPr>
+          <p:cNvPr id="6" name="Footer Placeholder 5"/>
+          <p:cNvSpPr>
+            <a:spLocks noGrp="1"/>
+          </p:cNvSpPr>
+          <p:nvPr>
+            <p:ph type="ftr" sz="quarter" idx="4"/>
+          </p:nvPr>
+        </p:nvSpPr>
+        <p:spPr>
+          <a:xfrm>
+            <a:off x="0" y="8829675"/>
+            <a:ext cx="3038475" cy="465138"/>
+          </a:xfrm>
+          <a:prstGeom prst="rect">
+            <a:avLst/>
+          </a:prstGeom>
+        </p:spPr>
+        <p:txBody>
+          <a:bodyPr vert="horz" lIns="91440" tIns="45720" rIns="91440" bIns="45720" rtlCol="0" anchor="b"/>
+          <a:lstStyle>
+            <a:lvl1pPr algn="l">
+              <a:defRPr sz="1200"/>
+            </a:lvl1pPr>
+          </a:lstStyle>
+          <a:p>
+            <a:endParaRPr lang="en-US"/>
+          </a:p>
+        </p:txBody>
+      </p:sp>
+      <p:sp>
+        <p:nvSpPr>
+          <p:cNvPr id="7" name="Slide Number Placeholder 6"/>
+          <p:cNvSpPr>
+            <a:spLocks noGrp="1"/>
+          </p:cNvSpPr>
+          <p:nvPr>
+            <p:ph type="sldNum" sz="quarter" idx="5"/>
+          </p:nvPr>
+        </p:nvSpPr>
+        <p:spPr>
+          <a:xfrm>
+            <a:off x="3970338" y="8829675"/>
+            <a:ext cx="3038475" cy="465138"/>
+          </a:xfrm>
+          <a:prstGeom prst="rect">
+            <a:avLst/>
+          </a:prstGeom>
+        </p:spPr>
+        <p:txBody>
+          <a:bodyPr vert="horz" lIns="91440" tIns="45720" rIns="91440" bIns="45720" rtlCol="0" anchor="b"/>
+          <a:lstStyle>
+            <a:lvl1pPr algn="r">
+              <a:defRPr sz="1200"/>
+            </a:lvl1pPr>
+          </a:lstStyle>
+          <a:p>
+            <a:fld id="{7F844568-511E-2746-8CFE-4AC199E72BBE}" type="slidenum">
+              <a:rPr lang="en-US" smtClean="0"/>
+              <a:t>‹#›</a:t>
+            </a:fld>
+            <a:endParaRPr lang="en-US"/>
+          </a:p>
+        </p:txBody>
+      </p:sp>
+    </p:spTree>
+    <p:extLst>
+      <p:ext uri="{BB962C8B-B14F-4D97-AF65-F5344CB8AC3E}">
+        <p14:creationId xmlns:p14="http://schemas.microsoft.com/office/powerpoint/2010/main" val="955665389"/>
+      </p:ext>
+    </p:extLst>
+  </p:cSld>
+  <p:clrMap bg1="lt1" tx1="dk1" bg2="lt2" tx2="dk2" accent1="accent1" accent2="accent2" accent3="accent3" accent4="accent4" accent5="accent5" accent6="accent6" hlink="hlink" folHlink="folHlink"/>
+  <p:notesStyle>
+    <a:lvl1pPr marL="0" algn="l" defTabSz="457200" rtl="0" eaLnBrk="1" latinLnBrk="0" hangingPunct="1">
+      <a:defRPr sz="1200" kern="1200">
+        <a:solidFill>
+          <a:schemeClr val="tx1"/>
+        </a:solidFill>
+        <a:latin typeface="+mn-lt"/>
+        <a:ea typeface="+mn-ea"/>
+        <a:cs typeface="+mn-cs"/>
+      </a:defRPr>
+    </a:lvl1pPr>
+    <a:lvl2pPr marL="457200" algn="l" defTabSz="457200" rtl="0" eaLnBrk="1" latinLnBrk="0" hangingPunct="1">
+      <a:defRPr sz="1200" kern="1200">
+        <a:solidFill>
+          <a:schemeClr val="tx1"/>
+        </a:solidFill>
+        <a:latin typeface="+mn-lt"/>
+        <a:ea typeface="+mn-ea"/>
+        <a:cs typeface="+mn-cs"/>
+      </a:defRPr>
+    </a:lvl2pPr>
+    <a:lvl3pPr marL="914400" algn="l" defTabSz="457200" rtl="0" eaLnBrk="1" latinLnBrk="0" hangingPunct="1">
+      <a:defRPr sz="1200" kern="1200">
+        <a:solidFill>
+          <a:schemeClr val="tx1"/>
+        </a:solidFill>
+        <a:latin typeface="+mn-lt"/>
+        <a:ea typeface="+mn-ea"/>
+        <a:cs typeface="+mn-cs"/>
+      </a:defRPr>
+    </a:lvl3pPr>
+    <a:lvl4pPr marL="1371600" algn="l" defTabSz="457200" rtl="0" eaLnBrk="1" latinLnBrk="0" hangingPunct="1">
+      <a:defRPr sz="1200" kern="1200">
+        <a:solidFill>
+          <a:schemeClr val="tx1"/>
+        </a:solidFill>
+        <a:latin typeface="+mn-lt"/>
+        <a:ea typeface="+mn-ea"/>
+        <a:cs typeface="+mn-cs"/>
+      </a:defRPr>
+    </a:lvl4pPr>
+    <a:lvl5pPr marL="1828800" algn="l" defTabSz="457200" rtl="0" eaLnBrk="1" latinLnBrk="0" hangingPunct="1">
+      <a:defRPr sz="1200" kern="1200">
+        <a:solidFill>
+          <a:schemeClr val="tx1"/>
+        </a:solidFill>
+        <a:latin typeface="+mn-lt"/>
+        <a:ea typeface="+mn-ea"/>
+        <a:cs typeface="+mn-cs"/>
+      </a:defRPr>
+    </a:lvl5pPr>
+    <a:lvl6pPr marL="2286000" algn="l" defTabSz="457200" rtl="0" eaLnBrk="1" latinLnBrk="0" hangingPunct="1">
+      <a:defRPr sz="1200" kern="1200">
+        <a:solidFill>
+          <a:schemeClr val="tx1"/>
+        </a:solidFill>
+        <a:latin typeface="+mn-lt"/>
+        <a:ea typeface="+mn-ea"/>
+        <a:cs typeface="+mn-cs"/>
+      </a:defRPr>
+    </a:lvl6pPr>
+    <a:lvl7pPr marL="2743200" algn="l" defTabSz="457200" rtl="0" eaLnBrk="1" latinLnBrk="0" hangingPunct="1">
+      <a:defRPr sz="1200" kern="1200">
+        <a:solidFill>
+          <a:schemeClr val="tx1"/>
+        </a:solidFill>
+        <a:latin typeface="+mn-lt"/>
+        <a:ea typeface="+mn-ea"/>
+        <a:cs typeface="+mn-cs"/>
+      </a:defRPr>
+    </a:lvl7pPr>
+    <a:lvl8pPr marL="3200400" algn="l" defTabSz="457200" rtl="0" eaLnBrk="1" latinLnBrk="0" hangingPunct="1">
+      <a:defRPr sz="1200" kern="1200">
+        <a:solidFill>
+          <a:schemeClr val="tx1"/>
+        </a:solidFill>
+        <a:latin typeface="+mn-lt"/>
+        <a:ea typeface="+mn-ea"/>
+        <a:cs typeface="+mn-cs"/>
+      </a:defRPr>
+    </a:lvl8pPr>
+    <a:lvl9pPr marL="3657600" algn="l" defTabSz="457200" rtl="0" eaLnBrk="1" latinLnBrk="0" hangingPunct="1">
+      <a:defRPr sz="1200" kern="1200">
+        <a:solidFill>
+          <a:schemeClr val="tx1"/>
+        </a:solidFill>
+        <a:latin typeface="+mn-lt"/>
+        <a:ea typeface="+mn-ea"/>
+        <a:cs typeface="+mn-cs"/>
+      </a:defRPr>
+    </a:lvl9pPr>
+  </p:notesStyle>
+</p:notesMaster>
+</file>
+
+<file path=ppt/notesSlides/notesSlide1.xml><?xml version="1.0" encoding="utf-8"?>
+<p:notes xmlns:a="http://schemas.openxmlformats.org/drawingml/2006/main" xmlns:r="http://schemas.openxmlformats.org/officeDocument/2006/relationships" xmlns:p="http://schemas.openxmlformats.org/presentationml/2006/main">
+  <p:cSld>
+    <p:spTree>
+      <p:nvGrpSpPr>
+        <p:cNvPr id="1" name=""/>
+        <p:cNvGrpSpPr/>
+        <p:nvPr/>
+      </p:nvGrpSpPr>
+      <p:grpSpPr>
+        <a:xfrm>
+          <a:off x="0" y="0"/>
+          <a:ext cx="0" cy="0"/>
+          <a:chOff x="0" y="0"/>
+          <a:chExt cx="0" cy="0"/>
+        </a:xfrm>
+      </p:grpSpPr>
+      <p:sp>
+        <p:nvSpPr>
+          <p:cNvPr id="2" name="Slide Image Placeholder 1"/>
+          <p:cNvSpPr>
+            <a:spLocks noGrp="1" noRot="1" noChangeAspect="1"/>
+          </p:cNvSpPr>
+          <p:nvPr>
+            <p:ph type="sldImg"/>
+          </p:nvPr>
+        </p:nvSpPr>
+        <p:spPr/>
+      </p:sp>
+      <p:sp>
+        <p:nvSpPr>
+          <p:cNvPr id="3" name="Notes Placeholder 2"/>
+          <p:cNvSpPr>
+            <a:spLocks noGrp="1"/>
+          </p:cNvSpPr>
+          <p:nvPr>
+            <p:ph type="body" idx="1"/>
+          </p:nvPr>
+        </p:nvSpPr>
+        <p:spPr/>
+        <p:txBody>
+          <a:bodyPr/>
+          <a:lstStyle/>
+          <a:p>
+            <a:endParaRPr lang="en-US" dirty="0"/>
+          </a:p>
+        </p:txBody>
+      </p:sp>
+      <p:sp>
+        <p:nvSpPr>
+          <p:cNvPr id="4" name="Slide Number Placeholder 3"/>
+          <p:cNvSpPr>
+            <a:spLocks noGrp="1"/>
+          </p:cNvSpPr>
+          <p:nvPr>
+            <p:ph type="sldNum" sz="quarter" idx="10"/>
+          </p:nvPr>
+        </p:nvSpPr>
+        <p:spPr/>
+        <p:txBody>
+          <a:bodyPr/>
+          <a:lstStyle/>
+          <a:p>
+            <a:fld id="{7F844568-511E-2746-8CFE-4AC199E72BBE}" type="slidenum">
+              <a:rPr lang="en-US" smtClean="0"/>
+              <a:t>1</a:t>
+            </a:fld>
+            <a:endParaRPr lang="en-US"/>
+          </a:p>
+        </p:txBody>
+      </p:sp>
+    </p:spTree>
+    <p:extLst>
+      <p:ext uri="{BB962C8B-B14F-4D97-AF65-F5344CB8AC3E}">
+        <p14:creationId xmlns:p14="http://schemas.microsoft.com/office/powerpoint/2010/main" val="3451778164"/>
+      </p:ext>
+    </p:extLst>
+  </p:cSld>
+  <p:clrMapOvr>
+    <a:masterClrMapping/>
+  </p:clrMapOvr>
+</p:notes>
 </file>
 
 <file path=ppt/slideLayouts/slideLayout1.xml><?xml version="1.0" encoding="utf-8"?>
@@ -4888,6 +5325,14 @@
 <file path=ppt/slides/slide1.xml><?xml version="1.0" encoding="utf-8"?>
 <p:sld xmlns:a="http://schemas.openxmlformats.org/drawingml/2006/main" xmlns:r="http://schemas.openxmlformats.org/officeDocument/2006/relationships" xmlns:p="http://schemas.openxmlformats.org/presentationml/2006/main">
   <p:cSld>
+    <p:bg>
+      <p:bgPr>
+        <a:solidFill>
+          <a:schemeClr val="bg2"/>
+        </a:solidFill>
+        <a:effectLst/>
+      </p:bgPr>
+    </p:bg>
     <p:spTree>
       <p:nvGrpSpPr>
         <p:cNvPr id="1" name=""/>
@@ -5003,14 +5448,14 @@
               <a:t>Desmond </a:t>
             </a:r>
             <a:r>
-              <a:rPr lang="en-US" sz="4800" b="1" dirty="0" err="1" smtClean="0">
+              <a:rPr lang="en-US" sz="4800" b="1" dirty="0" smtClean="0">
                 <a:solidFill>
                   <a:prstClr val="black"/>
                 </a:solidFill>
                 <a:latin typeface="Arial" panose="020B0604020202020204" pitchFamily="34" charset="0"/>
                 <a:cs typeface="Arial" panose="020B0604020202020204" pitchFamily="34" charset="0"/>
               </a:rPr>
-              <a:t>Ong</a:t>
+              <a:t>C. Ong</a:t>
             </a:r>
             <a:r>
               <a:rPr lang="en-US" sz="4800" b="1" dirty="0" smtClean="0">
@@ -5209,8 +5654,8 @@
         </p:nvSpPr>
         <p:spPr>
           <a:xfrm>
-            <a:off x="1496283" y="6248400"/>
-            <a:ext cx="13243959" cy="7294306"/>
+            <a:off x="1496283" y="6184642"/>
+            <a:ext cx="13243959" cy="5016758"/>
           </a:xfrm>
           <a:prstGeom prst="rect">
             <a:avLst/>
@@ -5232,62 +5677,113 @@
           </a:bodyPr>
           <a:lstStyle/>
           <a:p>
-            <a:r>
-              <a:rPr lang="en-US" sz="3600" dirty="0" smtClean="0"/>
-              <a:t>Consumers not </a:t>
-            </a:r>
-            <a:r>
-              <a:rPr lang="en-US" sz="3600" dirty="0"/>
-              <a:t>only </a:t>
-            </a:r>
-            <a:r>
-              <a:rPr lang="en-US" sz="3600" dirty="0" smtClean="0"/>
-              <a:t>have </a:t>
-            </a:r>
-            <a:r>
-              <a:rPr lang="en-US" sz="3600" dirty="0"/>
-              <a:t>access to online stores through which </a:t>
-            </a:r>
-            <a:r>
-              <a:rPr lang="en-US" sz="3600" dirty="0" smtClean="0"/>
-              <a:t>they might </a:t>
-            </a:r>
-            <a:r>
-              <a:rPr lang="en-US" sz="3600" dirty="0"/>
-              <a:t>purchase anything she desires, but </a:t>
-            </a:r>
-            <a:r>
-              <a:rPr lang="en-US" sz="3600" dirty="0" smtClean="0"/>
-              <a:t>they also have </a:t>
-            </a:r>
-            <a:r>
-              <a:rPr lang="en-US" sz="3600" dirty="0"/>
-              <a:t>unprecedented access to a deluge of information—most notably, product reviews written by other consumers—with which </a:t>
-            </a:r>
-            <a:r>
-              <a:rPr lang="en-US" sz="3600" dirty="0" smtClean="0"/>
-              <a:t>they can </a:t>
-            </a:r>
-            <a:r>
-              <a:rPr lang="en-US" sz="3600" dirty="0"/>
-              <a:t>make </a:t>
-            </a:r>
-            <a:r>
-              <a:rPr lang="en-US" sz="3600" dirty="0" smtClean="0"/>
-              <a:t>their decision. Sifting </a:t>
-            </a:r>
-            <a:r>
-              <a:rPr lang="en-US" sz="3600" dirty="0"/>
-              <a:t>through hundreds of reviews across tens of different websites to acquire specific information about the product and its important attributes (e.g. </a:t>
-            </a:r>
-            <a:r>
-              <a:rPr lang="en-US" sz="3600" i="1" dirty="0"/>
-              <a:t>battery life </a:t>
-            </a:r>
-            <a:r>
-              <a:rPr lang="en-US" sz="3600" dirty="0"/>
-              <a:t>for electronics) is a time-consuming chore. It is difficult to automatically summarize this information, especially because of the heterogeneity of attributes across different product categories. Because of this, there has been much recent research tackling the two separate but connected components of this problem: (1) automatic discovery of aspects, and (2) aspect-specific sentiment analysis. </a:t>
-            </a:r>
+            <a:pPr marL="571500" indent="-571500">
+              <a:buFont typeface="Arial"/>
+              <a:buChar char="•"/>
+            </a:pPr>
+            <a:r>
+              <a:rPr lang="en-US" sz="4000" dirty="0" smtClean="0"/>
+              <a:t>Product reviews contain many aspects (e.g</a:t>
+            </a:r>
+            <a:r>
+              <a:rPr lang="en-US" sz="4000" dirty="0" smtClean="0"/>
+              <a:t>. </a:t>
+            </a:r>
+            <a:r>
+              <a:rPr lang="en-US" sz="4000" i="1" dirty="0" smtClean="0"/>
+              <a:t>battery-life</a:t>
+            </a:r>
+            <a:r>
+              <a:rPr lang="en-US" sz="4000" dirty="0" smtClean="0"/>
+              <a:t>, </a:t>
+            </a:r>
+            <a:r>
+              <a:rPr lang="en-US" sz="4000" i="1" dirty="0" smtClean="0"/>
+              <a:t>cost</a:t>
+            </a:r>
+            <a:r>
+              <a:rPr lang="en-US" sz="4000" dirty="0" smtClean="0"/>
+              <a:t>, </a:t>
+            </a:r>
+            <a:r>
+              <a:rPr lang="en-US" sz="4000" i="1" dirty="0" smtClean="0"/>
+              <a:t>screen resolution</a:t>
+            </a:r>
+            <a:r>
+              <a:rPr lang="en-US" sz="4000" dirty="0" smtClean="0"/>
+              <a:t> for electronics) which may vary on how good they are.</a:t>
+            </a:r>
+          </a:p>
+          <a:p>
+            <a:pPr marL="571500" indent="-571500">
+              <a:buFont typeface="Arial"/>
+              <a:buChar char="•"/>
+            </a:pPr>
+            <a:r>
+              <a:rPr lang="en-US" sz="4000" dirty="0" smtClean="0"/>
+              <a:t>Deep learning to summarize </a:t>
+            </a:r>
+            <a:r>
+              <a:rPr lang="en-US" sz="4000" b="1" dirty="0" smtClean="0"/>
+              <a:t>aspect-specific sentiment</a:t>
+            </a:r>
+            <a:r>
+              <a:rPr lang="en-US" sz="4000" dirty="0" smtClean="0"/>
+              <a:t> information from product reviews</a:t>
+            </a:r>
+            <a:endParaRPr lang="en-US" sz="4000" dirty="0" smtClean="0"/>
+          </a:p>
+          <a:p>
+            <a:pPr marL="571500" indent="-571500">
+              <a:buFont typeface="Arial"/>
+              <a:buChar char="•"/>
+            </a:pPr>
+            <a:r>
+              <a:rPr lang="en-US" sz="4000" dirty="0" smtClean="0"/>
+              <a:t>Two components: </a:t>
+            </a:r>
+          </a:p>
+          <a:p>
+            <a:pPr marL="742950" indent="-742950">
+              <a:buFont typeface="+mj-lt"/>
+              <a:buAutoNum type="arabicPeriod"/>
+            </a:pPr>
+            <a:r>
+              <a:rPr lang="en-US" sz="4000" dirty="0" smtClean="0"/>
+              <a:t>Automatic, unsupervised </a:t>
+            </a:r>
+            <a:r>
+              <a:rPr lang="en-US" sz="4000" dirty="0"/>
+              <a:t>discovery of aspects, and </a:t>
+            </a:r>
+            <a:endParaRPr lang="en-US" sz="4000" dirty="0" smtClean="0"/>
+          </a:p>
+          <a:p>
+            <a:pPr marL="742950" indent="-742950">
+              <a:buFont typeface="+mj-lt"/>
+              <a:buAutoNum type="arabicPeriod"/>
+            </a:pPr>
+            <a:r>
+              <a:rPr lang="en-US" sz="4000" dirty="0" smtClean="0"/>
+              <a:t>Aspect</a:t>
+            </a:r>
+            <a:r>
+              <a:rPr lang="en-US" sz="4000" dirty="0"/>
+              <a:t>-specific sentiment </a:t>
+            </a:r>
+            <a:r>
+              <a:rPr lang="en-US" sz="4000" dirty="0" smtClean="0"/>
+              <a:t>analysis</a:t>
+            </a:r>
+            <a:r>
+              <a:rPr lang="en-US" sz="4000" baseline="30000" dirty="0"/>
+              <a:t>1</a:t>
+            </a:r>
+            <a:r>
+              <a:rPr lang="en-US" sz="4000" dirty="0" smtClean="0"/>
+              <a:t>. </a:t>
+            </a:r>
+            <a:endParaRPr lang="en-US" sz="4000" dirty="0"/>
           </a:p>
         </p:txBody>
       </p:sp>
@@ -5301,7 +5797,7 @@
         </p:nvSpPr>
         <p:spPr bwMode="auto">
           <a:xfrm>
-            <a:off x="1524000" y="14097000"/>
+            <a:off x="1447800" y="11598362"/>
             <a:ext cx="13264741" cy="974638"/>
           </a:xfrm>
           <a:prstGeom prst="rect">
@@ -5483,7 +5979,7 @@
         <p:spPr>
           <a:xfrm>
             <a:off x="29549961" y="6248400"/>
-            <a:ext cx="13243959" cy="3416320"/>
+            <a:ext cx="13243959" cy="4154984"/>
           </a:xfrm>
           <a:prstGeom prst="rect">
             <a:avLst/>
@@ -5505,37 +6001,139 @@
           </a:bodyPr>
           <a:lstStyle/>
           <a:p>
+            <a:r>
+              <a:rPr lang="en-US" sz="4800" b="1" dirty="0"/>
+              <a:t>Unsupervised Aspect Discovery</a:t>
+            </a:r>
+            <a:endParaRPr lang="en-US" sz="4800" dirty="0" smtClean="0"/>
+          </a:p>
+          <a:p>
             <a:pPr marL="571500" indent="-571500">
               <a:buFont typeface="Arial" panose="020B0604020202020204" pitchFamily="34" charset="0"/>
               <a:buChar char="•"/>
             </a:pPr>
             <a:r>
               <a:rPr lang="en-US" sz="3600" dirty="0" smtClean="0"/>
-              <a:t>The word2vec model was able to learn not only the synonyms for the product aspects we listed in the “seed” set, but also could discover aspects of particular products that were not “seeded”. For instance, the query </a:t>
-            </a:r>
-            <a:r>
-              <a:rPr lang="en-US" sz="3600" i="1" dirty="0" smtClean="0"/>
+              <a:t>Word2vec representation allowed learning of near-synonyms (</a:t>
+            </a:r>
+            <a:r>
+              <a:rPr lang="en-US" sz="3200" dirty="0" smtClean="0">
+                <a:latin typeface="Courier"/>
+                <a:cs typeface="Courier"/>
+              </a:rPr>
+              <a:t>portability</a:t>
+            </a:r>
+            <a:r>
+              <a:rPr lang="en-US" sz="3600" dirty="0"/>
+              <a:t> </a:t>
+            </a:r>
+            <a:r>
+              <a:rPr lang="en-US" sz="3600" dirty="0" smtClean="0">
+                <a:sym typeface="Wingdings"/>
+              </a:rPr>
+              <a:t></a:t>
+            </a:r>
+            <a:r>
+              <a:rPr lang="en-US" sz="3600" dirty="0" smtClean="0"/>
+              <a:t> </a:t>
+            </a:r>
+            <a:r>
+              <a:rPr lang="en-US" sz="3200" dirty="0" smtClean="0">
+                <a:latin typeface="Courier"/>
+                <a:cs typeface="Courier"/>
+              </a:rPr>
+              <a:t>compactness</a:t>
+            </a:r>
+            <a:r>
+              <a:rPr lang="en-US" sz="3600" dirty="0" smtClean="0"/>
+              <a:t>) and closely related words (</a:t>
+            </a:r>
+            <a:r>
+              <a:rPr lang="en-US" sz="3200" dirty="0" smtClean="0">
+                <a:latin typeface="Courier"/>
+                <a:cs typeface="Courier"/>
+              </a:rPr>
+              <a:t>contrast</a:t>
+            </a:r>
+            <a:r>
+              <a:rPr lang="en-US" sz="3600" dirty="0"/>
+              <a:t> </a:t>
+            </a:r>
+            <a:r>
+              <a:rPr lang="en-US" sz="3600" dirty="0" smtClean="0">
+                <a:sym typeface="Wingdings"/>
+              </a:rPr>
+              <a:t></a:t>
+            </a:r>
+            <a:r>
+              <a:rPr lang="en-US" sz="3600" dirty="0" smtClean="0"/>
+              <a:t> </a:t>
+            </a:r>
+            <a:r>
+              <a:rPr lang="en-US" sz="3200" dirty="0" err="1" smtClean="0">
+                <a:latin typeface="Courier"/>
+                <a:cs typeface="Courier"/>
+              </a:rPr>
+              <a:t>color_saturation</a:t>
+            </a:r>
+            <a:r>
+              <a:rPr lang="en-US" sz="3600" dirty="0" smtClean="0"/>
+              <a:t>).</a:t>
+            </a:r>
+          </a:p>
+          <a:p>
+            <a:pPr marL="571500" indent="-571500">
+              <a:buFont typeface="Arial" panose="020B0604020202020204" pitchFamily="34" charset="0"/>
+              <a:buChar char="•"/>
+            </a:pPr>
+            <a:r>
+              <a:rPr lang="en-US" sz="3600" dirty="0" smtClean="0"/>
+              <a:t>Also: discovery of new associated aspects (</a:t>
+            </a:r>
+            <a:r>
+              <a:rPr lang="en-US" sz="3200" dirty="0" smtClean="0">
+                <a:latin typeface="Courier"/>
+                <a:cs typeface="Courier"/>
+              </a:rPr>
               <a:t>tripod</a:t>
             </a:r>
             <a:r>
               <a:rPr lang="en-US" sz="3600" dirty="0" smtClean="0"/>
-              <a:t> returned results </a:t>
-            </a:r>
-            <a:r>
-              <a:rPr lang="en-US" sz="3600" i="1" dirty="0" err="1" smtClean="0"/>
+              <a:t> </a:t>
+            </a:r>
+            <a:r>
+              <a:rPr lang="en-US" sz="3600" dirty="0" smtClean="0">
+                <a:sym typeface="Wingdings"/>
+              </a:rPr>
+              <a:t> </a:t>
+            </a:r>
+            <a:r>
+              <a:rPr lang="en-US" sz="3200" dirty="0" err="1" smtClean="0">
+                <a:latin typeface="Courier"/>
+                <a:cs typeface="Courier"/>
+                <a:sym typeface="Wingdings"/>
+              </a:rPr>
               <a:t>ball_head</a:t>
             </a:r>
             <a:r>
-              <a:rPr lang="en-US" sz="3600" dirty="0" smtClean="0"/>
+              <a:rPr lang="en-US" sz="3600" dirty="0" smtClean="0">
+                <a:sym typeface="Wingdings"/>
+              </a:rPr>
               <a:t> and </a:t>
             </a:r>
             <a:r>
-              <a:rPr lang="en-US" sz="3600" i="1" dirty="0" err="1" smtClean="0"/>
+              <a:rPr lang="en-US" sz="3200" dirty="0" err="1" smtClean="0">
+                <a:latin typeface="Courier"/>
+                <a:cs typeface="Courier"/>
+                <a:sym typeface="Wingdings"/>
+              </a:rPr>
               <a:t>quick_release</a:t>
             </a:r>
             <a:r>
-              <a:rPr lang="en-US" sz="3600" dirty="0" smtClean="0"/>
-              <a:t>, both of which refer to features of tripods that are non-obvious to a person unfamiliar with photography.</a:t>
+              <a:rPr lang="en-US" sz="3600" dirty="0" smtClean="0">
+                <a:sym typeface="Wingdings"/>
+              </a:rPr>
+              <a:t>, both of which are tripod features that might not be obvious for a customer unfamiliar with photography).</a:t>
             </a:r>
             <a:endParaRPr lang="en-US" sz="3600" i="1" dirty="0" smtClean="0"/>
           </a:p>
@@ -5549,8 +6147,8 @@
         </p:nvSpPr>
         <p:spPr>
           <a:xfrm>
-            <a:off x="1371600" y="15468600"/>
-            <a:ext cx="13533409" cy="8402302"/>
+            <a:off x="1447801" y="12801600"/>
+            <a:ext cx="13258800" cy="11110736"/>
           </a:xfrm>
           <a:prstGeom prst="rect">
             <a:avLst/>
@@ -5572,53 +6170,90 @@
           </a:bodyPr>
           <a:lstStyle/>
           <a:p>
+            <a:r>
+              <a:rPr lang="en-US" sz="4800" b="1" dirty="0" smtClean="0"/>
+              <a:t>Unsupervised Aspect Discovery</a:t>
+            </a:r>
+          </a:p>
+          <a:p>
             <a:pPr marL="571500" indent="-571500">
               <a:buFont typeface="Arial" panose="020B0604020202020204" pitchFamily="34" charset="0"/>
               <a:buChar char="•"/>
             </a:pPr>
             <a:r>
-              <a:rPr lang="en-US" sz="3600" dirty="0" smtClean="0"/>
-              <a:t>Aspect Discovery</a:t>
-            </a:r>
-          </a:p>
-          <a:p>
-            <a:pPr marL="2766060" lvl="1" indent="-571500">
+              <a:rPr lang="en-US" sz="4000" dirty="0" smtClean="0"/>
+              <a:t>Problem: How can we automatically generate lists of words that could be aspects?</a:t>
+            </a:r>
+          </a:p>
+          <a:p>
+            <a:pPr marL="571500" indent="-571500">
               <a:buFont typeface="Arial" panose="020B0604020202020204" pitchFamily="34" charset="0"/>
               <a:buChar char="•"/>
             </a:pPr>
             <a:r>
-              <a:rPr lang="en-US" sz="3600" i="1" dirty="0" smtClean="0"/>
-              <a:t>Problem</a:t>
-            </a:r>
-            <a:r>
-              <a:rPr lang="en-US" sz="3600" dirty="0" smtClean="0"/>
-              <a:t> : Given a short list of attributes (“seed” attributes), we discover an expanded list of attributes by returning top </a:t>
-            </a:r>
-            <a:r>
-              <a:rPr lang="en-US" sz="3600" i="1" dirty="0" smtClean="0"/>
-              <a:t>n</a:t>
-            </a:r>
-            <a:r>
-              <a:rPr lang="en-US" sz="3600" dirty="0" smtClean="0"/>
-              <a:t> related words vectors based on cosine similarity</a:t>
-            </a:r>
-          </a:p>
-          <a:p>
-            <a:pPr marL="2766060" lvl="1" indent="-571500">
+              <a:rPr lang="en-US" sz="4000" dirty="0" smtClean="0"/>
+              <a:t>Train a word2vec representation of dataset.</a:t>
+            </a:r>
+          </a:p>
+          <a:p>
+            <a:pPr marL="571500" indent="-571500">
               <a:buFont typeface="Arial" panose="020B0604020202020204" pitchFamily="34" charset="0"/>
               <a:buChar char="•"/>
             </a:pPr>
             <a:r>
+              <a:rPr lang="en-US" sz="4000" dirty="0" smtClean="0"/>
+              <a:t>Start with short “seed” list. Expand list by returning top </a:t>
+            </a:r>
+            <a:r>
+              <a:rPr lang="en-US" sz="4000" i="1" dirty="0" smtClean="0"/>
+              <a:t>n</a:t>
+            </a:r>
+            <a:r>
+              <a:rPr lang="en-US" sz="4000" dirty="0" smtClean="0"/>
+              <a:t> related word vectors, based on cosine similarity</a:t>
+            </a:r>
+          </a:p>
+          <a:p>
+            <a:endParaRPr lang="en-US" sz="3600" i="1" dirty="0" smtClean="0"/>
+          </a:p>
+          <a:p>
+            <a:r>
+              <a:rPr lang="en-US" sz="3600" dirty="0" smtClean="0"/>
+              <a:t>Aspect-Specific Sentiment Analysis</a:t>
+            </a:r>
+            <a:endParaRPr lang="en-US" sz="3600" dirty="0" smtClean="0"/>
+          </a:p>
+          <a:p>
+            <a:pPr marL="571500" indent="-571500">
+              <a:buFont typeface="Arial" panose="020B0604020202020204" pitchFamily="34" charset="0"/>
+              <a:buChar char="•"/>
+            </a:pPr>
+            <a:endParaRPr lang="en-US" sz="3600" i="1" dirty="0"/>
+          </a:p>
+          <a:p>
+            <a:pPr marL="571500" indent="-571500">
+              <a:buFont typeface="Arial" panose="020B0604020202020204" pitchFamily="34" charset="0"/>
+              <a:buChar char="•"/>
+            </a:pPr>
+            <a:r>
               <a:rPr lang="en-US" sz="3600" i="1" dirty="0" smtClean="0"/>
               <a:t>Dataset</a:t>
             </a:r>
             <a:r>
               <a:rPr lang="en-US" sz="3600" dirty="0" smtClean="0"/>
-              <a:t> : 6 million reviews of electronics product from Amazon.com</a:t>
+              <a:t> </a:t>
+            </a:r>
+            <a:r>
+              <a:rPr lang="en-US" sz="3600" dirty="0" smtClean="0"/>
+              <a:t>: 6 million reviews of electronics product from </a:t>
+            </a:r>
+            <a:r>
+              <a:rPr lang="en-US" sz="3600" dirty="0" smtClean="0"/>
+              <a:t>Amazon.com</a:t>
             </a:r>
             <a:r>
               <a:rPr lang="en-US" sz="3600" baseline="30000" dirty="0" smtClean="0"/>
-              <a:t>1</a:t>
+              <a:t>2</a:t>
             </a:r>
             <a:endParaRPr lang="en-US" sz="3600" dirty="0" smtClean="0"/>
           </a:p>
@@ -5836,8 +6471,17 @@
           <p:nvPr/>
         </p:nvPicPr>
         <p:blipFill>
-          <a:blip r:embed="rId2">
+          <a:blip r:embed="rId3">
             <a:extLst>
+              <a:ext uri="{BEBA8EAE-BF5A-486C-A8C5-ECC9F3942E4B}">
+                <a14:imgProps xmlns:a14="http://schemas.microsoft.com/office/drawing/2010/main">
+                  <a14:imgLayer r:embed="rId4">
+                    <a14:imgEffect>
+                      <a14:backgroundRemoval t="1772" b="99016" l="2296" r="98810"/>
+                    </a14:imgEffect>
+                  </a14:imgLayer>
+                </a14:imgProps>
+              </a:ext>
               <a:ext uri="{28A0092B-C50C-407E-A947-70E740481C1C}">
                 <a14:useLocalDpi xmlns:a14="http://schemas.microsoft.com/office/drawing/2010/main" val="0"/>
               </a:ext>
@@ -5866,8 +6510,17 @@
           <p:nvPr/>
         </p:nvPicPr>
         <p:blipFill>
-          <a:blip r:embed="rId3">
+          <a:blip r:embed="rId5">
             <a:extLst>
+              <a:ext uri="{BEBA8EAE-BF5A-486C-A8C5-ECC9F3942E4B}">
+                <a14:imgProps xmlns:a14="http://schemas.microsoft.com/office/drawing/2010/main">
+                  <a14:imgLayer r:embed="rId6">
+                    <a14:imgEffect>
+                      <a14:backgroundRemoval t="3543" b="98279" l="9958" r="89831"/>
+                    </a14:imgEffect>
+                  </a14:imgLayer>
+                </a14:imgProps>
+              </a:ext>
               <a:ext uri="{28A0092B-C50C-407E-A947-70E740481C1C}">
                 <a14:useLocalDpi xmlns:a14="http://schemas.microsoft.com/office/drawing/2010/main" val="0"/>
               </a:ext>
@@ -5938,87 +6591,6 @@
           </a:p>
         </p:txBody>
       </p:sp>
-      <p:pic>
-        <p:nvPicPr>
-          <p:cNvPr id="12" name="Picture 11" descr="Screen Shot 2015-06-01 at 9.27.16 AM.png"/>
-          <p:cNvPicPr>
-            <a:picLocks noChangeAspect="1"/>
-          </p:cNvPicPr>
-          <p:nvPr/>
-        </p:nvPicPr>
-        <p:blipFill>
-          <a:blip r:embed="rId4">
-            <a:extLst>
-              <a:ext uri="{28A0092B-C50C-407E-A947-70E740481C1C}">
-                <a14:useLocalDpi xmlns:a14="http://schemas.microsoft.com/office/drawing/2010/main" val="0"/>
-              </a:ext>
-            </a:extLst>
-          </a:blip>
-          <a:stretch>
-            <a:fillRect/>
-          </a:stretch>
-        </p:blipFill>
-        <p:spPr>
-          <a:xfrm>
-            <a:off x="1399319" y="24439418"/>
-            <a:ext cx="13265798" cy="3581400"/>
-          </a:xfrm>
-          <a:prstGeom prst="rect">
-            <a:avLst/>
-          </a:prstGeom>
-        </p:spPr>
-      </p:pic>
-      <p:sp>
-        <p:nvSpPr>
-          <p:cNvPr id="47" name="Rectangle 9"/>
-          <p:cNvSpPr>
-            <a:spLocks noChangeArrowheads="1"/>
-          </p:cNvSpPr>
-          <p:nvPr/>
-        </p:nvSpPr>
-        <p:spPr bwMode="auto">
-          <a:xfrm>
-            <a:off x="1447800" y="28956000"/>
-            <a:ext cx="3321143" cy="707885"/>
-          </a:xfrm>
-          <a:prstGeom prst="rect">
-            <a:avLst/>
-          </a:prstGeom>
-          <a:solidFill>
-            <a:srgbClr val="830000"/>
-          </a:solidFill>
-          <a:ln w="76200">
-            <a:noFill/>
-            <a:miter lim="800000"/>
-            <a:headEnd/>
-            <a:tailEnd/>
-          </a:ln>
-        </p:spPr>
-        <p:txBody>
-          <a:bodyPr wrap="none" lIns="78360" tIns="39182" rIns="78360" bIns="39182" anchor="ctr"/>
-          <a:lstStyle/>
-          <a:p>
-            <a:pPr algn="ctr"/>
-            <a:r>
-              <a:rPr lang="en-US" sz="2400" b="1" i="1" dirty="0" smtClean="0">
-                <a:solidFill>
-                  <a:schemeClr val="bg1"/>
-                </a:solidFill>
-                <a:latin typeface="Arial" panose="020B0604020202020204" pitchFamily="34" charset="0"/>
-                <a:cs typeface="Arial" panose="020B0604020202020204" pitchFamily="34" charset="0"/>
-              </a:rPr>
-              <a:t>Acknowledgments</a:t>
-            </a:r>
-            <a:endParaRPr lang="en-US" sz="2400" b="1" i="1" dirty="0">
-              <a:solidFill>
-                <a:schemeClr val="bg1"/>
-              </a:solidFill>
-              <a:latin typeface="Arial" panose="020B0604020202020204" pitchFamily="34" charset="0"/>
-              <a:cs typeface="Arial" panose="020B0604020202020204" pitchFamily="34" charset="0"/>
-            </a:endParaRPr>
-          </a:p>
-        </p:txBody>
-      </p:sp>
       <p:sp>
         <p:nvSpPr>
           <p:cNvPr id="49" name="TextBox 48"/>
@@ -6027,8 +6599,8 @@
         </p:nvSpPr>
         <p:spPr>
           <a:xfrm>
-            <a:off x="5105400" y="28956000"/>
-            <a:ext cx="9676550" cy="1015663"/>
+            <a:off x="29641800" y="29115603"/>
+            <a:ext cx="12954000" cy="830997"/>
           </a:xfrm>
           <a:prstGeom prst="rect">
             <a:avLst/>
@@ -6051,16 +6623,24 @@
           <a:lstStyle/>
           <a:p>
             <a:r>
-              <a:rPr lang="en-US" sz="2000" dirty="0" smtClean="0"/>
+              <a:rPr lang="en-US" sz="2400" dirty="0" smtClean="0"/>
               <a:t>We would like to thank Richard </a:t>
             </a:r>
             <a:r>
-              <a:rPr lang="en-US" sz="2000" dirty="0" err="1" smtClean="0"/>
+              <a:rPr lang="en-US" sz="2400" dirty="0" err="1" smtClean="0"/>
               <a:t>Socher</a:t>
             </a:r>
             <a:r>
-              <a:rPr lang="en-US" sz="2000" dirty="0" smtClean="0"/>
-              <a:t> and the teaching assistants of CS224D for teaching us the skills necessary to make this project a success and the Stanford Deep Social Learning Lab for providing computing resources.</a:t>
+              <a:rPr lang="en-US" sz="2400" dirty="0" smtClean="0"/>
+              <a:t> and the teaching assistants of CS224D </a:t>
+            </a:r>
+            <a:r>
+              <a:rPr lang="en-US" sz="2400" dirty="0" smtClean="0"/>
+              <a:t>for all their help and </a:t>
+            </a:r>
+            <a:r>
+              <a:rPr lang="en-US" sz="2400" dirty="0" smtClean="0"/>
+              <a:t>the Stanford Deep Social Learning Lab for providing computing resources.</a:t>
             </a:r>
           </a:p>
         </p:txBody>
@@ -6073,8 +6653,8 @@
         </p:nvSpPr>
         <p:spPr>
           <a:xfrm>
-            <a:off x="1447800" y="30099000"/>
-            <a:ext cx="13302493" cy="923330"/>
+            <a:off x="29565600" y="30022800"/>
+            <a:ext cx="13182600" cy="1446550"/>
           </a:xfrm>
           <a:prstGeom prst="rect">
             <a:avLst/>
@@ -6088,49 +6668,65 @@
           <a:lstStyle/>
           <a:p>
             <a:r>
-              <a:rPr lang="en-US" sz="1800" baseline="30000" dirty="0" smtClean="0"/>
+              <a:rPr lang="en-US" sz="2200" baseline="30000" dirty="0" smtClean="0"/>
               <a:t>1</a:t>
             </a:r>
             <a:r>
-              <a:rPr lang="en-US" sz="1800" dirty="0" smtClean="0"/>
+              <a:rPr lang="en-US" sz="2200" dirty="0" smtClean="0"/>
+              <a:t>Lakkaraju</a:t>
+            </a:r>
+            <a:r>
+              <a:rPr lang="en-US" sz="2200" dirty="0"/>
+              <a:t>, H., </a:t>
+            </a:r>
+            <a:r>
+              <a:rPr lang="en-US" sz="2200" dirty="0" err="1"/>
+              <a:t>Socher</a:t>
+            </a:r>
+            <a:r>
+              <a:rPr lang="en-US" sz="2200" dirty="0"/>
+              <a:t>, R, &amp; Manning, C. (2014). Aspect Specific Sentiment Analysis using Hierarchical Deep Learning. </a:t>
+            </a:r>
+            <a:r>
+              <a:rPr lang="en-US" sz="2200" i="1" dirty="0"/>
+              <a:t>NIPS Workshop on Deep Learning and Representation Learning </a:t>
+            </a:r>
+            <a:endParaRPr lang="en-US" sz="2200" i="1" dirty="0" smtClean="0"/>
+          </a:p>
+          <a:p>
+            <a:r>
+              <a:rPr lang="en-US" sz="2200" baseline="30000" dirty="0" smtClean="0"/>
+              <a:t>2</a:t>
+            </a:r>
+            <a:r>
+              <a:rPr lang="en-US" sz="2200" dirty="0" smtClean="0"/>
               <a:t>McAuley</a:t>
             </a:r>
             <a:r>
-              <a:rPr lang="en-US" sz="1800" dirty="0"/>
+              <a:rPr lang="en-US" sz="2200" dirty="0"/>
               <a:t>, J., </a:t>
             </a:r>
             <a:r>
-              <a:rPr lang="en-US" sz="1800" dirty="0" err="1"/>
+              <a:rPr lang="en-US" sz="2200" dirty="0" err="1"/>
               <a:t>Targett</a:t>
             </a:r>
             <a:r>
-              <a:rPr lang="en-US" sz="1800" dirty="0"/>
+              <a:rPr lang="en-US" sz="2200" dirty="0"/>
               <a:t>, C., Shi, J., &amp; van den </a:t>
             </a:r>
             <a:r>
-              <a:rPr lang="en-US" sz="1800" dirty="0" err="1"/>
+              <a:rPr lang="en-US" sz="2200" dirty="0" err="1"/>
               <a:t>Hengel</a:t>
             </a:r>
             <a:r>
-              <a:rPr lang="en-US" sz="1800" dirty="0"/>
+              <a:rPr lang="en-US" sz="2200" dirty="0"/>
               <a:t>, A. (2015). Image-based recommendations on styles and substitutes. </a:t>
             </a:r>
             <a:r>
-              <a:rPr lang="en-US" sz="1800" i="1" dirty="0"/>
+              <a:rPr lang="en-US" sz="2200" i="1" dirty="0"/>
               <a:t>ACM Special Interest Group on Information Retrieval (SIGIR) </a:t>
             </a:r>
-            <a:endParaRPr lang="en-US" sz="1800" dirty="0" smtClean="0"/>
-          </a:p>
-          <a:p>
-            <a:r>
-              <a:rPr lang="en-US" sz="1800" baseline="30000" smtClean="0"/>
-              <a:t>2</a:t>
-            </a:r>
-            <a:r>
-              <a:rPr lang="en-US" sz="1800" smtClean="0"/>
-              <a:t>placeholder</a:t>
-            </a:r>
-            <a:endParaRPr lang="en-US" sz="1800" i="1" baseline="30000" dirty="0"/>
+            <a:endParaRPr lang="en-US" sz="2200" dirty="0"/>
           </a:p>
         </p:txBody>
       </p:sp>
@@ -6143,7 +6739,7 @@
         <p:spPr>
           <a:xfrm>
             <a:off x="15621000" y="6324600"/>
-            <a:ext cx="13243959" cy="6740308"/>
+            <a:ext cx="13243959" cy="7478971"/>
           </a:xfrm>
           <a:prstGeom prst="rect">
             <a:avLst/>
@@ -6165,13 +6761,28 @@
           </a:bodyPr>
           <a:lstStyle/>
           <a:p>
+            <a:r>
+              <a:rPr lang="en-US" sz="4800" b="1" dirty="0"/>
+              <a:t>Unsupervised Aspect </a:t>
+            </a:r>
+            <a:r>
+              <a:rPr lang="en-US" sz="4800" b="1" dirty="0" smtClean="0"/>
+              <a:t>Discovery</a:t>
+            </a:r>
+            <a:endParaRPr lang="en-US" sz="4800" dirty="0" smtClean="0"/>
+          </a:p>
+          <a:p>
             <a:pPr marL="571500" indent="-571500">
               <a:buFont typeface="Arial" panose="020B0604020202020204" pitchFamily="34" charset="0"/>
               <a:buChar char="•"/>
             </a:pPr>
             <a:r>
               <a:rPr lang="en-US" sz="3600" dirty="0" smtClean="0"/>
-              <a:t>Aspect Discovery</a:t>
+              <a:t>Aspect </a:t>
+            </a:r>
+            <a:r>
+              <a:rPr lang="en-US" sz="3600" dirty="0" smtClean="0"/>
+              <a:t>Discovery</a:t>
             </a:r>
           </a:p>
           <a:p>
@@ -6377,36 +6988,6 @@
           </a:p>
         </p:txBody>
       </p:sp>
-      <p:pic>
-        <p:nvPicPr>
-          <p:cNvPr id="18" name="Picture 17" descr="Screen Shot 2015-06-01 at 11.31.50 AM.png"/>
-          <p:cNvPicPr>
-            <a:picLocks noChangeAspect="1"/>
-          </p:cNvPicPr>
-          <p:nvPr/>
-        </p:nvPicPr>
-        <p:blipFill>
-          <a:blip r:embed="rId5">
-            <a:extLst>
-              <a:ext uri="{28A0092B-C50C-407E-A947-70E740481C1C}">
-                <a14:useLocalDpi xmlns:a14="http://schemas.microsoft.com/office/drawing/2010/main" val="0"/>
-              </a:ext>
-            </a:extLst>
-          </a:blip>
-          <a:stretch>
-            <a:fillRect/>
-          </a:stretch>
-        </p:blipFill>
-        <p:spPr>
-          <a:xfrm>
-            <a:off x="29489400" y="9982200"/>
-            <a:ext cx="13374085" cy="6193475"/>
-          </a:xfrm>
-          <a:prstGeom prst="rect">
-            <a:avLst/>
-          </a:prstGeom>
-        </p:spPr>
-      </p:pic>
       <p:sp>
         <p:nvSpPr>
           <p:cNvPr id="55" name="TextBox 54"/>
@@ -6442,6 +7023,171 @@
               <a:rPr lang="en-US" sz="3600" dirty="0" smtClean="0"/>
               <a:t>Maybe new table?</a:t>
             </a:r>
+          </a:p>
+        </p:txBody>
+      </p:sp>
+      <p:pic>
+        <p:nvPicPr>
+          <p:cNvPr id="5" name="Picture 4" descr="Aspects_long.pdf"/>
+          <p:cNvPicPr>
+            <a:picLocks noChangeAspect="1"/>
+          </p:cNvPicPr>
+          <p:nvPr/>
+        </p:nvPicPr>
+        <p:blipFill>
+          <a:blip r:embed="rId7">
+            <a:extLst>
+              <a:ext uri="{28A0092B-C50C-407E-A947-70E740481C1C}">
+                <a14:useLocalDpi xmlns:a14="http://schemas.microsoft.com/office/drawing/2010/main" val="0"/>
+              </a:ext>
+            </a:extLst>
+          </a:blip>
+          <a:stretch>
+            <a:fillRect/>
+          </a:stretch>
+        </p:blipFill>
+        <p:spPr>
+          <a:xfrm>
+            <a:off x="29565599" y="10537448"/>
+            <a:ext cx="13182601" cy="4738178"/>
+          </a:xfrm>
+          <a:prstGeom prst="rect">
+            <a:avLst/>
+          </a:prstGeom>
+        </p:spPr>
+      </p:pic>
+      <p:pic>
+        <p:nvPicPr>
+          <p:cNvPr id="12" name="Picture 11" descr="Screen Shot 2015-06-01 at 9.27.16 AM.png"/>
+          <p:cNvPicPr>
+            <a:picLocks noChangeAspect="1"/>
+          </p:cNvPicPr>
+          <p:nvPr/>
+        </p:nvPicPr>
+        <p:blipFill>
+          <a:blip r:embed="rId8">
+            <a:extLst>
+              <a:ext uri="{28A0092B-C50C-407E-A947-70E740481C1C}">
+                <a14:useLocalDpi xmlns:a14="http://schemas.microsoft.com/office/drawing/2010/main" val="0"/>
+              </a:ext>
+            </a:extLst>
+          </a:blip>
+          <a:stretch>
+            <a:fillRect/>
+          </a:stretch>
+        </p:blipFill>
+        <p:spPr>
+          <a:xfrm>
+            <a:off x="1371600" y="24079200"/>
+            <a:ext cx="27224668" cy="7349910"/>
+          </a:xfrm>
+          <a:prstGeom prst="rect">
+            <a:avLst/>
+          </a:prstGeom>
+        </p:spPr>
+      </p:pic>
+      <p:sp>
+        <p:nvSpPr>
+          <p:cNvPr id="47" name="Rectangle 9"/>
+          <p:cNvSpPr>
+            <a:spLocks noChangeArrowheads="1"/>
+          </p:cNvSpPr>
+          <p:nvPr/>
+        </p:nvSpPr>
+        <p:spPr bwMode="auto">
+          <a:xfrm>
+            <a:off x="29641800" y="28117800"/>
+            <a:ext cx="3886200" cy="838200"/>
+          </a:xfrm>
+          <a:prstGeom prst="rect">
+            <a:avLst/>
+          </a:prstGeom>
+          <a:solidFill>
+            <a:srgbClr val="830000"/>
+          </a:solidFill>
+          <a:ln w="76200">
+            <a:noFill/>
+            <a:miter lim="800000"/>
+            <a:headEnd/>
+            <a:tailEnd/>
+          </a:ln>
+        </p:spPr>
+        <p:txBody>
+          <a:bodyPr wrap="none" lIns="78360" tIns="39182" rIns="78360" bIns="39182" anchor="ctr"/>
+          <a:lstStyle/>
+          <a:p>
+            <a:pPr algn="ctr"/>
+            <a:r>
+              <a:rPr lang="en-US" sz="2800" b="1" i="1" dirty="0" smtClean="0">
+                <a:solidFill>
+                  <a:schemeClr val="bg1"/>
+                </a:solidFill>
+                <a:latin typeface="Arial" panose="020B0604020202020204" pitchFamily="34" charset="0"/>
+                <a:cs typeface="Arial" panose="020B0604020202020204" pitchFamily="34" charset="0"/>
+              </a:rPr>
+              <a:t>Acknowledgments</a:t>
+            </a:r>
+            <a:endParaRPr lang="en-US" sz="2800" b="1" i="1" dirty="0">
+              <a:solidFill>
+                <a:schemeClr val="bg1"/>
+              </a:solidFill>
+              <a:latin typeface="Arial" panose="020B0604020202020204" pitchFamily="34" charset="0"/>
+              <a:cs typeface="Arial" panose="020B0604020202020204" pitchFamily="34" charset="0"/>
+            </a:endParaRPr>
+          </a:p>
+        </p:txBody>
+      </p:sp>
+      <p:sp>
+        <p:nvSpPr>
+          <p:cNvPr id="6" name="TextBox 5"/>
+          <p:cNvSpPr txBox="1"/>
+          <p:nvPr/>
+        </p:nvSpPr>
+        <p:spPr>
+          <a:xfrm>
+            <a:off x="29489400" y="15033248"/>
+            <a:ext cx="13335000" cy="892552"/>
+          </a:xfrm>
+          <a:prstGeom prst="rect">
+            <a:avLst/>
+          </a:prstGeom>
+          <a:noFill/>
+        </p:spPr>
+        <p:txBody>
+          <a:bodyPr wrap="square" rtlCol="0">
+            <a:spAutoFit/>
+          </a:bodyPr>
+          <a:lstStyle/>
+          <a:p>
+            <a:r>
+              <a:rPr lang="en-US" sz="2600" dirty="0" smtClean="0"/>
+              <a:t>Word clouds generated by seeding </a:t>
+            </a:r>
+            <a:r>
+              <a:rPr lang="en-US" sz="2600" i="1" dirty="0" smtClean="0"/>
+              <a:t>Portability</a:t>
+            </a:r>
+            <a:r>
+              <a:rPr lang="en-US" sz="2600" dirty="0" smtClean="0"/>
+              <a:t> (left), </a:t>
+            </a:r>
+            <a:r>
+              <a:rPr lang="en-US" sz="2600" i="1" dirty="0" smtClean="0"/>
+              <a:t>Contrast</a:t>
+            </a:r>
+            <a:r>
+              <a:rPr lang="en-US" sz="2600" dirty="0" smtClean="0"/>
+              <a:t> (middle) and </a:t>
+            </a:r>
+            <a:r>
+              <a:rPr lang="en-US" sz="2600" i="1" dirty="0" smtClean="0"/>
+              <a:t>Tripod</a:t>
+            </a:r>
+            <a:r>
+              <a:rPr lang="en-US" sz="2600" dirty="0" smtClean="0"/>
+              <a:t> (right). Words shown are subset of top 10 closest words, and are sized roughly according to cosine similarity</a:t>
+            </a:r>
+            <a:endParaRPr lang="en-US" sz="2600" dirty="0"/>
           </a:p>
         </p:txBody>
       </p:sp>
@@ -6754,4 +7500,324 @@
   <a:objectDefaults/>
   <a:extraClrSchemeLst/>
 </a:theme>
+</file>
+
+<file path=ppt/theme/theme2.xml><?xml version="1.0" encoding="utf-8"?>
+<a:theme xmlns:a="http://schemas.openxmlformats.org/drawingml/2006/main" name="Office Theme">
+  <a:themeElements>
+    <a:clrScheme name="Office">
+      <a:dk1>
+        <a:sysClr val="windowText" lastClr="000000"/>
+      </a:dk1>
+      <a:lt1>
+        <a:sysClr val="window" lastClr="FFFFFF"/>
+      </a:lt1>
+      <a:dk2>
+        <a:srgbClr val="1F497D"/>
+      </a:dk2>
+      <a:lt2>
+        <a:srgbClr val="EEECE1"/>
+      </a:lt2>
+      <a:accent1>
+        <a:srgbClr val="4F81BD"/>
+      </a:accent1>
+      <a:accent2>
+        <a:srgbClr val="C0504D"/>
+      </a:accent2>
+      <a:accent3>
+        <a:srgbClr val="9BBB59"/>
+      </a:accent3>
+      <a:accent4>
+        <a:srgbClr val="8064A2"/>
+      </a:accent4>
+      <a:accent5>
+        <a:srgbClr val="4BACC6"/>
+      </a:accent5>
+      <a:accent6>
+        <a:srgbClr val="F79646"/>
+      </a:accent6>
+      <a:hlink>
+        <a:srgbClr val="0000FF"/>
+      </a:hlink>
+      <a:folHlink>
+        <a:srgbClr val="800080"/>
+      </a:folHlink>
+    </a:clrScheme>
+    <a:fontScheme name="Office">
+      <a:majorFont>
+        <a:latin typeface="Calibri"/>
+        <a:ea typeface=""/>
+        <a:cs typeface=""/>
+        <a:font script="Jpan" typeface="ＭＳ Ｐゴシック"/>
+        <a:font script="Hang" typeface="맑은 고딕"/>
+        <a:font script="Hans" typeface="宋体"/>
+        <a:font script="Hant" typeface="新細明體"/>
+        <a:font script="Arab" typeface="Times New Roman"/>
+        <a:font script="Hebr" typeface="Times New Roman"/>
+        <a:font script="Thai" typeface="Angsana New"/>
+        <a:font script="Ethi" typeface="Nyala"/>
+        <a:font script="Beng" typeface="Vrinda"/>
+        <a:font script="Gujr" typeface="Shruti"/>
+        <a:font script="Khmr" typeface="MoolBoran"/>
+        <a:font script="Knda" typeface="Tunga"/>
+        <a:font script="Guru" typeface="Raavi"/>
+        <a:font script="Cans" typeface="Euphemia"/>
+        <a:font script="Cher" typeface="Plantagenet Cherokee"/>
+        <a:font script="Yiii" typeface="Microsoft Yi Baiti"/>
+        <a:font script="Tibt" typeface="Microsoft Himalaya"/>
+        <a:font script="Thaa" typeface="MV Boli"/>
+        <a:font script="Deva" typeface="Mangal"/>
+        <a:font script="Telu" typeface="Gautami"/>
+        <a:font script="Taml" typeface="Latha"/>
+        <a:font script="Syrc" typeface="Estrangelo Edessa"/>
+        <a:font script="Orya" typeface="Kalinga"/>
+        <a:font script="Mlym" typeface="Kartika"/>
+        <a:font script="Laoo" typeface="DokChampa"/>
+        <a:font script="Sinh" typeface="Iskoola Pota"/>
+        <a:font script="Mong" typeface="Mongolian Baiti"/>
+        <a:font script="Viet" typeface="Times New Roman"/>
+        <a:font script="Uigh" typeface="Microsoft Uighur"/>
+        <a:font script="Geor" typeface="Sylfaen"/>
+      </a:majorFont>
+      <a:minorFont>
+        <a:latin typeface="Calibri"/>
+        <a:ea typeface=""/>
+        <a:cs typeface=""/>
+        <a:font script="Jpan" typeface="ＭＳ Ｐゴシック"/>
+        <a:font script="Hang" typeface="맑은 고딕"/>
+        <a:font script="Hans" typeface="宋体"/>
+        <a:font script="Hant" typeface="新細明體"/>
+        <a:font script="Arab" typeface="Arial"/>
+        <a:font script="Hebr" typeface="Arial"/>
+        <a:font script="Thai" typeface="Cordia New"/>
+        <a:font script="Ethi" typeface="Nyala"/>
+        <a:font script="Beng" typeface="Vrinda"/>
+        <a:font script="Gujr" typeface="Shruti"/>
+        <a:font script="Khmr" typeface="DaunPenh"/>
+        <a:font script="Knda" typeface="Tunga"/>
+        <a:font script="Guru" typeface="Raavi"/>
+        <a:font script="Cans" typeface="Euphemia"/>
+        <a:font script="Cher" typeface="Plantagenet Cherokee"/>
+        <a:font script="Yiii" typeface="Microsoft Yi Baiti"/>
+        <a:font script="Tibt" typeface="Microsoft Himalaya"/>
+        <a:font script="Thaa" typeface="MV Boli"/>
+        <a:font script="Deva" typeface="Mangal"/>
+        <a:font script="Telu" typeface="Gautami"/>
+        <a:font script="Taml" typeface="Latha"/>
+        <a:font script="Syrc" typeface="Estrangelo Edessa"/>
+        <a:font script="Orya" typeface="Kalinga"/>
+        <a:font script="Mlym" typeface="Kartika"/>
+        <a:font script="Laoo" typeface="DokChampa"/>
+        <a:font script="Sinh" typeface="Iskoola Pota"/>
+        <a:font script="Mong" typeface="Mongolian Baiti"/>
+        <a:font script="Viet" typeface="Arial"/>
+        <a:font script="Uigh" typeface="Microsoft Uighur"/>
+        <a:font script="Geor" typeface="Sylfaen"/>
+      </a:minorFont>
+    </a:fontScheme>
+    <a:fmtScheme name="Office">
+      <a:fillStyleLst>
+        <a:solidFill>
+          <a:schemeClr val="phClr"/>
+        </a:solidFill>
+        <a:gradFill rotWithShape="1">
+          <a:gsLst>
+            <a:gs pos="0">
+              <a:schemeClr val="phClr">
+                <a:tint val="50000"/>
+                <a:satMod val="300000"/>
+              </a:schemeClr>
+            </a:gs>
+            <a:gs pos="35000">
+              <a:schemeClr val="phClr">
+                <a:tint val="37000"/>
+                <a:satMod val="300000"/>
+              </a:schemeClr>
+            </a:gs>
+            <a:gs pos="100000">
+              <a:schemeClr val="phClr">
+                <a:tint val="15000"/>
+                <a:satMod val="350000"/>
+              </a:schemeClr>
+            </a:gs>
+          </a:gsLst>
+          <a:lin ang="16200000" scaled="1"/>
+        </a:gradFill>
+        <a:gradFill rotWithShape="1">
+          <a:gsLst>
+            <a:gs pos="0">
+              <a:schemeClr val="phClr">
+                <a:tint val="100000"/>
+                <a:shade val="100000"/>
+                <a:satMod val="130000"/>
+              </a:schemeClr>
+            </a:gs>
+            <a:gs pos="100000">
+              <a:schemeClr val="phClr">
+                <a:tint val="50000"/>
+                <a:shade val="100000"/>
+                <a:satMod val="350000"/>
+              </a:schemeClr>
+            </a:gs>
+          </a:gsLst>
+          <a:lin ang="16200000" scaled="0"/>
+        </a:gradFill>
+      </a:fillStyleLst>
+      <a:lnStyleLst>
+        <a:ln w="9525" cap="flat" cmpd="sng" algn="ctr">
+          <a:solidFill>
+            <a:schemeClr val="phClr">
+              <a:shade val="95000"/>
+              <a:satMod val="105000"/>
+            </a:schemeClr>
+          </a:solidFill>
+          <a:prstDash val="solid"/>
+        </a:ln>
+        <a:ln w="25400" cap="flat" cmpd="sng" algn="ctr">
+          <a:solidFill>
+            <a:schemeClr val="phClr"/>
+          </a:solidFill>
+          <a:prstDash val="solid"/>
+        </a:ln>
+        <a:ln w="38100" cap="flat" cmpd="sng" algn="ctr">
+          <a:solidFill>
+            <a:schemeClr val="phClr"/>
+          </a:solidFill>
+          <a:prstDash val="solid"/>
+        </a:ln>
+      </a:lnStyleLst>
+      <a:effectStyleLst>
+        <a:effectStyle>
+          <a:effectLst>
+            <a:outerShdw blurRad="40000" dist="20000" dir="5400000" rotWithShape="0">
+              <a:srgbClr val="000000">
+                <a:alpha val="38000"/>
+              </a:srgbClr>
+            </a:outerShdw>
+          </a:effectLst>
+        </a:effectStyle>
+        <a:effectStyle>
+          <a:effectLst>
+            <a:outerShdw blurRad="40000" dist="23000" dir="5400000" rotWithShape="0">
+              <a:srgbClr val="000000">
+                <a:alpha val="35000"/>
+              </a:srgbClr>
+            </a:outerShdw>
+          </a:effectLst>
+        </a:effectStyle>
+        <a:effectStyle>
+          <a:effectLst>
+            <a:outerShdw blurRad="40000" dist="23000" dir="5400000" rotWithShape="0">
+              <a:srgbClr val="000000">
+                <a:alpha val="35000"/>
+              </a:srgbClr>
+            </a:outerShdw>
+          </a:effectLst>
+          <a:scene3d>
+            <a:camera prst="orthographicFront">
+              <a:rot lat="0" lon="0" rev="0"/>
+            </a:camera>
+            <a:lightRig rig="threePt" dir="t">
+              <a:rot lat="0" lon="0" rev="1200000"/>
+            </a:lightRig>
+          </a:scene3d>
+          <a:sp3d>
+            <a:bevelT w="63500" h="25400"/>
+          </a:sp3d>
+        </a:effectStyle>
+      </a:effectStyleLst>
+      <a:bgFillStyleLst>
+        <a:solidFill>
+          <a:schemeClr val="phClr"/>
+        </a:solidFill>
+        <a:gradFill rotWithShape="1">
+          <a:gsLst>
+            <a:gs pos="0">
+              <a:schemeClr val="phClr">
+                <a:tint val="40000"/>
+                <a:satMod val="350000"/>
+              </a:schemeClr>
+            </a:gs>
+            <a:gs pos="40000">
+              <a:schemeClr val="phClr">
+                <a:tint val="45000"/>
+                <a:shade val="99000"/>
+                <a:satMod val="350000"/>
+              </a:schemeClr>
+            </a:gs>
+            <a:gs pos="100000">
+              <a:schemeClr val="phClr">
+                <a:shade val="20000"/>
+                <a:satMod val="255000"/>
+              </a:schemeClr>
+            </a:gs>
+          </a:gsLst>
+          <a:path path="circle">
+            <a:fillToRect l="50000" t="-80000" r="50000" b="180000"/>
+          </a:path>
+        </a:gradFill>
+        <a:gradFill rotWithShape="1">
+          <a:gsLst>
+            <a:gs pos="0">
+              <a:schemeClr val="phClr">
+                <a:tint val="80000"/>
+                <a:satMod val="300000"/>
+              </a:schemeClr>
+            </a:gs>
+            <a:gs pos="100000">
+              <a:schemeClr val="phClr">
+                <a:shade val="30000"/>
+                <a:satMod val="200000"/>
+              </a:schemeClr>
+            </a:gs>
+          </a:gsLst>
+          <a:path path="circle">
+            <a:fillToRect l="50000" t="50000" r="50000" b="50000"/>
+          </a:path>
+        </a:gradFill>
+      </a:bgFillStyleLst>
+    </a:fmtScheme>
+  </a:themeElements>
+  <a:objectDefaults>
+    <a:spDef>
+      <a:spPr/>
+      <a:bodyPr/>
+      <a:lstStyle/>
+      <a:style>
+        <a:lnRef idx="1">
+          <a:schemeClr val="accent1"/>
+        </a:lnRef>
+        <a:fillRef idx="3">
+          <a:schemeClr val="accent1"/>
+        </a:fillRef>
+        <a:effectRef idx="2">
+          <a:schemeClr val="accent1"/>
+        </a:effectRef>
+        <a:fontRef idx="minor">
+          <a:schemeClr val="lt1"/>
+        </a:fontRef>
+      </a:style>
+    </a:spDef>
+    <a:lnDef>
+      <a:spPr/>
+      <a:bodyPr/>
+      <a:lstStyle/>
+      <a:style>
+        <a:lnRef idx="2">
+          <a:schemeClr val="accent1"/>
+        </a:lnRef>
+        <a:fillRef idx="0">
+          <a:schemeClr val="accent1"/>
+        </a:fillRef>
+        <a:effectRef idx="1">
+          <a:schemeClr val="accent1"/>
+        </a:effectRef>
+        <a:fontRef idx="minor">
+          <a:schemeClr val="tx1"/>
+        </a:fontRef>
+      </a:style>
+    </a:lnDef>
+  </a:objectDefaults>
+  <a:extraClrSchemeLst/>
+</a:theme>
 </file>
--- a/poster/CS224D_Poster.pptx
+++ b/poster/CS224D_Poster.pptx
@@ -5570,7 +5570,7 @@
                 <a:latin typeface="Arial" panose="020B0604020202020204" pitchFamily="34" charset="0"/>
                 <a:cs typeface="Arial" panose="020B0604020202020204" pitchFamily="34" charset="0"/>
               </a:rPr>
-              <a:t>CS224D</a:t>
+              <a:t>Spring 2015 / CS224D: Deep Learning for NLP</a:t>
             </a:r>
             <a:endParaRPr lang="en-US" sz="4000" b="1" baseline="30000" dirty="0">
               <a:solidFill>

--- a/poster/CS224D_Poster.pptx
+++ b/poster/CS224D_Poster.pptx
@@ -732,7 +732,7 @@
                 </a:solidFill>
               </a:rPr>
               <a:pPr/>
-              <a:t>6/1/15</a:t>
+              <a:t>6/2/15</a:t>
             </a:fld>
             <a:endParaRPr lang="en-US" dirty="0">
               <a:solidFill>
@@ -942,7 +942,7 @@
                 </a:solidFill>
               </a:rPr>
               <a:pPr/>
-              <a:t>6/1/15</a:t>
+              <a:t>6/2/15</a:t>
             </a:fld>
             <a:endParaRPr lang="en-US" dirty="0">
               <a:solidFill>
@@ -1162,7 +1162,7 @@
                 </a:solidFill>
               </a:rPr>
               <a:pPr/>
-              <a:t>6/1/15</a:t>
+              <a:t>6/2/15</a:t>
             </a:fld>
             <a:endParaRPr lang="en-US" dirty="0">
               <a:solidFill>
@@ -1766,7 +1766,7 @@
                 </a:solidFill>
               </a:rPr>
               <a:pPr/>
-              <a:t>6/1/15</a:t>
+              <a:t>6/2/15</a:t>
             </a:fld>
             <a:endParaRPr lang="en-US" dirty="0">
               <a:solidFill>
@@ -2694,7 +2694,7 @@
                 </a:solidFill>
               </a:rPr>
               <a:pPr/>
-              <a:t>6/1/15</a:t>
+              <a:t>6/2/15</a:t>
             </a:fld>
             <a:endParaRPr lang="en-US" dirty="0">
               <a:solidFill>
@@ -2980,7 +2980,7 @@
                 </a:solidFill>
               </a:rPr>
               <a:pPr/>
-              <a:t>6/1/15</a:t>
+              <a:t>6/2/15</a:t>
             </a:fld>
             <a:endParaRPr lang="en-US" dirty="0">
               <a:solidFill>
@@ -3308,7 +3308,7 @@
                 </a:solidFill>
               </a:rPr>
               <a:pPr/>
-              <a:t>6/1/15</a:t>
+              <a:t>6/2/15</a:t>
             </a:fld>
             <a:endParaRPr lang="en-US" dirty="0">
               <a:solidFill>
@@ -3770,7 +3770,7 @@
                 </a:solidFill>
               </a:rPr>
               <a:pPr/>
-              <a:t>6/1/15</a:t>
+              <a:t>6/2/15</a:t>
             </a:fld>
             <a:endParaRPr lang="en-US" dirty="0">
               <a:solidFill>
@@ -3928,7 +3928,7 @@
                 </a:solidFill>
               </a:rPr>
               <a:pPr/>
-              <a:t>6/1/15</a:t>
+              <a:t>6/2/15</a:t>
             </a:fld>
             <a:endParaRPr lang="en-US" dirty="0">
               <a:solidFill>
@@ -4063,7 +4063,7 @@
                 </a:solidFill>
               </a:rPr>
               <a:pPr/>
-              <a:t>6/1/15</a:t>
+              <a:t>6/2/15</a:t>
             </a:fld>
             <a:endParaRPr lang="en-US" dirty="0">
               <a:solidFill>
@@ -4380,7 +4380,7 @@
                 </a:solidFill>
               </a:rPr>
               <a:pPr/>
-              <a:t>6/1/15</a:t>
+              <a:t>6/2/15</a:t>
             </a:fld>
             <a:endParaRPr lang="en-US" dirty="0">
               <a:solidFill>
@@ -4673,7 +4673,7 @@
                 </a:solidFill>
               </a:rPr>
               <a:pPr/>
-              <a:t>6/1/15</a:t>
+              <a:t>6/2/15</a:t>
             </a:fld>
             <a:endParaRPr lang="en-US" dirty="0">
               <a:solidFill>
@@ -4926,7 +4926,7 @@
                 </a:solidFill>
               </a:rPr>
               <a:pPr/>
-              <a:t>6/1/15</a:t>
+              <a:t>6/2/15</a:t>
             </a:fld>
             <a:endParaRPr lang="en-US" dirty="0">
               <a:solidFill>
@@ -5445,27 +5445,7 @@
                 <a:latin typeface="Arial" panose="020B0604020202020204" pitchFamily="34" charset="0"/>
                 <a:cs typeface="Arial" panose="020B0604020202020204" pitchFamily="34" charset="0"/>
               </a:rPr>
-              <a:t>Desmond </a:t>
-            </a:r>
-            <a:r>
-              <a:rPr lang="en-US" sz="4800" b="1" dirty="0" smtClean="0">
-                <a:solidFill>
-                  <a:prstClr val="black"/>
-                </a:solidFill>
-                <a:latin typeface="Arial" panose="020B0604020202020204" pitchFamily="34" charset="0"/>
-                <a:cs typeface="Arial" panose="020B0604020202020204" pitchFamily="34" charset="0"/>
-              </a:rPr>
-              <a:t>C. Ong</a:t>
-            </a:r>
-            <a:r>
-              <a:rPr lang="en-US" sz="4800" b="1" dirty="0" smtClean="0">
-                <a:solidFill>
-                  <a:prstClr val="black"/>
-                </a:solidFill>
-                <a:latin typeface="Arial" panose="020B0604020202020204" pitchFamily="34" charset="0"/>
-                <a:cs typeface="Arial" panose="020B0604020202020204" pitchFamily="34" charset="0"/>
-              </a:rPr>
-              <a:t>, Shane </a:t>
+              <a:t>Desmond C. Ong, Shane </a:t>
             </a:r>
             <a:r>
               <a:rPr lang="en-US" sz="4800" b="1" dirty="0" err="1" smtClean="0">
@@ -5683,11 +5663,7 @@
             </a:pPr>
             <a:r>
               <a:rPr lang="en-US" sz="4000" dirty="0" smtClean="0"/>
-              <a:t>Product reviews contain many aspects (e.g</a:t>
-            </a:r>
-            <a:r>
-              <a:rPr lang="en-US" sz="4000" dirty="0" smtClean="0"/>
-              <a:t>. </a:t>
+              <a:t>Product reviews contain many aspects (e.g. </a:t>
             </a:r>
             <a:r>
               <a:rPr lang="en-US" sz="4000" i="1" dirty="0" smtClean="0"/>
@@ -5731,7 +5707,6 @@
               <a:rPr lang="en-US" sz="4000" dirty="0" smtClean="0"/>
               <a:t> information from product reviews</a:t>
             </a:r>
-            <a:endParaRPr lang="en-US" sz="4000" dirty="0" smtClean="0"/>
           </a:p>
           <a:p>
             <a:pPr marL="571500" indent="-571500">
@@ -5836,7 +5811,7 @@
                 <a:latin typeface="Arial" panose="020B0604020202020204" pitchFamily="34" charset="0"/>
                 <a:cs typeface="Arial" panose="020B0604020202020204" pitchFamily="34" charset="0"/>
               </a:rPr>
-              <a:t>Problem</a:t>
+              <a:t>Problem and Approach</a:t>
             </a:r>
             <a:endParaRPr lang="en-US" sz="5400" b="1" i="1" dirty="0">
               <a:solidFill>
@@ -5897,68 +5872,7 @@
                 <a:latin typeface="Arial" panose="020B0604020202020204" pitchFamily="34" charset="0"/>
                 <a:cs typeface="Arial" panose="020B0604020202020204" pitchFamily="34" charset="0"/>
               </a:rPr>
-              <a:t>Approach</a:t>
-            </a:r>
-            <a:endParaRPr lang="en-US" sz="5400" b="1" i="1" dirty="0">
-              <a:solidFill>
-                <a:schemeClr val="bg1"/>
-              </a:solidFill>
-              <a:latin typeface="Arial" panose="020B0604020202020204" pitchFamily="34" charset="0"/>
-              <a:cs typeface="Arial" panose="020B0604020202020204" pitchFamily="34" charset="0"/>
-            </a:endParaRPr>
-          </a:p>
-        </p:txBody>
-      </p:sp>
-      <p:sp>
-        <p:nvSpPr>
-          <p:cNvPr id="37" name="Rectangle 9"/>
-          <p:cNvSpPr>
-            <a:spLocks noChangeArrowheads="1"/>
-          </p:cNvSpPr>
-          <p:nvPr/>
-        </p:nvSpPr>
-        <p:spPr bwMode="auto">
-          <a:xfrm>
-            <a:off x="15621000" y="17526000"/>
-            <a:ext cx="13237027" cy="974638"/>
-          </a:xfrm>
-          <a:prstGeom prst="rect">
-            <a:avLst/>
-          </a:prstGeom>
-          <a:solidFill>
-            <a:srgbClr val="830000"/>
-          </a:solidFill>
-          <a:ln w="76200">
-            <a:noFill/>
-            <a:miter lim="800000"/>
-            <a:headEnd/>
-            <a:tailEnd/>
-          </a:ln>
-        </p:spPr>
-        <p:txBody>
-          <a:bodyPr wrap="none" lIns="78360" tIns="39182" rIns="78360" bIns="39182" anchor="b"/>
-          <a:lstStyle/>
-          <a:p>
-            <a:pPr algn="ctr"/>
-            <a:r>
-              <a:rPr lang="en-US" dirty="0">
-                <a:solidFill>
-                  <a:prstClr val="black"/>
-                </a:solidFill>
-                <a:latin typeface="Arial" panose="020B0604020202020204" pitchFamily="34" charset="0"/>
-                <a:cs typeface="Arial" panose="020B0604020202020204" pitchFamily="34" charset="0"/>
-              </a:rPr>
-              <a:t> </a:t>
-            </a:r>
-            <a:r>
-              <a:rPr lang="en-US" sz="5400" b="1" i="1" dirty="0" smtClean="0">
-                <a:solidFill>
-                  <a:schemeClr val="bg1"/>
-                </a:solidFill>
-                <a:latin typeface="Arial" panose="020B0604020202020204" pitchFamily="34" charset="0"/>
-                <a:cs typeface="Arial" panose="020B0604020202020204" pitchFamily="34" charset="0"/>
-              </a:rPr>
-              <a:t>Models</a:t>
+              <a:t>Model Architecture</a:t>
             </a:r>
             <a:endParaRPr lang="en-US" sz="5400" b="1" i="1" dirty="0">
               <a:solidFill>
@@ -6148,7 +6062,7 @@
         <p:spPr>
           <a:xfrm>
             <a:off x="1447801" y="12801600"/>
-            <a:ext cx="13258800" cy="11110736"/>
+            <a:ext cx="13258800" cy="9510297"/>
           </a:xfrm>
           <a:prstGeom prst="rect">
             <a:avLst/>
@@ -6172,7 +6086,37 @@
           <a:p>
             <a:r>
               <a:rPr lang="en-US" sz="4800" b="1" dirty="0" smtClean="0"/>
-              <a:t>Unsupervised Aspect Discovery</a:t>
+              <a:t>Dataset:</a:t>
+            </a:r>
+            <a:r>
+              <a:rPr lang="en-US" sz="3600" b="1" dirty="0" smtClean="0"/>
+              <a:t> </a:t>
+            </a:r>
+            <a:r>
+              <a:rPr lang="en-US" sz="3600" dirty="0" smtClean="0"/>
+              <a:t>7.6 million reviews (39.4M sentences) </a:t>
+            </a:r>
+            <a:r>
+              <a:rPr lang="en-US" sz="3600" dirty="0"/>
+              <a:t>of electronics product from Amazon.com</a:t>
+            </a:r>
+            <a:r>
+              <a:rPr lang="en-US" sz="3600" baseline="30000" dirty="0"/>
+              <a:t>2</a:t>
+            </a:r>
+            <a:endParaRPr lang="en-US" sz="3600" dirty="0"/>
+          </a:p>
+          <a:p>
+            <a:endParaRPr lang="en-US" sz="3600" b="1" dirty="0"/>
+          </a:p>
+          <a:p>
+            <a:r>
+              <a:rPr lang="en-US" sz="4800" b="1" dirty="0" smtClean="0"/>
+              <a:t>Unsupervised </a:t>
+            </a:r>
+            <a:r>
+              <a:rPr lang="en-US" sz="4800" b="1" dirty="0" smtClean="0"/>
+              <a:t>Aspect Discovery</a:t>
             </a:r>
           </a:p>
           <a:p>
@@ -6181,9 +6125,18 @@
               <a:buChar char="•"/>
             </a:pPr>
             <a:r>
-              <a:rPr lang="en-US" sz="4000" dirty="0" smtClean="0"/>
-              <a:t>Problem: How can we automatically generate lists of words that could be aspects?</a:t>
-            </a:r>
+              <a:rPr lang="en-US" sz="3600" dirty="0" smtClean="0"/>
+              <a:t>How </a:t>
+            </a:r>
+            <a:r>
+              <a:rPr lang="en-US" sz="3600" dirty="0" smtClean="0"/>
+              <a:t>can we automatically generate lists of </a:t>
+            </a:r>
+            <a:r>
+              <a:rPr lang="en-US" sz="3600" dirty="0" smtClean="0"/>
+              <a:t>possible aspect words?</a:t>
+            </a:r>
+            <a:endParaRPr lang="en-US" sz="3600" dirty="0" smtClean="0"/>
           </a:p>
           <a:p>
             <a:pPr marL="571500" indent="-571500">
@@ -6191,9 +6144,34 @@
               <a:buChar char="•"/>
             </a:pPr>
             <a:r>
-              <a:rPr lang="en-US" sz="4000" dirty="0" smtClean="0"/>
-              <a:t>Train a word2vec representation of dataset.</a:t>
-            </a:r>
+              <a:rPr lang="en-US" sz="3600" dirty="0" smtClean="0"/>
+              <a:t>Train </a:t>
+            </a:r>
+            <a:r>
+              <a:rPr lang="en-US" sz="3600" dirty="0" smtClean="0"/>
+              <a:t>a word2vec representation of </a:t>
+            </a:r>
+            <a:r>
+              <a:rPr lang="en-US" sz="3600" dirty="0" smtClean="0"/>
+              <a:t>dataset (tokenized, </a:t>
+            </a:r>
+            <a:r>
+              <a:rPr lang="en-US" sz="3600" dirty="0" err="1" smtClean="0"/>
+              <a:t>bigramized</a:t>
+            </a:r>
+            <a:r>
+              <a:rPr lang="en-US" sz="3600" dirty="0" smtClean="0"/>
+              <a:t>) with tuned </a:t>
+            </a:r>
+            <a:r>
+              <a:rPr lang="en-US" sz="3600" dirty="0" err="1" smtClean="0"/>
+              <a:t>hyperparameters</a:t>
+            </a:r>
+            <a:r>
+              <a:rPr lang="en-US" sz="3600" dirty="0" smtClean="0"/>
+              <a:t>.</a:t>
+            </a:r>
+            <a:endParaRPr lang="en-US" sz="3600" dirty="0" smtClean="0"/>
           </a:p>
           <a:p>
             <a:pPr marL="571500" indent="-571500">
@@ -6201,16 +6179,16 @@
               <a:buChar char="•"/>
             </a:pPr>
             <a:r>
-              <a:rPr lang="en-US" sz="4000" dirty="0" smtClean="0"/>
-              <a:t>Start with short “seed” list. Expand list by returning top </a:t>
-            </a:r>
-            <a:r>
-              <a:rPr lang="en-US" sz="4000" i="1" dirty="0" smtClean="0"/>
-              <a:t>n</a:t>
-            </a:r>
-            <a:r>
-              <a:rPr lang="en-US" sz="4000" dirty="0" smtClean="0"/>
-              <a:t> related word vectors, based on cosine similarity</a:t>
+              <a:rPr lang="en-US" sz="3600" dirty="0" smtClean="0"/>
+              <a:t>Start with short “seed” list. Expand list by returning </a:t>
+            </a:r>
+            <a:r>
+              <a:rPr lang="en-US" sz="3600" dirty="0" smtClean="0"/>
+              <a:t>top 5 </a:t>
+            </a:r>
+            <a:r>
+              <a:rPr lang="en-US" sz="3600" dirty="0" smtClean="0"/>
+              <a:t>related word vectors, based on cosine similarity</a:t>
             </a:r>
           </a:p>
           <a:p>
@@ -6218,89 +6196,57 @@
           </a:p>
           <a:p>
             <a:r>
-              <a:rPr lang="en-US" sz="3600" dirty="0" smtClean="0"/>
+              <a:rPr lang="en-US" sz="4800" b="1" dirty="0" smtClean="0"/>
               <a:t>Aspect-Specific Sentiment Analysis</a:t>
             </a:r>
-            <a:endParaRPr lang="en-US" sz="3600" dirty="0" smtClean="0"/>
-          </a:p>
-          <a:p>
-            <a:pPr marL="571500" indent="-571500">
+            <a:endParaRPr lang="en-US" sz="3600" i="1" dirty="0"/>
+          </a:p>
+          <a:p>
+            <a:pPr marL="571500" lvl="1" indent="-571500">
               <a:buFont typeface="Arial" panose="020B0604020202020204" pitchFamily="34" charset="0"/>
               <a:buChar char="•"/>
             </a:pPr>
-            <a:endParaRPr lang="en-US" sz="3600" i="1" dirty="0"/>
-          </a:p>
-          <a:p>
-            <a:pPr marL="571500" indent="-571500">
+            <a:r>
+              <a:rPr lang="en-US" sz="3600" dirty="0" smtClean="0"/>
+              <a:t>How can we extract (</a:t>
+            </a:r>
+            <a:r>
+              <a:rPr lang="en-US" sz="3600" dirty="0"/>
+              <a:t>aspect, aspect-related sentiment) </a:t>
+            </a:r>
+            <a:r>
+              <a:rPr lang="en-US" sz="3600" dirty="0" smtClean="0"/>
+              <a:t>pairs?</a:t>
+            </a:r>
+          </a:p>
+          <a:p>
+            <a:pPr marL="571500" lvl="1" indent="-571500">
               <a:buFont typeface="Arial" panose="020B0604020202020204" pitchFamily="34" charset="0"/>
               <a:buChar char="•"/>
             </a:pPr>
             <a:r>
-              <a:rPr lang="en-US" sz="3600" i="1" dirty="0" smtClean="0"/>
-              <a:t>Dataset</a:t>
-            </a:r>
-            <a:r>
               <a:rPr lang="en-US" sz="3600" dirty="0" smtClean="0"/>
-              <a:t> </a:t>
-            </a:r>
-            <a:r>
-              <a:rPr lang="en-US" sz="3600" dirty="0" smtClean="0"/>
-              <a:t>: 6 million reviews of electronics product from </a:t>
-            </a:r>
-            <a:r>
-              <a:rPr lang="en-US" sz="3600" dirty="0" smtClean="0"/>
-              <a:t>Amazon.com</a:t>
-            </a:r>
-            <a:r>
-              <a:rPr lang="en-US" sz="3600" baseline="30000" dirty="0" smtClean="0"/>
-              <a:t>2</a:t>
-            </a:r>
-            <a:endParaRPr lang="en-US" sz="3600" dirty="0" smtClean="0"/>
-          </a:p>
-          <a:p>
-            <a:pPr marL="571500" indent="-571500">
+              <a:t>From above, obtain list of aspect words. </a:t>
+            </a:r>
+          </a:p>
+          <a:p>
+            <a:pPr marL="571500" lvl="1" indent="-571500">
               <a:buFont typeface="Arial" panose="020B0604020202020204" pitchFamily="34" charset="0"/>
               <a:buChar char="•"/>
             </a:pPr>
             <a:r>
               <a:rPr lang="en-US" sz="3600" dirty="0" smtClean="0"/>
-              <a:t>Aspect-Specific Sentiment Extraction</a:t>
-            </a:r>
-          </a:p>
-          <a:p>
-            <a:pPr marL="2766060" lvl="1" indent="-571500">
+              <a:t>Extract windows around aspect word, and evaluate sentiment. </a:t>
+            </a:r>
+          </a:p>
+          <a:p>
+            <a:pPr marL="571500" lvl="1" indent="-571500">
               <a:buFont typeface="Arial" panose="020B0604020202020204" pitchFamily="34" charset="0"/>
               <a:buChar char="•"/>
             </a:pPr>
             <a:r>
-              <a:rPr lang="en-US" sz="3600" i="1" dirty="0" smtClean="0"/>
-              <a:t>Problem</a:t>
-            </a:r>
-            <a:r>
               <a:rPr lang="en-US" sz="3600" dirty="0" smtClean="0"/>
-              <a:t> : Given a set of reviews (for a single product) identify (aspect, aspect-related sentiment) tuples</a:t>
-            </a:r>
-          </a:p>
-          <a:p>
-            <a:pPr marL="2766060" lvl="1" indent="-571500">
-              <a:buFont typeface="Arial" panose="020B0604020202020204" pitchFamily="34" charset="0"/>
-              <a:buChar char="•"/>
-            </a:pPr>
-            <a:r>
-              <a:rPr lang="en-US" sz="3600" i="1" dirty="0" smtClean="0"/>
-              <a:t>Evaluation</a:t>
-            </a:r>
-            <a:r>
-              <a:rPr lang="en-US" sz="3600" dirty="0" smtClean="0"/>
-              <a:t> : We will construct word cloud visualizations color coded to express sentiment. We will perform comparisons with “expert review” sites, such as CNET and </a:t>
-            </a:r>
-            <a:r>
-              <a:rPr lang="en-US" sz="3600" dirty="0" err="1" smtClean="0"/>
-              <a:t>DPReview</a:t>
-            </a:r>
-            <a:r>
-              <a:rPr lang="en-US" sz="3600" dirty="0" smtClean="0"/>
-              <a:t>, and the aspect-specific ratings on Google Shopping.</a:t>
+              <a:t>Multiclass (positive, neutral, negative) classification problem: Convolutional Neural Network</a:t>
             </a:r>
           </a:p>
         </p:txBody>
@@ -6599,8 +6545,8 @@
         </p:nvSpPr>
         <p:spPr>
           <a:xfrm>
-            <a:off x="29641800" y="29115603"/>
-            <a:ext cx="12954000" cy="830997"/>
+            <a:off x="29641800" y="28763893"/>
+            <a:ext cx="12954000" cy="954107"/>
           </a:xfrm>
           <a:prstGeom prst="rect">
             <a:avLst/>
@@ -6623,24 +6569,16 @@
           <a:lstStyle/>
           <a:p>
             <a:r>
-              <a:rPr lang="en-US" sz="2400" dirty="0" smtClean="0"/>
+              <a:rPr lang="en-US" sz="2800" dirty="0" smtClean="0"/>
               <a:t>We would like to thank Richard </a:t>
             </a:r>
             <a:r>
-              <a:rPr lang="en-US" sz="2400" dirty="0" err="1" smtClean="0"/>
+              <a:rPr lang="en-US" sz="2800" dirty="0" err="1" smtClean="0"/>
               <a:t>Socher</a:t>
             </a:r>
             <a:r>
-              <a:rPr lang="en-US" sz="2400" dirty="0" smtClean="0"/>
-              <a:t> and the teaching assistants of CS224D </a:t>
-            </a:r>
-            <a:r>
-              <a:rPr lang="en-US" sz="2400" dirty="0" smtClean="0"/>
-              <a:t>for all their help and </a:t>
-            </a:r>
-            <a:r>
-              <a:rPr lang="en-US" sz="2400" dirty="0" smtClean="0"/>
-              <a:t>the Stanford Deep Social Learning Lab for providing computing resources.</a:t>
+              <a:rPr lang="en-US" sz="2800" dirty="0" smtClean="0"/>
+              <a:t> and the teaching assistants of CS224D for all their help and the Stanford Deep Social Learning Lab for providing computing resources.</a:t>
             </a:r>
           </a:p>
         </p:txBody>
@@ -6653,8 +6591,8 @@
         </p:nvSpPr>
         <p:spPr>
           <a:xfrm>
-            <a:off x="29565600" y="30022800"/>
-            <a:ext cx="13182600" cy="1446550"/>
+            <a:off x="29565600" y="29718000"/>
+            <a:ext cx="13182600" cy="1785104"/>
           </a:xfrm>
           <a:prstGeom prst="rect">
             <a:avLst/>
@@ -6726,6 +6664,25 @@
               <a:rPr lang="en-US" sz="2200" i="1" dirty="0"/>
               <a:t>ACM Special Interest Group on Information Retrieval (SIGIR) </a:t>
             </a:r>
+            <a:endParaRPr lang="en-US" sz="2200" i="1" dirty="0" smtClean="0"/>
+          </a:p>
+          <a:p>
+            <a:r>
+              <a:rPr lang="en-US" sz="2200" baseline="30000" dirty="0" smtClean="0"/>
+              <a:t>3</a:t>
+            </a:r>
+            <a:r>
+              <a:rPr lang="en-US" sz="2200" dirty="0" smtClean="0"/>
+              <a:t>Bing Liu (2012). </a:t>
+            </a:r>
+            <a:r>
+              <a:rPr lang="en-US" sz="2200" i="1" dirty="0" smtClean="0"/>
+              <a:t>Sentiment Analysis and Opinion Mining</a:t>
+            </a:r>
+            <a:r>
+              <a:rPr lang="en-US" sz="2200" dirty="0" smtClean="0"/>
+              <a:t>. Morgan &amp; Claypool Publishers.</a:t>
+            </a:r>
             <a:endParaRPr lang="en-US" sz="2200" dirty="0"/>
           </a:p>
         </p:txBody>
@@ -6739,7 +6696,7 @@
         <p:spPr>
           <a:xfrm>
             <a:off x="15621000" y="6324600"/>
-            <a:ext cx="13243959" cy="7478971"/>
+            <a:ext cx="13243959" cy="4708982"/>
           </a:xfrm>
           <a:prstGeom prst="rect">
             <a:avLst/>
@@ -6762,155 +6719,83 @@
           <a:lstStyle/>
           <a:p>
             <a:r>
-              <a:rPr lang="en-US" sz="4800" b="1" dirty="0"/>
-              <a:t>Unsupervised Aspect </a:t>
-            </a:r>
-            <a:r>
               <a:rPr lang="en-US" sz="4800" b="1" dirty="0" smtClean="0"/>
-              <a:t>Discovery</a:t>
+              <a:t>Unsupervised Aspect Discovery</a:t>
             </a:r>
             <a:endParaRPr lang="en-US" sz="4800" dirty="0" smtClean="0"/>
           </a:p>
           <a:p>
-            <a:pPr marL="571500" indent="-571500">
+            <a:pPr marL="571500" lvl="1" indent="-571500">
               <a:buFont typeface="Arial" panose="020B0604020202020204" pitchFamily="34" charset="0"/>
               <a:buChar char="•"/>
             </a:pPr>
             <a:r>
+              <a:rPr lang="en-US" sz="3600" dirty="0"/>
+              <a:t>Discovery: Three models were trained, the most successful of which used window sizes of 10 and 300 dimensional feature vectors. Frequency-based pruning was also performed</a:t>
+            </a:r>
+            <a:r>
               <a:rPr lang="en-US" sz="3600" dirty="0" smtClean="0"/>
-              <a:t>Aspect </a:t>
-            </a:r>
-            <a:r>
-              <a:rPr lang="en-US" sz="3600" dirty="0" smtClean="0"/>
-              <a:t>Discovery</a:t>
-            </a:r>
-          </a:p>
-          <a:p>
-            <a:pPr marL="2766060" lvl="1" indent="-571500">
+              <a:t>.</a:t>
+            </a:r>
+          </a:p>
+          <a:p>
+            <a:pPr marL="571500" lvl="1" indent="-571500">
               <a:buFont typeface="Arial" panose="020B0604020202020204" pitchFamily="34" charset="0"/>
               <a:buChar char="•"/>
             </a:pPr>
             <a:r>
               <a:rPr lang="en-US" sz="3600" dirty="0" smtClean="0"/>
-              <a:t>Tokenized reviews with NLTK’s </a:t>
+              <a:t>&lt;</a:t>
             </a:r>
             <a:r>
               <a:rPr lang="en-US" sz="3600" dirty="0" err="1" smtClean="0"/>
-              <a:t>punkt</a:t>
+              <a:t>hyperparameters</a:t>
             </a:r>
             <a:r>
               <a:rPr lang="en-US" sz="3600" dirty="0" smtClean="0"/>
-              <a:t> </a:t>
-            </a:r>
-            <a:r>
-              <a:rPr lang="en-US" sz="3600" dirty="0" err="1" smtClean="0"/>
-              <a:t>tokenizer</a:t>
-            </a:r>
-            <a:endParaRPr lang="en-US" sz="3600" dirty="0" smtClean="0"/>
-          </a:p>
-          <a:p>
-            <a:pPr marL="2766060" lvl="1" indent="-571500">
+              <a:t> of&gt;</a:t>
+            </a:r>
+          </a:p>
+          <a:p>
+            <a:pPr marL="571500" lvl="1" indent="-571500">
               <a:buFont typeface="Arial" panose="020B0604020202020204" pitchFamily="34" charset="0"/>
               <a:buChar char="•"/>
             </a:pPr>
             <a:r>
               <a:rPr lang="en-US" sz="3600" dirty="0" smtClean="0"/>
-              <a:t>Removed all non-alphanumeric characters and replaced digits with </a:t>
-            </a:r>
-            <a:r>
-              <a:rPr lang="en-US" sz="3600" i="1" dirty="0" smtClean="0"/>
-              <a:t>DG</a:t>
-            </a:r>
-          </a:p>
-          <a:p>
-            <a:pPr marL="2766060" lvl="1" indent="-571500">
-              <a:buFont typeface="Arial" panose="020B0604020202020204" pitchFamily="34" charset="0"/>
-              <a:buChar char="•"/>
-            </a:pPr>
-            <a:r>
-              <a:rPr lang="en-US" sz="3600" dirty="0" smtClean="0"/>
-              <a:t>Detected and combined common bigrams</a:t>
-            </a:r>
-          </a:p>
-          <a:p>
-            <a:pPr marL="2766060" lvl="1" indent="-571500">
-              <a:buFont typeface="Arial" panose="020B0604020202020204" pitchFamily="34" charset="0"/>
-              <a:buChar char="•"/>
-            </a:pPr>
-            <a:r>
-              <a:rPr lang="en-US" sz="3600" dirty="0" smtClean="0"/>
-              <a:t>Trained word2vec (CBOW, </a:t>
-            </a:r>
-            <a:r>
-              <a:rPr lang="en-US" sz="3600" dirty="0" err="1" smtClean="0"/>
-              <a:t>Skipgram</a:t>
-            </a:r>
-            <a:r>
-              <a:rPr lang="en-US" sz="3600" dirty="0" smtClean="0"/>
-              <a:t>) with tuned </a:t>
-            </a:r>
-            <a:r>
-              <a:rPr lang="en-US" sz="3600" dirty="0" err="1" smtClean="0"/>
-              <a:t>hyperparameters</a:t>
-            </a:r>
-            <a:r>
-              <a:rPr lang="en-US" sz="3600" dirty="0" smtClean="0"/>
-              <a:t> using </a:t>
-            </a:r>
-            <a:r>
-              <a:rPr lang="en-US" sz="3600" dirty="0" err="1" smtClean="0"/>
-              <a:t>Gensim</a:t>
-            </a:r>
-            <a:r>
-              <a:rPr lang="en-US" sz="3600" dirty="0" smtClean="0"/>
-              <a:t> package</a:t>
-            </a:r>
-          </a:p>
-          <a:p>
-            <a:pPr marL="2766060" lvl="1" indent="-571500">
-              <a:buFont typeface="Arial" panose="020B0604020202020204" pitchFamily="34" charset="0"/>
-              <a:buChar char="•"/>
-            </a:pPr>
-            <a:r>
-              <a:rPr lang="en-US" sz="3600" dirty="0" smtClean="0"/>
-              <a:t>Each attribute in seed set expanded with top </a:t>
-            </a:r>
-            <a:r>
-              <a:rPr lang="en-US" sz="3600" i="1" dirty="0" smtClean="0"/>
-              <a:t>n</a:t>
-            </a:r>
-            <a:r>
-              <a:rPr lang="en-US" sz="3600" dirty="0" smtClean="0"/>
-              <a:t> nearest-neighbors in terms of cosine similarity</a:t>
-            </a:r>
-          </a:p>
-          <a:p>
-            <a:pPr marL="571500" indent="-571500">
-              <a:buFont typeface="Arial" panose="020B0604020202020204" pitchFamily="34" charset="0"/>
-              <a:buChar char="•"/>
-            </a:pPr>
-            <a:r>
-              <a:rPr lang="en-US" sz="3600" dirty="0" smtClean="0"/>
-              <a:t>Aspect-Specific Sentiment Extraction</a:t>
-            </a:r>
-          </a:p>
-          <a:p>
-            <a:pPr marL="2766060" lvl="1" indent="-571500">
-              <a:buFont typeface="Arial" panose="020B0604020202020204" pitchFamily="34" charset="0"/>
-              <a:buChar char="•"/>
-            </a:pPr>
-            <a:r>
-              <a:rPr lang="en-US" sz="3600" dirty="0" smtClean="0"/>
-              <a:t>Needs updating</a:t>
-            </a:r>
-          </a:p>
-          <a:p>
-            <a:pPr marL="2766060" lvl="1" indent="-571500">
+              <a:t>&lt;&gt;</a:t>
+            </a:r>
+          </a:p>
+          <a:p>
+            <a:pPr marL="571500" lvl="1" indent="-571500">
               <a:buFont typeface="Arial" panose="020B0604020202020204" pitchFamily="34" charset="0"/>
               <a:buChar char="•"/>
             </a:pPr>
             <a:endParaRPr lang="en-US" sz="3600" dirty="0" smtClean="0"/>
           </a:p>
+          <a:p>
+            <a:pPr marL="571500" lvl="1" indent="-571500">
+              <a:buFont typeface="Arial" panose="020B0604020202020204" pitchFamily="34" charset="0"/>
+              <a:buChar char="•"/>
+            </a:pPr>
+            <a:r>
+              <a:rPr lang="en-US" sz="3600" dirty="0" smtClean="0"/>
+              <a:t>Unigram </a:t>
+            </a:r>
+            <a:r>
+              <a:rPr lang="en-US" sz="3600" dirty="0"/>
+              <a:t>sentiment labels (using Bing Liu’s opinion lexicon</a:t>
+            </a:r>
+            <a:r>
+              <a:rPr lang="en-US" sz="3600" baseline="30000" dirty="0"/>
+              <a:t>3</a:t>
+            </a:r>
+            <a:r>
+              <a:rPr lang="en-US" sz="3600" dirty="0"/>
+              <a:t>)</a:t>
+            </a:r>
+            <a:endParaRPr lang="en-US" sz="3600" dirty="0" smtClean="0"/>
+          </a:p>
         </p:txBody>
       </p:sp>
       <p:sp>
@@ -6921,7 +6806,7 @@
         </p:nvSpPr>
         <p:spPr>
           <a:xfrm>
-            <a:off x="15621000" y="18897600"/>
+            <a:off x="15621000" y="17068800"/>
             <a:ext cx="13243959" cy="3970318"/>
           </a:xfrm>
           <a:prstGeom prst="rect">
@@ -7056,9 +6941,118 @@
           </a:prstGeom>
         </p:spPr>
       </p:pic>
+      <p:sp>
+        <p:nvSpPr>
+          <p:cNvPr id="47" name="Rectangle 9"/>
+          <p:cNvSpPr>
+            <a:spLocks noChangeArrowheads="1"/>
+          </p:cNvSpPr>
+          <p:nvPr/>
+        </p:nvSpPr>
+        <p:spPr bwMode="auto">
+          <a:xfrm>
+            <a:off x="29641800" y="27736800"/>
+            <a:ext cx="4343400" cy="914400"/>
+          </a:xfrm>
+          <a:prstGeom prst="rect">
+            <a:avLst/>
+          </a:prstGeom>
+          <a:solidFill>
+            <a:srgbClr val="830000"/>
+          </a:solidFill>
+          <a:ln w="76200">
+            <a:noFill/>
+            <a:miter lim="800000"/>
+            <a:headEnd/>
+            <a:tailEnd/>
+          </a:ln>
+        </p:spPr>
+        <p:txBody>
+          <a:bodyPr wrap="none" lIns="78360" tIns="39182" rIns="78360" bIns="39182" anchor="ctr"/>
+          <a:lstStyle/>
+          <a:p>
+            <a:pPr algn="ctr"/>
+            <a:r>
+              <a:rPr lang="en-US" sz="3200" b="1" i="1" dirty="0" smtClean="0">
+                <a:solidFill>
+                  <a:schemeClr val="bg1"/>
+                </a:solidFill>
+                <a:latin typeface="Arial" panose="020B0604020202020204" pitchFamily="34" charset="0"/>
+                <a:cs typeface="Arial" panose="020B0604020202020204" pitchFamily="34" charset="0"/>
+              </a:rPr>
+              <a:t>Acknowledgments</a:t>
+            </a:r>
+            <a:endParaRPr lang="en-US" sz="3200" b="1" i="1" dirty="0">
+              <a:solidFill>
+                <a:schemeClr val="bg1"/>
+              </a:solidFill>
+              <a:latin typeface="Arial" panose="020B0604020202020204" pitchFamily="34" charset="0"/>
+              <a:cs typeface="Arial" panose="020B0604020202020204" pitchFamily="34" charset="0"/>
+            </a:endParaRPr>
+          </a:p>
+        </p:txBody>
+      </p:sp>
+      <p:sp>
+        <p:nvSpPr>
+          <p:cNvPr id="6" name="TextBox 5"/>
+          <p:cNvSpPr txBox="1"/>
+          <p:nvPr/>
+        </p:nvSpPr>
+        <p:spPr>
+          <a:xfrm>
+            <a:off x="29489400" y="15033248"/>
+            <a:ext cx="13335000" cy="892552"/>
+          </a:xfrm>
+          <a:prstGeom prst="rect">
+            <a:avLst/>
+          </a:prstGeom>
+          <a:noFill/>
+        </p:spPr>
+        <p:txBody>
+          <a:bodyPr wrap="square" rtlCol="0">
+            <a:spAutoFit/>
+          </a:bodyPr>
+          <a:lstStyle/>
+          <a:p>
+            <a:r>
+              <a:rPr lang="en-US" sz="2600" dirty="0" smtClean="0"/>
+              <a:t>Word clouds generated by seeding </a:t>
+            </a:r>
+            <a:r>
+              <a:rPr lang="en-US" sz="2600" i="1" dirty="0" smtClean="0"/>
+              <a:t>Portability</a:t>
+            </a:r>
+            <a:r>
+              <a:rPr lang="en-US" sz="2600" dirty="0" smtClean="0"/>
+              <a:t> (left), </a:t>
+            </a:r>
+            <a:r>
+              <a:rPr lang="en-US" sz="2600" i="1" dirty="0" smtClean="0"/>
+              <a:t>Contrast</a:t>
+            </a:r>
+            <a:r>
+              <a:rPr lang="en-US" sz="2600" dirty="0" smtClean="0"/>
+              <a:t> (middle) and </a:t>
+            </a:r>
+            <a:r>
+              <a:rPr lang="en-US" sz="2600" i="1" dirty="0" smtClean="0"/>
+              <a:t>Tripod</a:t>
+            </a:r>
+            <a:r>
+              <a:rPr lang="en-US" sz="2600" dirty="0" smtClean="0"/>
+              <a:t> (right). Words shown are subset of top 10 closest words, and are sized roughly according to cosine </a:t>
+            </a:r>
+            <a:r>
+              <a:rPr lang="en-US" sz="2600" dirty="0" smtClean="0"/>
+              <a:t>similarity.</a:t>
+            </a:r>
+            <a:endParaRPr lang="en-US" sz="2600" dirty="0"/>
+          </a:p>
+        </p:txBody>
+      </p:sp>
       <p:pic>
         <p:nvPicPr>
-          <p:cNvPr id="12" name="Picture 11" descr="Screen Shot 2015-06-01 at 9.27.16 AM.png"/>
+          <p:cNvPr id="3" name="Picture 2" descr="workflow_tall.pdf"/>
           <p:cNvPicPr>
             <a:picLocks noChangeAspect="1"/>
           </p:cNvPicPr>
@@ -7078,119 +7072,44 @@
         </p:blipFill>
         <p:spPr>
           <a:xfrm>
-            <a:off x="1371600" y="24079200"/>
-            <a:ext cx="27224668" cy="7349910"/>
+            <a:off x="762000" y="22860000"/>
+            <a:ext cx="16544617" cy="8305800"/>
           </a:xfrm>
           <a:prstGeom prst="rect">
             <a:avLst/>
           </a:prstGeom>
         </p:spPr>
       </p:pic>
-      <p:sp>
-        <p:nvSpPr>
-          <p:cNvPr id="47" name="Rectangle 9"/>
-          <p:cNvSpPr>
-            <a:spLocks noChangeArrowheads="1"/>
-          </p:cNvSpPr>
+      <p:pic>
+        <p:nvPicPr>
+          <p:cNvPr id="10" name="Picture 9" descr="model_architecture.pdf"/>
+          <p:cNvPicPr>
+            <a:picLocks noChangeAspect="1"/>
+          </p:cNvPicPr>
           <p:nvPr/>
-        </p:nvSpPr>
-        <p:spPr bwMode="auto">
-          <a:xfrm>
-            <a:off x="29641800" y="28117800"/>
-            <a:ext cx="3886200" cy="838200"/>
+        </p:nvPicPr>
+        <p:blipFill>
+          <a:blip r:embed="rId9">
+            <a:extLst>
+              <a:ext uri="{28A0092B-C50C-407E-A947-70E740481C1C}">
+                <a14:useLocalDpi xmlns:a14="http://schemas.microsoft.com/office/drawing/2010/main" val="0"/>
+              </a:ext>
+            </a:extLst>
+          </a:blip>
+          <a:stretch>
+            <a:fillRect/>
+          </a:stretch>
+        </p:blipFill>
+        <p:spPr>
+          <a:xfrm>
+            <a:off x="15392400" y="10820400"/>
+            <a:ext cx="13507666" cy="5791200"/>
           </a:xfrm>
           <a:prstGeom prst="rect">
             <a:avLst/>
           </a:prstGeom>
-          <a:solidFill>
-            <a:srgbClr val="830000"/>
-          </a:solidFill>
-          <a:ln w="76200">
-            <a:noFill/>
-            <a:miter lim="800000"/>
-            <a:headEnd/>
-            <a:tailEnd/>
-          </a:ln>
-        </p:spPr>
-        <p:txBody>
-          <a:bodyPr wrap="none" lIns="78360" tIns="39182" rIns="78360" bIns="39182" anchor="ctr"/>
-          <a:lstStyle/>
-          <a:p>
-            <a:pPr algn="ctr"/>
-            <a:r>
-              <a:rPr lang="en-US" sz="2800" b="1" i="1" dirty="0" smtClean="0">
-                <a:solidFill>
-                  <a:schemeClr val="bg1"/>
-                </a:solidFill>
-                <a:latin typeface="Arial" panose="020B0604020202020204" pitchFamily="34" charset="0"/>
-                <a:cs typeface="Arial" panose="020B0604020202020204" pitchFamily="34" charset="0"/>
-              </a:rPr>
-              <a:t>Acknowledgments</a:t>
-            </a:r>
-            <a:endParaRPr lang="en-US" sz="2800" b="1" i="1" dirty="0">
-              <a:solidFill>
-                <a:schemeClr val="bg1"/>
-              </a:solidFill>
-              <a:latin typeface="Arial" panose="020B0604020202020204" pitchFamily="34" charset="0"/>
-              <a:cs typeface="Arial" panose="020B0604020202020204" pitchFamily="34" charset="0"/>
-            </a:endParaRPr>
-          </a:p>
-        </p:txBody>
-      </p:sp>
-      <p:sp>
-        <p:nvSpPr>
-          <p:cNvPr id="6" name="TextBox 5"/>
-          <p:cNvSpPr txBox="1"/>
-          <p:nvPr/>
-        </p:nvSpPr>
-        <p:spPr>
-          <a:xfrm>
-            <a:off x="29489400" y="15033248"/>
-            <a:ext cx="13335000" cy="892552"/>
-          </a:xfrm>
-          <a:prstGeom prst="rect">
-            <a:avLst/>
-          </a:prstGeom>
-          <a:noFill/>
-        </p:spPr>
-        <p:txBody>
-          <a:bodyPr wrap="square" rtlCol="0">
-            <a:spAutoFit/>
-          </a:bodyPr>
-          <a:lstStyle/>
-          <a:p>
-            <a:r>
-              <a:rPr lang="en-US" sz="2600" dirty="0" smtClean="0"/>
-              <a:t>Word clouds generated by seeding </a:t>
-            </a:r>
-            <a:r>
-              <a:rPr lang="en-US" sz="2600" i="1" dirty="0" smtClean="0"/>
-              <a:t>Portability</a:t>
-            </a:r>
-            <a:r>
-              <a:rPr lang="en-US" sz="2600" dirty="0" smtClean="0"/>
-              <a:t> (left), </a:t>
-            </a:r>
-            <a:r>
-              <a:rPr lang="en-US" sz="2600" i="1" dirty="0" smtClean="0"/>
-              <a:t>Contrast</a:t>
-            </a:r>
-            <a:r>
-              <a:rPr lang="en-US" sz="2600" dirty="0" smtClean="0"/>
-              <a:t> (middle) and </a:t>
-            </a:r>
-            <a:r>
-              <a:rPr lang="en-US" sz="2600" i="1" dirty="0" smtClean="0"/>
-              <a:t>Tripod</a:t>
-            </a:r>
-            <a:r>
-              <a:rPr lang="en-US" sz="2600" dirty="0" smtClean="0"/>
-              <a:t> (right). Words shown are subset of top 10 closest words, and are sized roughly according to cosine similarity</a:t>
-            </a:r>
-            <a:endParaRPr lang="en-US" sz="2600" dirty="0"/>
-          </a:p>
-        </p:txBody>
-      </p:sp>
+        </p:spPr>
+      </p:pic>
     </p:spTree>
     <p:extLst>
       <p:ext uri="{BB962C8B-B14F-4D97-AF65-F5344CB8AC3E}">

--- a/poster/CS224D_Poster.pptx
+++ b/poster/CS224D_Poster.pptx
@@ -6112,11 +6112,7 @@
           <a:p>
             <a:r>
               <a:rPr lang="en-US" sz="4800" b="1" dirty="0" smtClean="0"/>
-              <a:t>Unsupervised </a:t>
-            </a:r>
-            <a:r>
-              <a:rPr lang="en-US" sz="4800" b="1" dirty="0" smtClean="0"/>
-              <a:t>Aspect Discovery</a:t>
+              <a:t>Unsupervised Aspect Discovery</a:t>
             </a:r>
           </a:p>
           <a:p>
@@ -6126,17 +6122,8 @@
             </a:pPr>
             <a:r>
               <a:rPr lang="en-US" sz="3600" dirty="0" smtClean="0"/>
-              <a:t>How </a:t>
-            </a:r>
-            <a:r>
-              <a:rPr lang="en-US" sz="3600" dirty="0" smtClean="0"/>
-              <a:t>can we automatically generate lists of </a:t>
-            </a:r>
-            <a:r>
-              <a:rPr lang="en-US" sz="3600" dirty="0" smtClean="0"/>
-              <a:t>possible aspect words?</a:t>
-            </a:r>
-            <a:endParaRPr lang="en-US" sz="3600" dirty="0" smtClean="0"/>
+              <a:t>How can we automatically generate lists of possible aspect words?</a:t>
+            </a:r>
           </a:p>
           <a:p>
             <a:pPr marL="571500" indent="-571500">
@@ -6145,15 +6132,7 @@
             </a:pPr>
             <a:r>
               <a:rPr lang="en-US" sz="3600" dirty="0" smtClean="0"/>
-              <a:t>Train </a:t>
-            </a:r>
-            <a:r>
-              <a:rPr lang="en-US" sz="3600" dirty="0" smtClean="0"/>
-              <a:t>a word2vec representation of </a:t>
-            </a:r>
-            <a:r>
-              <a:rPr lang="en-US" sz="3600" dirty="0" smtClean="0"/>
-              <a:t>dataset (tokenized, </a:t>
+              <a:t>Train a word2vec representation of dataset (tokenized, </a:t>
             </a:r>
             <a:r>
               <a:rPr lang="en-US" sz="3600" dirty="0" err="1" smtClean="0"/>
@@ -6171,7 +6150,6 @@
               <a:rPr lang="en-US" sz="3600" dirty="0" smtClean="0"/>
               <a:t>.</a:t>
             </a:r>
-            <a:endParaRPr lang="en-US" sz="3600" dirty="0" smtClean="0"/>
           </a:p>
           <a:p>
             <a:pPr marL="571500" indent="-571500">
@@ -6180,15 +6158,7 @@
             </a:pPr>
             <a:r>
               <a:rPr lang="en-US" sz="3600" dirty="0" smtClean="0"/>
-              <a:t>Start with short “seed” list. Expand list by returning </a:t>
-            </a:r>
-            <a:r>
-              <a:rPr lang="en-US" sz="3600" dirty="0" smtClean="0"/>
-              <a:t>top 5 </a:t>
-            </a:r>
-            <a:r>
-              <a:rPr lang="en-US" sz="3600" dirty="0" smtClean="0"/>
-              <a:t>related word vectors, based on cosine similarity</a:t>
+              <a:t>Start with short “seed” list. Expand list by returning top 5 related word vectors, based on cosine similarity</a:t>
             </a:r>
           </a:p>
           <a:p>
@@ -6696,7 +6666,7 @@
         <p:spPr>
           <a:xfrm>
             <a:off x="15621000" y="6324600"/>
-            <a:ext cx="13243959" cy="4708982"/>
+            <a:ext cx="13243959" cy="4154984"/>
           </a:xfrm>
           <a:prstGeom prst="rect">
             <a:avLst/>
@@ -6763,151 +6733,17 @@
             </a:pPr>
             <a:r>
               <a:rPr lang="en-US" sz="3600" dirty="0" smtClean="0"/>
-              <a:t>&lt;&gt;</a:t>
-            </a:r>
-          </a:p>
-          <a:p>
-            <a:pPr marL="571500" lvl="1" indent="-571500">
-              <a:buFont typeface="Arial" panose="020B0604020202020204" pitchFamily="34" charset="0"/>
-              <a:buChar char="•"/>
-            </a:pPr>
+              <a:t>&lt;</a:t>
+            </a:r>
+            <a:r>
+              <a:rPr lang="en-US" sz="3600" dirty="0" smtClean="0"/>
+              <a:t>&gt;</a:t>
+            </a:r>
             <a:endParaRPr lang="en-US" sz="3600" dirty="0" smtClean="0"/>
           </a:p>
           <a:p>
-            <a:pPr marL="571500" lvl="1" indent="-571500">
-              <a:buFont typeface="Arial" panose="020B0604020202020204" pitchFamily="34" charset="0"/>
-              <a:buChar char="•"/>
-            </a:pPr>
-            <a:r>
-              <a:rPr lang="en-US" sz="3600" dirty="0" smtClean="0"/>
-              <a:t>Unigram </a:t>
-            </a:r>
-            <a:r>
-              <a:rPr lang="en-US" sz="3600" dirty="0"/>
-              <a:t>sentiment labels (using Bing Liu’s opinion lexicon</a:t>
-            </a:r>
-            <a:r>
-              <a:rPr lang="en-US" sz="3600" baseline="30000" dirty="0"/>
-              <a:t>3</a:t>
-            </a:r>
-            <a:r>
-              <a:rPr lang="en-US" sz="3600" dirty="0"/>
-              <a:t>)</a:t>
-            </a:r>
+            <a:pPr marL="0" lvl="1"/>
             <a:endParaRPr lang="en-US" sz="3600" dirty="0" smtClean="0"/>
-          </a:p>
-        </p:txBody>
-      </p:sp>
-      <p:sp>
-        <p:nvSpPr>
-          <p:cNvPr id="54" name="TextBox 53"/>
-          <p:cNvSpPr txBox="1"/>
-          <p:nvPr/>
-        </p:nvSpPr>
-        <p:spPr>
-          <a:xfrm>
-            <a:off x="15621000" y="17068800"/>
-            <a:ext cx="13243959" cy="3970318"/>
-          </a:xfrm>
-          <a:prstGeom prst="rect">
-            <a:avLst/>
-          </a:prstGeom>
-          <a:solidFill>
-            <a:schemeClr val="bg1">
-              <a:lumMod val="85000"/>
-            </a:schemeClr>
-          </a:solidFill>
-          <a:ln>
-            <a:solidFill>
-              <a:schemeClr val="tx1"/>
-            </a:solidFill>
-          </a:ln>
-        </p:spPr>
-        <p:txBody>
-          <a:bodyPr wrap="square" rtlCol="0">
-            <a:spAutoFit/>
-          </a:bodyPr>
-          <a:lstStyle/>
-          <a:p>
-            <a:pPr marL="571500" indent="-571500">
-              <a:buFont typeface="Arial" panose="020B0604020202020204" pitchFamily="34" charset="0"/>
-              <a:buChar char="•"/>
-            </a:pPr>
-            <a:r>
-              <a:rPr lang="en-US" sz="3600" dirty="0" smtClean="0"/>
-              <a:t>Aspect Discover</a:t>
-            </a:r>
-          </a:p>
-          <a:p>
-            <a:pPr marL="2766060" lvl="1" indent="-571500">
-              <a:buFont typeface="Arial" panose="020B0604020202020204" pitchFamily="34" charset="0"/>
-              <a:buChar char="•"/>
-            </a:pPr>
-            <a:r>
-              <a:rPr lang="en-US" sz="3600" dirty="0" smtClean="0"/>
-              <a:t>Three models were trained, the most successful of which used window sizes of 10 and 300 dimensional feature vectors. Frequency-based pruning was also performed.</a:t>
-            </a:r>
-            <a:endParaRPr lang="en-US" sz="3600" dirty="0"/>
-          </a:p>
-          <a:p>
-            <a:pPr marL="571500" indent="-571500">
-              <a:buFont typeface="Arial" panose="020B0604020202020204" pitchFamily="34" charset="0"/>
-              <a:buChar char="•"/>
-            </a:pPr>
-            <a:r>
-              <a:rPr lang="en-US" sz="3600" dirty="0"/>
-              <a:t>Aspect-Specific Sentiment </a:t>
-            </a:r>
-            <a:r>
-              <a:rPr lang="en-US" sz="3600" dirty="0" smtClean="0"/>
-              <a:t>Extraction</a:t>
-            </a:r>
-            <a:endParaRPr lang="en-US" sz="3600" dirty="0"/>
-          </a:p>
-          <a:p>
-            <a:pPr marL="2766060" lvl="1" indent="-571500">
-              <a:buFont typeface="Arial" panose="020B0604020202020204" pitchFamily="34" charset="0"/>
-              <a:buChar char="•"/>
-            </a:pPr>
-            <a:endParaRPr lang="en-US" sz="3600" dirty="0"/>
-          </a:p>
-        </p:txBody>
-      </p:sp>
-      <p:sp>
-        <p:nvSpPr>
-          <p:cNvPr id="55" name="TextBox 54"/>
-          <p:cNvSpPr txBox="1"/>
-          <p:nvPr/>
-        </p:nvSpPr>
-        <p:spPr>
-          <a:xfrm>
-            <a:off x="29641800" y="16611600"/>
-            <a:ext cx="13243959" cy="646331"/>
-          </a:xfrm>
-          <a:prstGeom prst="rect">
-            <a:avLst/>
-          </a:prstGeom>
-          <a:solidFill>
-            <a:schemeClr val="bg1">
-              <a:lumMod val="85000"/>
-            </a:schemeClr>
-          </a:solidFill>
-          <a:ln>
-            <a:solidFill>
-              <a:schemeClr val="tx1"/>
-            </a:solidFill>
-          </a:ln>
-        </p:spPr>
-        <p:txBody>
-          <a:bodyPr wrap="square" rtlCol="0">
-            <a:spAutoFit/>
-          </a:bodyPr>
-          <a:lstStyle/>
-          <a:p>
-            <a:r>
-              <a:rPr lang="en-US" sz="3600" dirty="0" smtClean="0"/>
-              <a:t>Maybe new table?</a:t>
-            </a:r>
           </a:p>
         </p:txBody>
       </p:sp>
@@ -7040,11 +6876,7 @@
             </a:r>
             <a:r>
               <a:rPr lang="en-US" sz="2600" dirty="0" smtClean="0"/>
-              <a:t> (right). Words shown are subset of top 10 closest words, and are sized roughly according to cosine </a:t>
-            </a:r>
-            <a:r>
-              <a:rPr lang="en-US" sz="2600" dirty="0" smtClean="0"/>
-              <a:t>similarity.</a:t>
+              <a:t> (right). Words shown are subset of top 10 closest words, and are sized roughly according to cosine similarity.</a:t>
             </a:r>
             <a:endParaRPr lang="en-US" sz="2600" dirty="0"/>
           </a:p>
@@ -7110,6 +6942,116 @@
           </a:prstGeom>
         </p:spPr>
       </p:pic>
+      <p:sp>
+        <p:nvSpPr>
+          <p:cNvPr id="30" name="TextBox 29"/>
+          <p:cNvSpPr txBox="1"/>
+          <p:nvPr/>
+        </p:nvSpPr>
+        <p:spPr>
+          <a:xfrm>
+            <a:off x="15621000" y="16611600"/>
+            <a:ext cx="13243959" cy="5262980"/>
+          </a:xfrm>
+          <a:prstGeom prst="rect">
+            <a:avLst/>
+          </a:prstGeom>
+          <a:solidFill>
+            <a:schemeClr val="bg1">
+              <a:lumMod val="85000"/>
+            </a:schemeClr>
+          </a:solidFill>
+          <a:ln>
+            <a:solidFill>
+              <a:schemeClr val="tx1"/>
+            </a:solidFill>
+          </a:ln>
+        </p:spPr>
+        <p:txBody>
+          <a:bodyPr wrap="square" rtlCol="0">
+            <a:spAutoFit/>
+          </a:bodyPr>
+          <a:lstStyle/>
+          <a:p>
+            <a:r>
+              <a:rPr lang="en-US" sz="4800" b="1" dirty="0"/>
+              <a:t>Aspect-Specific Sentiment Analysis</a:t>
+            </a:r>
+            <a:endParaRPr lang="en-US" sz="3600" i="1" dirty="0"/>
+          </a:p>
+          <a:p>
+            <a:pPr marL="571500" lvl="1" indent="-571500">
+              <a:buFont typeface="Arial" panose="020B0604020202020204" pitchFamily="34" charset="0"/>
+              <a:buChar char="•"/>
+            </a:pPr>
+            <a:r>
+              <a:rPr lang="en-US" sz="3600" dirty="0" smtClean="0"/>
+              <a:t>Dataset formed by finding windows </a:t>
+            </a:r>
+            <a:r>
+              <a:rPr lang="en-US" sz="3600" dirty="0" smtClean="0"/>
+              <a:t>containing aspects from expanded list and labels formed by aggregating unigram sentiment </a:t>
+            </a:r>
+            <a:r>
+              <a:rPr lang="en-US" sz="3600" dirty="0"/>
+              <a:t>labels (using Bing Liu’s opinion </a:t>
+            </a:r>
+            <a:r>
+              <a:rPr lang="en-US" sz="3600" dirty="0" smtClean="0"/>
+              <a:t>lexicon</a:t>
+            </a:r>
+            <a:r>
+              <a:rPr lang="en-US" sz="3600" baseline="30000" dirty="0" smtClean="0"/>
+              <a:t>3</a:t>
+            </a:r>
+            <a:r>
+              <a:rPr lang="en-US" sz="3600" dirty="0" smtClean="0"/>
+              <a:t>)</a:t>
+            </a:r>
+          </a:p>
+          <a:p>
+            <a:pPr marL="571500" lvl="1" indent="-571500">
+              <a:buFont typeface="Arial" panose="020B0604020202020204" pitchFamily="34" charset="0"/>
+              <a:buChar char="•"/>
+            </a:pPr>
+            <a:r>
+              <a:rPr lang="en-US" sz="3600" dirty="0" smtClean="0"/>
+              <a:t>To learn sentence-level, and by proxy aspect-level, sentiment we used a variation of the convolutional neural network created by Yoon Kim.</a:t>
+            </a:r>
+          </a:p>
+          <a:p>
+            <a:pPr marL="571500" lvl="1" indent="-571500">
+              <a:buFont typeface="Arial" panose="020B0604020202020204" pitchFamily="34" charset="0"/>
+              <a:buChar char="•"/>
+            </a:pPr>
+            <a:r>
+              <a:rPr lang="en-US" sz="3600" dirty="0" smtClean="0"/>
+              <a:t>CNN </a:t>
+            </a:r>
+            <a:r>
+              <a:rPr lang="en-US" sz="3600" dirty="0" err="1" smtClean="0"/>
+              <a:t>desciption</a:t>
+            </a:r>
+            <a:r>
+              <a:rPr lang="en-US" sz="3600" dirty="0" smtClean="0"/>
+              <a:t> (</a:t>
+            </a:r>
+            <a:r>
+              <a:rPr lang="en-US" sz="3600" dirty="0" err="1" smtClean="0"/>
+              <a:t>hyperparameters</a:t>
+            </a:r>
+            <a:r>
+              <a:rPr lang="en-US" sz="3600" dirty="0" smtClean="0"/>
+              <a:t> etc.), batch size =50, </a:t>
+            </a:r>
+            <a:r>
+              <a:rPr lang="en-US" sz="3600" smtClean="0"/>
+              <a:t>hidden layer = 100,</a:t>
+            </a:r>
+            <a:endParaRPr lang="en-US" sz="3600" dirty="0" smtClean="0"/>
+          </a:p>
+        </p:txBody>
+      </p:sp>
     </p:spTree>
     <p:extLst>
       <p:ext uri="{BB962C8B-B14F-4D97-AF65-F5344CB8AC3E}">

--- a/poster/CS224D_Poster.pptx
+++ b/poster/CS224D_Poster.pptx
@@ -6002,7 +6002,11 @@
             </a:pPr>
             <a:r>
               <a:rPr lang="en-US" sz="3600" dirty="0" smtClean="0"/>
-              <a:t>Also: discovery of new associated aspects (</a:t>
+              <a:t>Discovery </a:t>
+            </a:r>
+            <a:r>
+              <a:rPr lang="en-US" sz="3600" dirty="0" smtClean="0"/>
+              <a:t>of new associated aspects (</a:t>
             </a:r>
             <a:r>
               <a:rPr lang="en-US" sz="3200" dirty="0" smtClean="0">
@@ -6216,8 +6220,13 @@
             </a:pPr>
             <a:r>
               <a:rPr lang="en-US" sz="3600" dirty="0" smtClean="0"/>
-              <a:t>Multiclass (positive, neutral, negative) classification problem: Convolutional Neural Network</a:t>
-            </a:r>
+              <a:t>Multiclass (positive, neutral, negative) classification problem: Convolutional Neural </a:t>
+            </a:r>
+            <a:r>
+              <a:rPr lang="en-US" sz="3600" dirty="0" smtClean="0"/>
+              <a:t>Network (CNN)</a:t>
+            </a:r>
+            <a:endParaRPr lang="en-US" sz="3600" dirty="0" smtClean="0"/>
           </a:p>
         </p:txBody>
       </p:sp>
@@ -6270,7 +6279,7 @@
                 <a:latin typeface="Arial" panose="020B0604020202020204" pitchFamily="34" charset="0"/>
                 <a:cs typeface="Arial" panose="020B0604020202020204" pitchFamily="34" charset="0"/>
               </a:rPr>
-              <a:t>Results</a:t>
+              <a:t>Results (1)</a:t>
             </a:r>
             <a:endParaRPr lang="en-US" sz="5400" b="1" i="1" dirty="0">
               <a:solidFill>
@@ -6292,7 +6301,7 @@
         </p:nvSpPr>
         <p:spPr bwMode="auto">
           <a:xfrm>
-            <a:off x="29579591" y="24009476"/>
+            <a:off x="29579591" y="23028362"/>
             <a:ext cx="13237027" cy="974638"/>
           </a:xfrm>
           <a:prstGeom prst="rect">
@@ -6340,41 +6349,6 @@
               <a:latin typeface="Arial" panose="020B0604020202020204" pitchFamily="34" charset="0"/>
               <a:cs typeface="Arial" panose="020B0604020202020204" pitchFamily="34" charset="0"/>
             </a:endParaRPr>
-          </a:p>
-        </p:txBody>
-      </p:sp>
-      <p:sp>
-        <p:nvSpPr>
-          <p:cNvPr id="48" name="TextBox 47"/>
-          <p:cNvSpPr txBox="1"/>
-          <p:nvPr/>
-        </p:nvSpPr>
-        <p:spPr>
-          <a:xfrm>
-            <a:off x="29602216" y="25239142"/>
-            <a:ext cx="13243959" cy="646331"/>
-          </a:xfrm>
-          <a:prstGeom prst="rect">
-            <a:avLst/>
-          </a:prstGeom>
-          <a:solidFill>
-            <a:schemeClr val="bg1">
-              <a:lumMod val="85000"/>
-            </a:schemeClr>
-          </a:solidFill>
-          <a:ln>
-            <a:solidFill>
-              <a:schemeClr val="tx1"/>
-            </a:solidFill>
-          </a:ln>
-        </p:spPr>
-        <p:txBody>
-          <a:bodyPr wrap="square" rtlCol="0">
-            <a:spAutoFit/>
-          </a:bodyPr>
-          <a:lstStyle/>
-          <a:p>
-            <a:endParaRPr lang="en-US" sz="3600" dirty="0" smtClean="0"/>
           </a:p>
         </p:txBody>
       </p:sp>
@@ -6515,7 +6489,7 @@
         </p:nvSpPr>
         <p:spPr>
           <a:xfrm>
-            <a:off x="29641800" y="28763893"/>
+            <a:off x="29641800" y="28459093"/>
             <a:ext cx="12954000" cy="954107"/>
           </a:xfrm>
           <a:prstGeom prst="rect">
@@ -6561,8 +6535,8 @@
         </p:nvSpPr>
         <p:spPr>
           <a:xfrm>
-            <a:off x="29565600" y="29718000"/>
-            <a:ext cx="13182600" cy="1785104"/>
+            <a:off x="29565600" y="29413200"/>
+            <a:ext cx="13182600" cy="2123658"/>
           </a:xfrm>
           <a:prstGeom prst="rect">
             <a:avLst/>
@@ -6643,7 +6617,11 @@
             </a:r>
             <a:r>
               <a:rPr lang="en-US" sz="2200" dirty="0" smtClean="0"/>
-              <a:t>Bing Liu (2012). </a:t>
+              <a:t>Liu, B. </a:t>
+            </a:r>
+            <a:r>
+              <a:rPr lang="en-US" sz="2200" dirty="0" smtClean="0"/>
+              <a:t>(2012). </a:t>
             </a:r>
             <a:r>
               <a:rPr lang="en-US" sz="2200" i="1" dirty="0" smtClean="0"/>
@@ -6651,7 +6629,25 @@
             </a:r>
             <a:r>
               <a:rPr lang="en-US" sz="2200" dirty="0" smtClean="0"/>
-              <a:t>. Morgan &amp; Claypool Publishers.</a:t>
+              <a:t>. Morgan &amp; Claypool Publishers</a:t>
+            </a:r>
+            <a:r>
+              <a:rPr lang="en-US" sz="2200" dirty="0" smtClean="0"/>
+              <a:t>.</a:t>
+            </a:r>
+          </a:p>
+          <a:p>
+            <a:r>
+              <a:rPr lang="en-US" sz="2200" baseline="30000" dirty="0" smtClean="0"/>
+              <a:t>4</a:t>
+            </a:r>
+            <a:r>
+              <a:rPr lang="en-US" sz="2200" dirty="0" smtClean="0"/>
+              <a:t>Kim, Y. (2014). Convolutional Neural Networks for Sentence Classification. </a:t>
+            </a:r>
+            <a:r>
+              <a:rPr lang="en-US" sz="2200" dirty="0" smtClean="0"/>
+              <a:t>EMNLP</a:t>
             </a:r>
             <a:endParaRPr lang="en-US" sz="2200" dirty="0"/>
           </a:p>
@@ -6666,7 +6662,7 @@
         <p:spPr>
           <a:xfrm>
             <a:off x="15621000" y="6324600"/>
-            <a:ext cx="13243959" cy="4154984"/>
+            <a:ext cx="13243959" cy="6370976"/>
           </a:xfrm>
           <a:prstGeom prst="rect">
             <a:avLst/>
@@ -6700,8 +6696,12 @@
               <a:buChar char="•"/>
             </a:pPr>
             <a:r>
+              <a:rPr lang="en-US" sz="3600" dirty="0" smtClean="0"/>
+              <a:t>Three </a:t>
+            </a:r>
+            <a:r>
               <a:rPr lang="en-US" sz="3600" dirty="0"/>
-              <a:t>Discovery: Three models were trained, the most successful of which used window sizes of 10 and 300 dimensional feature vectors. Frequency-based pruning was also performed</a:t>
+              <a:t>models were trained, the most successful of which used window sizes of 10 and 300 dimensional feature vectors. Frequency-based pruning was also performed</a:t>
             </a:r>
             <a:r>
               <a:rPr lang="en-US" sz="3600" dirty="0" smtClean="0"/>
@@ -6715,15 +6715,7 @@
             </a:pPr>
             <a:r>
               <a:rPr lang="en-US" sz="3600" dirty="0" smtClean="0"/>
-              <a:t>&lt;</a:t>
-            </a:r>
-            <a:r>
-              <a:rPr lang="en-US" sz="3600" dirty="0" err="1" smtClean="0"/>
-              <a:t>hyperparameters</a:t>
-            </a:r>
-            <a:r>
-              <a:rPr lang="en-US" sz="3600" dirty="0" smtClean="0"/>
-              <a:t> of&gt;</a:t>
+              <a:t>We generated lists of top 10 and top 5 words based on cosine similarity (see figure on right). Top 5 was of higher quality.</a:t>
             </a:r>
           </a:p>
           <a:p>
@@ -6733,17 +6725,31 @@
             </a:pPr>
             <a:r>
               <a:rPr lang="en-US" sz="3600" dirty="0" smtClean="0"/>
-              <a:t>&lt;</a:t>
+              <a:t>Dataset </a:t>
+            </a:r>
+            <a:r>
+              <a:rPr lang="en-US" sz="3600" dirty="0"/>
+              <a:t>formed by finding windows containing aspects from expanded list and labels formed by aggregating unigram sentiment labels (using Bing Liu’s opinion lexicon</a:t>
+            </a:r>
+            <a:r>
+              <a:rPr lang="en-US" sz="3600" baseline="30000" dirty="0"/>
+              <a:t>3</a:t>
             </a:r>
             <a:r>
               <a:rPr lang="en-US" sz="3600" dirty="0" smtClean="0"/>
-              <a:t>&gt;</a:t>
-            </a:r>
-            <a:endParaRPr lang="en-US" sz="3600" dirty="0" smtClean="0"/>
-          </a:p>
-          <a:p>
-            <a:pPr marL="0" lvl="1"/>
-            <a:endParaRPr lang="en-US" sz="3600" dirty="0" smtClean="0"/>
+              <a:t>)</a:t>
+            </a:r>
+          </a:p>
+          <a:p>
+            <a:pPr marL="571500" lvl="1" indent="-571500">
+              <a:buFont typeface="Arial" panose="020B0604020202020204" pitchFamily="34" charset="0"/>
+              <a:buChar char="•"/>
+            </a:pPr>
+            <a:r>
+              <a:rPr lang="en-US" sz="3600" dirty="0" smtClean="0"/>
+              <a:t>We tried context windows of 3, 5 and 7 words on either side of the aspect (see figure below). A context window of 3 was optimal.</a:t>
+            </a:r>
+            <a:endParaRPr lang="en-US" sz="3600" dirty="0"/>
           </a:p>
         </p:txBody>
       </p:sp>
@@ -6769,8 +6775,8 @@
         </p:blipFill>
         <p:spPr>
           <a:xfrm>
-            <a:off x="29565599" y="10537448"/>
-            <a:ext cx="13182601" cy="4738178"/>
+            <a:off x="29413200" y="10363200"/>
+            <a:ext cx="13667395" cy="4912426"/>
           </a:xfrm>
           <a:prstGeom prst="rect">
             <a:avLst/>
@@ -6787,7 +6793,7 @@
         </p:nvSpPr>
         <p:spPr bwMode="auto">
           <a:xfrm>
-            <a:off x="29641800" y="27736800"/>
+            <a:off x="29641800" y="27432000"/>
             <a:ext cx="4343400" cy="914400"/>
           </a:xfrm>
           <a:prstGeom prst="rect">
@@ -6836,8 +6842,8 @@
         </p:nvSpPr>
         <p:spPr>
           <a:xfrm>
-            <a:off x="29489400" y="15033248"/>
-            <a:ext cx="13335000" cy="892552"/>
+            <a:off x="29565600" y="15033248"/>
+            <a:ext cx="13944600" cy="1477328"/>
           </a:xfrm>
           <a:prstGeom prst="rect">
             <a:avLst/>
@@ -6851,34 +6857,76 @@
           <a:lstStyle/>
           <a:p>
             <a:r>
-              <a:rPr lang="en-US" sz="2600" dirty="0" smtClean="0"/>
-              <a:t>Word clouds generated by seeding </a:t>
-            </a:r>
-            <a:r>
-              <a:rPr lang="en-US" sz="2600" i="1" dirty="0" smtClean="0"/>
+              <a:rPr lang="en-US" sz="3000" dirty="0" smtClean="0"/>
+              <a:t>Top: Word </a:t>
+            </a:r>
+            <a:r>
+              <a:rPr lang="en-US" sz="3000" dirty="0" smtClean="0"/>
+              <a:t>clouds generated by seeding </a:t>
+            </a:r>
+            <a:r>
+              <a:rPr lang="en-US" sz="3000" i="1" dirty="0" smtClean="0"/>
               <a:t>Portability</a:t>
             </a:r>
             <a:r>
-              <a:rPr lang="en-US" sz="2600" dirty="0" smtClean="0"/>
+              <a:rPr lang="en-US" sz="3000" dirty="0" smtClean="0"/>
               <a:t> (left), </a:t>
             </a:r>
             <a:r>
-              <a:rPr lang="en-US" sz="2600" i="1" dirty="0" smtClean="0"/>
+              <a:rPr lang="en-US" sz="3000" i="1" dirty="0" smtClean="0"/>
               <a:t>Contrast</a:t>
             </a:r>
             <a:r>
-              <a:rPr lang="en-US" sz="2600" dirty="0" smtClean="0"/>
+              <a:rPr lang="en-US" sz="3000" dirty="0" smtClean="0"/>
               <a:t> (middle) and </a:t>
             </a:r>
             <a:r>
-              <a:rPr lang="en-US" sz="2600" i="1" dirty="0" smtClean="0"/>
+              <a:rPr lang="en-US" sz="3000" i="1" dirty="0" smtClean="0"/>
               <a:t>Tripod</a:t>
             </a:r>
             <a:r>
-              <a:rPr lang="en-US" sz="2600" dirty="0" smtClean="0"/>
-              <a:t> (right). Words shown are subset of top 10 closest words, and are sized roughly according to cosine similarity.</a:t>
-            </a:r>
-            <a:endParaRPr lang="en-US" sz="2600" dirty="0"/>
+              <a:rPr lang="en-US" sz="3000" dirty="0" smtClean="0"/>
+              <a:t> (right). Words </a:t>
+            </a:r>
+            <a:r>
+              <a:rPr lang="en-US" sz="3000" dirty="0" smtClean="0"/>
+              <a:t>shown a</a:t>
+            </a:r>
+            <a:r>
+              <a:rPr lang="en-US" sz="3000" dirty="0" smtClean="0"/>
+              <a:t>re </a:t>
+            </a:r>
+            <a:r>
+              <a:rPr lang="en-US" sz="3000" dirty="0" smtClean="0"/>
+              <a:t>sized </a:t>
+            </a:r>
+            <a:r>
+              <a:rPr lang="en-US" sz="3000" dirty="0" smtClean="0"/>
+              <a:t>according </a:t>
+            </a:r>
+            <a:r>
+              <a:rPr lang="en-US" sz="3000" dirty="0" smtClean="0"/>
+              <a:t>to cosine </a:t>
+            </a:r>
+            <a:r>
+              <a:rPr lang="en-US" sz="3000" dirty="0" smtClean="0"/>
+              <a:t>similarity with seed word.</a:t>
+            </a:r>
+          </a:p>
+          <a:p>
+            <a:r>
+              <a:rPr lang="en-US" sz="3000" dirty="0" smtClean="0"/>
+              <a:t>Left: CNN architecture, modeled after Kim</a:t>
+            </a:r>
+            <a:r>
+              <a:rPr lang="en-US" sz="3200" baseline="30000" dirty="0"/>
+              <a:t>4</a:t>
+            </a:r>
+            <a:r>
+              <a:rPr lang="en-US" sz="3000" dirty="0" smtClean="0"/>
+              <a:t>.</a:t>
+            </a:r>
+            <a:endParaRPr lang="en-US" sz="3000" dirty="0"/>
           </a:p>
         </p:txBody>
       </p:sp>
@@ -6904,8 +6952,8 @@
         </p:blipFill>
         <p:spPr>
           <a:xfrm>
-            <a:off x="762000" y="22860000"/>
-            <a:ext cx="16544617" cy="8305800"/>
+            <a:off x="1219200" y="22326601"/>
+            <a:ext cx="13487400" cy="7086600"/>
           </a:xfrm>
           <a:prstGeom prst="rect">
             <a:avLst/>
@@ -6934,8 +6982,8 @@
         </p:blipFill>
         <p:spPr>
           <a:xfrm>
-            <a:off x="15392400" y="10820400"/>
-            <a:ext cx="13507666" cy="5791200"/>
+            <a:off x="14890007" y="12348389"/>
+            <a:ext cx="14751793" cy="6324600"/>
           </a:xfrm>
           <a:prstGeom prst="rect">
             <a:avLst/>
@@ -6950,8 +6998,8 @@
         </p:nvSpPr>
         <p:spPr>
           <a:xfrm>
-            <a:off x="15621000" y="16611600"/>
-            <a:ext cx="13243959" cy="5262980"/>
+            <a:off x="15621000" y="18749189"/>
+            <a:ext cx="13243959" cy="3046988"/>
           </a:xfrm>
           <a:prstGeom prst="rect">
             <a:avLst/>
@@ -6975,7 +7023,11 @@
           <a:p>
             <a:r>
               <a:rPr lang="en-US" sz="4800" b="1" dirty="0"/>
-              <a:t>Aspect-Specific Sentiment Analysis</a:t>
+              <a:t>Aspect-Specific Sentiment </a:t>
+            </a:r>
+            <a:r>
+              <a:rPr lang="en-US" sz="4800" b="1" dirty="0" smtClean="0"/>
+              <a:t>Analysis (Using CNN)</a:t>
             </a:r>
             <a:endParaRPr lang="en-US" sz="3600" i="1" dirty="0"/>
           </a:p>
@@ -6986,28 +7038,49 @@
             </a:pPr>
             <a:r>
               <a:rPr lang="en-US" sz="3600" dirty="0" smtClean="0"/>
-              <a:t>Dataset formed by finding windows </a:t>
+              <a:t>To </a:t>
             </a:r>
             <a:r>
               <a:rPr lang="en-US" sz="3600" dirty="0" smtClean="0"/>
-              <a:t>containing aspects from expanded list and labels formed by aggregating unigram sentiment </a:t>
-            </a:r>
-            <a:r>
-              <a:rPr lang="en-US" sz="3600" dirty="0"/>
-              <a:t>labels (using Bing Liu’s opinion </a:t>
+              <a:t>learn </a:t>
             </a:r>
             <a:r>
               <a:rPr lang="en-US" sz="3600" dirty="0" smtClean="0"/>
-              <a:t>lexicon</a:t>
+              <a:t>aspect</a:t>
+            </a:r>
+            <a:r>
+              <a:rPr lang="en-US" sz="3600" dirty="0" smtClean="0"/>
+              <a:t>-</a:t>
+            </a:r>
+            <a:r>
+              <a:rPr lang="en-US" sz="3600" dirty="0" smtClean="0"/>
+              <a:t>level </a:t>
+            </a:r>
+            <a:r>
+              <a:rPr lang="en-US" sz="3600" dirty="0" smtClean="0"/>
+              <a:t>sentiment we used a variation of the convolutional neural network </a:t>
+            </a:r>
+            <a:r>
+              <a:rPr lang="en-US" sz="3600" dirty="0" smtClean="0"/>
+              <a:t>as described by </a:t>
+            </a:r>
+            <a:r>
+              <a:rPr lang="en-US" sz="3600" dirty="0" smtClean="0"/>
+              <a:t>Yoon </a:t>
+            </a:r>
+            <a:r>
+              <a:rPr lang="en-US" sz="3600" dirty="0" smtClean="0"/>
+              <a:t>Kim</a:t>
             </a:r>
             <a:r>
               <a:rPr lang="en-US" sz="3600" baseline="30000" dirty="0" smtClean="0"/>
-              <a:t>3</a:t>
+              <a:t>4</a:t>
             </a:r>
             <a:r>
               <a:rPr lang="en-US" sz="3600" dirty="0" smtClean="0"/>
-              <a:t>)</a:t>
-            </a:r>
+              <a:t>.</a:t>
+            </a:r>
+            <a:endParaRPr lang="en-US" sz="3600" dirty="0" smtClean="0"/>
           </a:p>
           <a:p>
             <a:pPr marL="571500" lvl="1" indent="-571500">
@@ -7015,10 +7088,606 @@
               <a:buChar char="•"/>
             </a:pPr>
             <a:r>
+              <a:rPr lang="en-US" sz="3600" dirty="0" err="1" smtClean="0"/>
+              <a:t>Hyperparameters</a:t>
+            </a:r>
+            <a:r>
               <a:rPr lang="en-US" sz="3600" dirty="0" smtClean="0"/>
-              <a:t>To learn sentence-level, and by proxy aspect-level, sentiment we used a variation of the convolutional neural network created by Yoon Kim.</a:t>
-            </a:r>
-          </a:p>
+              <a:t>: hidden </a:t>
+            </a:r>
+            <a:r>
+              <a:rPr lang="en-US" sz="3600" dirty="0" smtClean="0"/>
+              <a:t>layer </a:t>
+            </a:r>
+            <a:r>
+              <a:rPr lang="en-US" sz="3600" dirty="0" smtClean="0"/>
+              <a:t>dimension = </a:t>
+            </a:r>
+            <a:r>
+              <a:rPr lang="en-US" sz="3600" dirty="0" smtClean="0"/>
+              <a:t>100</a:t>
+            </a:r>
+            <a:r>
+              <a:rPr lang="en-US" sz="3600" dirty="0" smtClean="0"/>
+              <a:t>, </a:t>
+            </a:r>
+            <a:br>
+              <a:rPr lang="en-US" sz="3600" dirty="0" smtClean="0"/>
+            </a:br>
+            <a:r>
+              <a:rPr lang="en-US" sz="3600" dirty="0" smtClean="0"/>
+              <a:t>filter size</a:t>
+            </a:r>
+            <a:r>
+              <a:rPr lang="en-US" sz="3600" dirty="0" smtClean="0"/>
+              <a:t> </a:t>
+            </a:r>
+            <a:r>
+              <a:rPr lang="en-US" sz="3600" dirty="0"/>
+              <a:t>= [3, 4, 5</a:t>
+            </a:r>
+            <a:r>
+              <a:rPr lang="en-US" sz="3600" dirty="0" smtClean="0"/>
+              <a:t>]. </a:t>
+            </a:r>
+            <a:r>
+              <a:rPr lang="en-US" sz="3600" dirty="0"/>
+              <a:t>batch size </a:t>
+            </a:r>
+            <a:r>
+              <a:rPr lang="en-US" sz="3600" dirty="0" smtClean="0"/>
+              <a:t>= 50</a:t>
+            </a:r>
+            <a:r>
+              <a:rPr lang="en-US" sz="3600" dirty="0"/>
+              <a:t>.</a:t>
+            </a:r>
+            <a:endParaRPr lang="en-US" sz="3600" dirty="0" smtClean="0"/>
+          </a:p>
+        </p:txBody>
+      </p:sp>
+      <p:sp>
+        <p:nvSpPr>
+          <p:cNvPr id="32" name="TextBox 31"/>
+          <p:cNvSpPr txBox="1"/>
+          <p:nvPr/>
+        </p:nvSpPr>
+        <p:spPr>
+          <a:xfrm>
+            <a:off x="29337000" y="16535400"/>
+            <a:ext cx="14020800" cy="6801862"/>
+          </a:xfrm>
+          <a:prstGeom prst="rect">
+            <a:avLst/>
+          </a:prstGeom>
+          <a:noFill/>
+        </p:spPr>
+        <p:txBody>
+          <a:bodyPr wrap="square" rtlCol="0">
+            <a:spAutoFit/>
+          </a:bodyPr>
+          <a:lstStyle/>
+          <a:p>
+            <a:r>
+              <a:rPr lang="en-US" sz="3800" u="sng" dirty="0" smtClean="0"/>
+              <a:t>Sample Aspects + Sentiments</a:t>
+            </a:r>
+          </a:p>
+          <a:p>
+            <a:r>
+              <a:rPr lang="en-US" sz="3000" dirty="0" smtClean="0"/>
+              <a:t>Positive</a:t>
+            </a:r>
+            <a:r>
+              <a:rPr lang="en-US" sz="3000" dirty="0" smtClean="0">
+                <a:latin typeface="Calibri"/>
+                <a:cs typeface="Calibri"/>
+              </a:rPr>
+              <a:t>: </a:t>
+            </a:r>
+            <a:r>
+              <a:rPr lang="en-US" sz="3000" dirty="0" smtClean="0">
+                <a:latin typeface="Helvetica"/>
+                <a:cs typeface="Helvetica"/>
+              </a:rPr>
+              <a:t>“…sharp </a:t>
+            </a:r>
+            <a:r>
+              <a:rPr lang="en-US" sz="3000" dirty="0">
+                <a:latin typeface="Helvetica"/>
+                <a:cs typeface="Helvetica"/>
+              </a:rPr>
+              <a:t>from </a:t>
+            </a:r>
+            <a:r>
+              <a:rPr lang="en-US" sz="3000" dirty="0" err="1">
+                <a:latin typeface="Helvetica"/>
+                <a:cs typeface="Helvetica"/>
+              </a:rPr>
+              <a:t>wide_open</a:t>
+            </a:r>
+            <a:r>
+              <a:rPr lang="en-US" sz="3000" dirty="0">
+                <a:latin typeface="Helvetica"/>
+                <a:cs typeface="Helvetica"/>
+              </a:rPr>
+              <a:t>, great </a:t>
+            </a:r>
+            <a:r>
+              <a:rPr lang="en-US" sz="3000" b="1" dirty="0" err="1">
+                <a:latin typeface="Helvetica"/>
+                <a:cs typeface="Helvetica"/>
+              </a:rPr>
+              <a:t>color</a:t>
+            </a:r>
+            <a:r>
+              <a:rPr lang="en-US" sz="3000" dirty="0" err="1">
+                <a:latin typeface="Helvetica"/>
+                <a:cs typeface="Helvetica"/>
+              </a:rPr>
+              <a:t>_rendering</a:t>
+            </a:r>
+            <a:r>
+              <a:rPr lang="en-US" sz="3000" dirty="0">
+                <a:latin typeface="Helvetica"/>
+                <a:cs typeface="Helvetica"/>
+              </a:rPr>
+              <a:t>, excellent construction, weather </a:t>
+            </a:r>
+            <a:r>
+              <a:rPr lang="en-US" sz="3000" dirty="0" err="1" smtClean="0">
+                <a:latin typeface="Helvetica"/>
+                <a:cs typeface="Helvetica"/>
+              </a:rPr>
+              <a:t>sealedcons</a:t>
+            </a:r>
+            <a:r>
+              <a:rPr lang="en-US" sz="3000" dirty="0" smtClean="0">
+                <a:latin typeface="Helvetica"/>
+                <a:cs typeface="Helvetica"/>
+              </a:rPr>
+              <a:t>…”</a:t>
+            </a:r>
+            <a:endParaRPr lang="en-US" sz="3000" dirty="0">
+              <a:latin typeface="Helvetica"/>
+              <a:cs typeface="Helvetica"/>
+            </a:endParaRPr>
+          </a:p>
+          <a:p>
+            <a:r>
+              <a:rPr lang="en-US" sz="3000" dirty="0"/>
+              <a:t>Positive</a:t>
+            </a:r>
+            <a:r>
+              <a:rPr lang="en-US" sz="3000" dirty="0" smtClean="0">
+                <a:cs typeface="Calibri"/>
+              </a:rPr>
+              <a:t>: </a:t>
+            </a:r>
+            <a:r>
+              <a:rPr lang="en-US" sz="3000" dirty="0" smtClean="0">
+                <a:latin typeface="Helvetica"/>
+                <a:cs typeface="Helvetica"/>
+              </a:rPr>
+              <a:t>“…better </a:t>
+            </a:r>
+            <a:r>
+              <a:rPr lang="en-US" sz="3000" dirty="0" err="1">
+                <a:latin typeface="Helvetica"/>
+                <a:cs typeface="Helvetica"/>
+              </a:rPr>
+              <a:t>low_light</a:t>
+            </a:r>
+            <a:r>
+              <a:rPr lang="en-US" sz="3000" dirty="0">
+                <a:latin typeface="Helvetica"/>
+                <a:cs typeface="Helvetica"/>
+              </a:rPr>
+              <a:t>, </a:t>
+            </a:r>
+            <a:r>
+              <a:rPr lang="en-US" sz="3000" dirty="0" err="1">
+                <a:latin typeface="Helvetica"/>
+                <a:cs typeface="Helvetica"/>
+              </a:rPr>
+              <a:t>high_iso</a:t>
+            </a:r>
+            <a:r>
+              <a:rPr lang="en-US" sz="3000" dirty="0">
+                <a:latin typeface="Helvetica"/>
+                <a:cs typeface="Helvetica"/>
+              </a:rPr>
+              <a:t> </a:t>
+            </a:r>
+            <a:r>
+              <a:rPr lang="en-US" sz="3000" b="1" dirty="0">
+                <a:latin typeface="Helvetica"/>
+                <a:cs typeface="Helvetica"/>
+              </a:rPr>
+              <a:t>performance</a:t>
+            </a:r>
+            <a:r>
+              <a:rPr lang="en-US" sz="3000" dirty="0">
+                <a:latin typeface="Helvetica"/>
+                <a:cs typeface="Helvetica"/>
+              </a:rPr>
+              <a:t> for shooting </a:t>
+            </a:r>
+            <a:r>
+              <a:rPr lang="en-US" sz="3000" dirty="0" err="1" smtClean="0">
+                <a:latin typeface="Helvetica"/>
+                <a:cs typeface="Helvetica"/>
+              </a:rPr>
+              <a:t>indoor_sports</a:t>
+            </a:r>
+            <a:r>
+              <a:rPr lang="en-US" sz="3000" dirty="0" smtClean="0">
+                <a:latin typeface="Helvetica"/>
+                <a:cs typeface="Helvetica"/>
+              </a:rPr>
+              <a:t>.”</a:t>
+            </a:r>
+            <a:endParaRPr lang="en-US" sz="3000" dirty="0" smtClean="0"/>
+          </a:p>
+          <a:p>
+            <a:r>
+              <a:rPr lang="en-US" sz="3000" dirty="0" smtClean="0"/>
+              <a:t>Negative: </a:t>
+            </a:r>
+            <a:r>
+              <a:rPr lang="en-US" sz="3000" dirty="0" smtClean="0">
+                <a:latin typeface="Helvetica"/>
+                <a:cs typeface="Helvetica"/>
+              </a:rPr>
+              <a:t>“… </a:t>
+            </a:r>
+            <a:r>
+              <a:rPr lang="en-US" sz="3000" dirty="0" err="1">
+                <a:latin typeface="Helvetica"/>
+                <a:cs typeface="Helvetica"/>
+              </a:rPr>
+              <a:t>i</a:t>
+            </a:r>
+            <a:r>
+              <a:rPr lang="en-US" sz="3000" dirty="0">
+                <a:latin typeface="Helvetica"/>
+                <a:cs typeface="Helvetica"/>
+              </a:rPr>
+              <a:t> got was the blue </a:t>
+            </a:r>
+            <a:r>
+              <a:rPr lang="en-US" sz="3000" b="1" dirty="0">
+                <a:latin typeface="Helvetica"/>
+                <a:cs typeface="Helvetica"/>
+              </a:rPr>
+              <a:t>screen</a:t>
+            </a:r>
+            <a:r>
+              <a:rPr lang="en-US" sz="3000" dirty="0">
+                <a:latin typeface="Helvetica"/>
+                <a:cs typeface="Helvetica"/>
+              </a:rPr>
+              <a:t> of death and some </a:t>
+            </a:r>
+            <a:r>
+              <a:rPr lang="en-US" sz="3000" dirty="0" smtClean="0">
+                <a:latin typeface="Helvetica"/>
+                <a:cs typeface="Helvetica"/>
+              </a:rPr>
+              <a:t>arrows.”</a:t>
+            </a:r>
+          </a:p>
+          <a:p>
+            <a:r>
+              <a:rPr lang="en-US" sz="3000" dirty="0" smtClean="0"/>
+              <a:t>Negative: </a:t>
+            </a:r>
+            <a:r>
+              <a:rPr lang="en-US" sz="3000" dirty="0" smtClean="0">
+                <a:latin typeface="Helvetica"/>
+                <a:cs typeface="Helvetica"/>
+              </a:rPr>
+              <a:t>“…sometimes </a:t>
+            </a:r>
+            <a:r>
+              <a:rPr lang="en-US" sz="3000" dirty="0">
+                <a:latin typeface="Helvetica"/>
+                <a:cs typeface="Helvetica"/>
+              </a:rPr>
+              <a:t>the </a:t>
+            </a:r>
+            <a:r>
+              <a:rPr lang="en-US" sz="3000" b="1" dirty="0" err="1">
+                <a:latin typeface="Helvetica"/>
+                <a:cs typeface="Helvetica"/>
+              </a:rPr>
+              <a:t>gps</a:t>
+            </a:r>
+            <a:r>
+              <a:rPr lang="en-US" sz="3000" dirty="0">
+                <a:latin typeface="Helvetica"/>
+                <a:cs typeface="Helvetica"/>
+              </a:rPr>
+              <a:t> took me on </a:t>
+            </a:r>
+            <a:r>
+              <a:rPr lang="en-US" sz="3000" dirty="0" err="1" smtClean="0">
+                <a:latin typeface="Helvetica"/>
+                <a:cs typeface="Helvetica"/>
+              </a:rPr>
+              <a:t>strange_routes</a:t>
+            </a:r>
+            <a:r>
+              <a:rPr lang="en-US" sz="3000" dirty="0" smtClean="0">
+                <a:latin typeface="Helvetica"/>
+                <a:cs typeface="Helvetica"/>
+              </a:rPr>
+              <a:t>.”</a:t>
+            </a:r>
+          </a:p>
+          <a:p>
+            <a:endParaRPr lang="en-US" sz="3000" dirty="0"/>
+          </a:p>
+          <a:p>
+            <a:r>
+              <a:rPr lang="en-US" sz="3800" u="sng" dirty="0" smtClean="0"/>
+              <a:t>Bad examples (errors):</a:t>
+            </a:r>
+          </a:p>
+          <a:p>
+            <a:r>
+              <a:rPr lang="en-US" sz="3000" dirty="0"/>
+              <a:t>Positive: </a:t>
+            </a:r>
+            <a:r>
+              <a:rPr lang="en-US" sz="3000" dirty="0">
+                <a:latin typeface="Helvetica"/>
+                <a:cs typeface="Helvetica"/>
+              </a:rPr>
+              <a:t>“how well this </a:t>
+            </a:r>
+            <a:r>
+              <a:rPr lang="en-US" sz="3000" b="1" dirty="0" err="1">
+                <a:latin typeface="Helvetica"/>
+                <a:cs typeface="Helvetica"/>
+              </a:rPr>
+              <a:t>mpDG_player</a:t>
+            </a:r>
+            <a:r>
+              <a:rPr lang="en-US" sz="3000" dirty="0">
+                <a:latin typeface="Helvetica"/>
+                <a:cs typeface="Helvetica"/>
+              </a:rPr>
+              <a:t> </a:t>
+            </a:r>
+            <a:r>
+              <a:rPr lang="en-US" sz="3000" dirty="0" smtClean="0">
+                <a:latin typeface="Helvetica"/>
+                <a:cs typeface="Helvetica"/>
+              </a:rPr>
+              <a:t>sounds” </a:t>
+            </a:r>
+            <a:r>
+              <a:rPr lang="en-US" sz="3000" dirty="0" smtClean="0"/>
+              <a:t>[mp3_player was labeled an aspect?]</a:t>
+            </a:r>
+          </a:p>
+          <a:p>
+            <a:r>
+              <a:rPr lang="en-US" sz="3000" dirty="0"/>
+              <a:t>Positive: </a:t>
+            </a:r>
+            <a:r>
+              <a:rPr lang="en-US" sz="3000" dirty="0" smtClean="0">
+                <a:latin typeface="Helvetica"/>
+                <a:cs typeface="Helvetica"/>
+              </a:rPr>
+              <a:t>“…the </a:t>
+            </a:r>
+            <a:r>
+              <a:rPr lang="en-US" sz="3000" dirty="0">
+                <a:latin typeface="Helvetica"/>
+                <a:cs typeface="Helvetica"/>
+              </a:rPr>
+              <a:t>speakers come with a </a:t>
+            </a:r>
+            <a:r>
+              <a:rPr lang="en-US" sz="3000" b="1" dirty="0" err="1">
+                <a:latin typeface="Helvetica"/>
+                <a:cs typeface="Helvetica"/>
+              </a:rPr>
+              <a:t>remote</a:t>
+            </a:r>
+            <a:r>
+              <a:rPr lang="en-US" sz="3000" dirty="0" err="1">
+                <a:latin typeface="Helvetica"/>
+                <a:cs typeface="Helvetica"/>
+              </a:rPr>
+              <a:t>_control</a:t>
+            </a:r>
+            <a:r>
+              <a:rPr lang="en-US" sz="3000" dirty="0">
+                <a:latin typeface="Helvetica"/>
+                <a:cs typeface="Helvetica"/>
+              </a:rPr>
+              <a:t> which </a:t>
+            </a:r>
+            <a:r>
+              <a:rPr lang="en-US" sz="3000" dirty="0" err="1">
+                <a:latin typeface="Helvetica"/>
+                <a:cs typeface="Helvetica"/>
+              </a:rPr>
+              <a:t>doesnt</a:t>
+            </a:r>
+            <a:r>
+              <a:rPr lang="en-US" sz="3000" dirty="0">
+                <a:latin typeface="Helvetica"/>
+                <a:cs typeface="Helvetica"/>
+              </a:rPr>
+              <a:t> work </a:t>
+            </a:r>
+            <a:r>
+              <a:rPr lang="en-US" sz="3000" dirty="0" smtClean="0">
+                <a:latin typeface="Helvetica"/>
+                <a:cs typeface="Helvetica"/>
+              </a:rPr>
+              <a:t>just…”</a:t>
+            </a:r>
+            <a:r>
+              <a:rPr lang="en-US" sz="3000" dirty="0" smtClean="0"/>
+              <a:t> [should be negative?]</a:t>
+            </a:r>
+            <a:endParaRPr lang="en-US" sz="3000" dirty="0"/>
+          </a:p>
+          <a:p>
+            <a:r>
+              <a:rPr lang="en-US" sz="3000" dirty="0" smtClean="0"/>
+              <a:t>Negative</a:t>
+            </a:r>
+            <a:r>
+              <a:rPr lang="en-US" sz="3000" dirty="0"/>
+              <a:t>: </a:t>
+            </a:r>
+            <a:r>
+              <a:rPr lang="en-US" sz="3000" dirty="0">
+                <a:latin typeface="Helvetica"/>
+                <a:cs typeface="Helvetica"/>
+              </a:rPr>
+              <a:t>“a proprietary to standard </a:t>
+            </a:r>
+            <a:r>
+              <a:rPr lang="en-US" sz="3000" dirty="0" err="1">
+                <a:latin typeface="Helvetica"/>
+                <a:cs typeface="Helvetica"/>
+              </a:rPr>
+              <a:t>usb</a:t>
+            </a:r>
+            <a:r>
+              <a:rPr lang="en-US" sz="3000" dirty="0">
+                <a:latin typeface="Helvetica"/>
+                <a:cs typeface="Helvetica"/>
+              </a:rPr>
+              <a:t> </a:t>
+            </a:r>
+            <a:r>
+              <a:rPr lang="en-US" sz="3000" b="1" dirty="0" smtClean="0">
+                <a:latin typeface="Helvetica"/>
+                <a:cs typeface="Helvetica"/>
+              </a:rPr>
+              <a:t>cable</a:t>
+            </a:r>
+            <a:r>
+              <a:rPr lang="en-US" sz="3000" dirty="0" smtClean="0">
+                <a:latin typeface="Helvetica"/>
+                <a:cs typeface="Helvetica"/>
+              </a:rPr>
+              <a:t>”</a:t>
+            </a:r>
+            <a:r>
+              <a:rPr lang="en-US" sz="3000" dirty="0" smtClean="0"/>
+              <a:t> [lexicon classifies ‘proprietary’ as </a:t>
+            </a:r>
+            <a:r>
+              <a:rPr lang="en-US" sz="3000" dirty="0" err="1" smtClean="0"/>
+              <a:t>neg</a:t>
+            </a:r>
+            <a:r>
+              <a:rPr lang="en-US" sz="3000" dirty="0" smtClean="0"/>
+              <a:t>]</a:t>
+            </a:r>
+            <a:endParaRPr lang="en-US" sz="3000" dirty="0"/>
+          </a:p>
+          <a:p>
+            <a:r>
+              <a:rPr lang="en-US" sz="3000" dirty="0" smtClean="0"/>
+              <a:t>Negative</a:t>
+            </a:r>
+            <a:r>
+              <a:rPr lang="en-US" sz="3000" dirty="0"/>
+              <a:t>: </a:t>
+            </a:r>
+            <a:r>
+              <a:rPr lang="en-US" sz="3000" dirty="0">
+                <a:latin typeface="Helvetica"/>
+                <a:cs typeface="Helvetica"/>
+              </a:rPr>
+              <a:t>“this </a:t>
+            </a:r>
+            <a:r>
+              <a:rPr lang="en-US" sz="3000" b="1" dirty="0">
+                <a:latin typeface="Helvetica"/>
+                <a:cs typeface="Helvetica"/>
+              </a:rPr>
+              <a:t>camera</a:t>
+            </a:r>
+            <a:r>
+              <a:rPr lang="en-US" sz="3000" dirty="0">
+                <a:latin typeface="Helvetica"/>
+                <a:cs typeface="Helvetica"/>
+              </a:rPr>
+              <a:t> is a steal </a:t>
+            </a:r>
+            <a:r>
+              <a:rPr lang="en-US" sz="3000" dirty="0" err="1">
+                <a:latin typeface="Helvetica"/>
+                <a:cs typeface="Helvetica"/>
+              </a:rPr>
+              <a:t>i</a:t>
+            </a:r>
+            <a:r>
+              <a:rPr lang="en-US" sz="3000" dirty="0">
+                <a:latin typeface="Helvetica"/>
+                <a:cs typeface="Helvetica"/>
+              </a:rPr>
+              <a:t> </a:t>
+            </a:r>
+            <a:r>
+              <a:rPr lang="en-US" sz="3000" dirty="0" smtClean="0">
+                <a:latin typeface="Helvetica"/>
+                <a:cs typeface="Helvetica"/>
+              </a:rPr>
+              <a:t>would…”</a:t>
+            </a:r>
+            <a:r>
+              <a:rPr lang="en-US" sz="3000" dirty="0" smtClean="0"/>
+              <a:t> [non-literal language is hard!]</a:t>
+            </a:r>
+          </a:p>
+          <a:p>
+            <a:endParaRPr lang="en-US" sz="3000" dirty="0"/>
+          </a:p>
+        </p:txBody>
+      </p:sp>
+      <p:sp>
+        <p:nvSpPr>
+          <p:cNvPr id="33" name="TextBox 32"/>
+          <p:cNvSpPr txBox="1"/>
+          <p:nvPr/>
+        </p:nvSpPr>
+        <p:spPr>
+          <a:xfrm>
+            <a:off x="29565600" y="24231600"/>
+            <a:ext cx="13243959" cy="2862322"/>
+          </a:xfrm>
+          <a:prstGeom prst="rect">
+            <a:avLst/>
+          </a:prstGeom>
+          <a:solidFill>
+            <a:schemeClr val="bg1">
+              <a:lumMod val="85000"/>
+            </a:schemeClr>
+          </a:solidFill>
+          <a:ln>
+            <a:solidFill>
+              <a:schemeClr val="tx1"/>
+            </a:solidFill>
+          </a:ln>
+        </p:spPr>
+        <p:txBody>
+          <a:bodyPr wrap="square" rtlCol="0">
+            <a:spAutoFit/>
+          </a:bodyPr>
+          <a:lstStyle/>
           <a:p>
             <a:pPr marL="571500" lvl="1" indent="-571500">
               <a:buFont typeface="Arial" panose="020B0604020202020204" pitchFamily="34" charset="0"/>
@@ -7026,29 +7695,234 @@
             </a:pPr>
             <a:r>
               <a:rPr lang="en-US" sz="3600" dirty="0" smtClean="0"/>
-              <a:t>CNN </a:t>
-            </a:r>
-            <a:r>
-              <a:rPr lang="en-US" sz="3600" dirty="0" err="1" smtClean="0"/>
-              <a:t>desciption</a:t>
-            </a:r>
+              <a:t>We developed a novel approach of pairing automated aspect discovery with unigram sentiment analysis to generate labeled training examples for a deep Convolutional Neural Network.</a:t>
+            </a:r>
+          </a:p>
+          <a:p>
+            <a:pPr marL="571500" lvl="1" indent="-571500">
+              <a:buFont typeface="Arial" panose="020B0604020202020204" pitchFamily="34" charset="0"/>
+              <a:buChar char="•"/>
+            </a:pPr>
             <a:r>
               <a:rPr lang="en-US" sz="3600" dirty="0" smtClean="0"/>
-              <a:t> (</a:t>
-            </a:r>
-            <a:r>
-              <a:rPr lang="en-US" sz="3600" dirty="0" err="1" smtClean="0"/>
-              <a:t>hyperparameters</a:t>
-            </a:r>
+              <a:t>The end result is a unsupervised deep network model for aspect-specific sentiment analysis.</a:t>
+            </a:r>
+            <a:endParaRPr lang="en-US" sz="3600" dirty="0" smtClean="0"/>
+          </a:p>
+        </p:txBody>
+      </p:sp>
+      <p:sp>
+        <p:nvSpPr>
+          <p:cNvPr id="34" name="TextBox 33"/>
+          <p:cNvSpPr txBox="1"/>
+          <p:nvPr/>
+        </p:nvSpPr>
+        <p:spPr>
+          <a:xfrm>
+            <a:off x="1371600" y="29531608"/>
+            <a:ext cx="13335000" cy="1938992"/>
+          </a:xfrm>
+          <a:prstGeom prst="rect">
+            <a:avLst/>
+          </a:prstGeom>
+          <a:noFill/>
+        </p:spPr>
+        <p:txBody>
+          <a:bodyPr wrap="square" rtlCol="0">
+            <a:spAutoFit/>
+          </a:bodyPr>
+          <a:lstStyle/>
+          <a:p>
+            <a:r>
+              <a:rPr lang="en-US" sz="3000" dirty="0" smtClean="0"/>
+              <a:t>Top: Workflow. We first use a </a:t>
+            </a:r>
+            <a:r>
+              <a:rPr lang="en-US" sz="3000" b="1" dirty="0" smtClean="0"/>
+              <a:t>word2vec</a:t>
+            </a:r>
+            <a:r>
+              <a:rPr lang="en-US" sz="3000" dirty="0" smtClean="0"/>
+              <a:t> representation to </a:t>
+            </a:r>
+            <a:r>
+              <a:rPr lang="en-US" sz="3000" b="1" dirty="0" smtClean="0"/>
+              <a:t>discover</a:t>
+            </a:r>
+            <a:r>
+              <a:rPr lang="en-US" sz="3000" dirty="0" smtClean="0"/>
+              <a:t> new aspects, and to identify aspects in the data. Next, we classify the sentiment of the surrounding context. This generates a labeled dataset on which we train a </a:t>
+            </a:r>
+            <a:r>
+              <a:rPr lang="en-US" sz="3000" b="1" dirty="0" smtClean="0"/>
+              <a:t>deep CNN</a:t>
+            </a:r>
+            <a:r>
+              <a:rPr lang="en-US" sz="3000" dirty="0" smtClean="0"/>
+              <a:t> to perform </a:t>
+            </a:r>
+            <a:r>
+              <a:rPr lang="en-US" sz="3000" b="1" dirty="0" smtClean="0"/>
+              <a:t>aspect-specific sentiment extraction</a:t>
+            </a:r>
+            <a:r>
+              <a:rPr lang="en-US" sz="3000" dirty="0" smtClean="0"/>
+              <a:t>.</a:t>
+            </a:r>
+            <a:endParaRPr lang="en-US" sz="3000" dirty="0"/>
+          </a:p>
+        </p:txBody>
+      </p:sp>
+      <p:sp>
+        <p:nvSpPr>
+          <p:cNvPr id="35" name="TextBox 34"/>
+          <p:cNvSpPr txBox="1"/>
+          <p:nvPr/>
+        </p:nvSpPr>
+        <p:spPr>
+          <a:xfrm>
+            <a:off x="15544800" y="23397389"/>
+            <a:ext cx="5395359" cy="1384995"/>
+          </a:xfrm>
+          <a:prstGeom prst="rect">
+            <a:avLst/>
+          </a:prstGeom>
+          <a:solidFill>
+            <a:schemeClr val="bg1">
+              <a:lumMod val="85000"/>
+            </a:schemeClr>
+          </a:solidFill>
+          <a:ln>
+            <a:solidFill>
+              <a:schemeClr val="tx1"/>
+            </a:solidFill>
+          </a:ln>
+        </p:spPr>
+        <p:txBody>
+          <a:bodyPr wrap="square" rtlCol="0">
+            <a:spAutoFit/>
+          </a:bodyPr>
+          <a:lstStyle/>
+          <a:p>
+            <a:r>
+              <a:rPr lang="en-US" sz="4800" b="1" dirty="0" smtClean="0"/>
+              <a:t>CNN</a:t>
+            </a:r>
+            <a:endParaRPr lang="en-US" sz="4800" dirty="0" smtClean="0"/>
+          </a:p>
+          <a:p>
+            <a:pPr marL="571500" indent="-571500">
+              <a:buFont typeface="Arial" panose="020B0604020202020204" pitchFamily="34" charset="0"/>
+              <a:buChar char="•"/>
+            </a:pPr>
             <a:r>
               <a:rPr lang="en-US" sz="3600" dirty="0" smtClean="0"/>
-              <a:t> etc.), batch size =50, </a:t>
-            </a:r>
-            <a:r>
-              <a:rPr lang="en-US" sz="3600" smtClean="0"/>
-              <a:t>hidden layer = 100,</a:t>
-            </a:r>
-            <a:endParaRPr lang="en-US" sz="3600" dirty="0" smtClean="0"/>
+              <a:t>Results</a:t>
+            </a:r>
+            <a:r>
+              <a:rPr lang="en-US" sz="3600" dirty="0" smtClean="0">
+                <a:sym typeface="Wingdings"/>
+              </a:rPr>
+              <a:t>.</a:t>
+            </a:r>
+            <a:endParaRPr lang="en-US" sz="3600" i="1" dirty="0" smtClean="0"/>
+          </a:p>
+        </p:txBody>
+      </p:sp>
+      <p:sp>
+        <p:nvSpPr>
+          <p:cNvPr id="36" name="Rectangle 9"/>
+          <p:cNvSpPr>
+            <a:spLocks noChangeArrowheads="1"/>
+          </p:cNvSpPr>
+          <p:nvPr/>
+        </p:nvSpPr>
+        <p:spPr bwMode="auto">
+          <a:xfrm>
+            <a:off x="15575280" y="22178189"/>
+            <a:ext cx="13258903" cy="974638"/>
+          </a:xfrm>
+          <a:prstGeom prst="rect">
+            <a:avLst/>
+          </a:prstGeom>
+          <a:solidFill>
+            <a:srgbClr val="830000"/>
+          </a:solidFill>
+          <a:ln w="76200">
+            <a:noFill/>
+            <a:miter lim="800000"/>
+            <a:headEnd/>
+            <a:tailEnd/>
+          </a:ln>
+        </p:spPr>
+        <p:txBody>
+          <a:bodyPr wrap="none" lIns="78360" tIns="39182" rIns="78360" bIns="39182" anchor="b"/>
+          <a:lstStyle/>
+          <a:p>
+            <a:pPr algn="ctr"/>
+            <a:r>
+              <a:rPr lang="en-US" dirty="0">
+                <a:solidFill>
+                  <a:prstClr val="black"/>
+                </a:solidFill>
+                <a:latin typeface="Arial" panose="020B0604020202020204" pitchFamily="34" charset="0"/>
+                <a:cs typeface="Arial" panose="020B0604020202020204" pitchFamily="34" charset="0"/>
+              </a:rPr>
+              <a:t> </a:t>
+            </a:r>
+            <a:r>
+              <a:rPr lang="en-US" sz="5400" b="1" i="1" dirty="0" smtClean="0">
+                <a:solidFill>
+                  <a:schemeClr val="bg1"/>
+                </a:solidFill>
+                <a:latin typeface="Arial" panose="020B0604020202020204" pitchFamily="34" charset="0"/>
+                <a:cs typeface="Arial" panose="020B0604020202020204" pitchFamily="34" charset="0"/>
+              </a:rPr>
+              <a:t>Results (2)</a:t>
+            </a:r>
+            <a:endParaRPr lang="en-US" sz="5400" b="1" i="1" dirty="0">
+              <a:solidFill>
+                <a:schemeClr val="bg1"/>
+              </a:solidFill>
+              <a:latin typeface="Arial" panose="020B0604020202020204" pitchFamily="34" charset="0"/>
+              <a:cs typeface="Arial" panose="020B0604020202020204" pitchFamily="34" charset="0"/>
+            </a:endParaRPr>
+          </a:p>
+        </p:txBody>
+      </p:sp>
+      <p:sp>
+        <p:nvSpPr>
+          <p:cNvPr id="4" name="TextBox 3"/>
+          <p:cNvSpPr txBox="1"/>
+          <p:nvPr/>
+        </p:nvSpPr>
+        <p:spPr>
+          <a:xfrm>
+            <a:off x="21945600" y="24845189"/>
+            <a:ext cx="6096000" cy="2739211"/>
+          </a:xfrm>
+          <a:prstGeom prst="rect">
+            <a:avLst/>
+          </a:prstGeom>
+          <a:noFill/>
+        </p:spPr>
+        <p:txBody>
+          <a:bodyPr wrap="square" rtlCol="0">
+            <a:spAutoFit/>
+          </a:bodyPr>
+          <a:lstStyle/>
+          <a:p>
+            <a:r>
+              <a:rPr lang="en-US" dirty="0" smtClean="0"/>
+              <a:t>Insert Graph</a:t>
+            </a:r>
+          </a:p>
+          <a:p>
+            <a:r>
+              <a:rPr lang="en-US" dirty="0" smtClean="0"/>
+              <a:t>Here</a:t>
+            </a:r>
+            <a:endParaRPr lang="en-US" dirty="0"/>
           </a:p>
         </p:txBody>
       </p:sp>

--- a/poster/CS224D_Poster.pptx
+++ b/poster/CS224D_Poster.pptx
@@ -192,7 +192,7 @@
           <a:p>
             <a:fld id="{D68611EC-9D29-5347-BB24-AF419ABE9C21}" type="datetimeFigureOut">
               <a:rPr lang="en-US" smtClean="0"/>
-              <a:t>6/2/15</a:t>
+              <a:t>6/3/15</a:t>
             </a:fld>
             <a:endParaRPr lang="en-US"/>
           </a:p>
@@ -732,7 +732,7 @@
                 </a:solidFill>
               </a:rPr>
               <a:pPr/>
-              <a:t>6/2/15</a:t>
+              <a:t>6/3/15</a:t>
             </a:fld>
             <a:endParaRPr lang="en-US" dirty="0">
               <a:solidFill>
@@ -942,7 +942,7 @@
                 </a:solidFill>
               </a:rPr>
               <a:pPr/>
-              <a:t>6/2/15</a:t>
+              <a:t>6/3/15</a:t>
             </a:fld>
             <a:endParaRPr lang="en-US" dirty="0">
               <a:solidFill>
@@ -1162,7 +1162,7 @@
                 </a:solidFill>
               </a:rPr>
               <a:pPr/>
-              <a:t>6/2/15</a:t>
+              <a:t>6/3/15</a:t>
             </a:fld>
             <a:endParaRPr lang="en-US" dirty="0">
               <a:solidFill>
@@ -1766,7 +1766,7 @@
                 </a:solidFill>
               </a:rPr>
               <a:pPr/>
-              <a:t>6/2/15</a:t>
+              <a:t>6/3/15</a:t>
             </a:fld>
             <a:endParaRPr lang="en-US" dirty="0">
               <a:solidFill>
@@ -2694,7 +2694,7 @@
                 </a:solidFill>
               </a:rPr>
               <a:pPr/>
-              <a:t>6/2/15</a:t>
+              <a:t>6/3/15</a:t>
             </a:fld>
             <a:endParaRPr lang="en-US" dirty="0">
               <a:solidFill>
@@ -2980,7 +2980,7 @@
                 </a:solidFill>
               </a:rPr>
               <a:pPr/>
-              <a:t>6/2/15</a:t>
+              <a:t>6/3/15</a:t>
             </a:fld>
             <a:endParaRPr lang="en-US" dirty="0">
               <a:solidFill>
@@ -3308,7 +3308,7 @@
                 </a:solidFill>
               </a:rPr>
               <a:pPr/>
-              <a:t>6/2/15</a:t>
+              <a:t>6/3/15</a:t>
             </a:fld>
             <a:endParaRPr lang="en-US" dirty="0">
               <a:solidFill>
@@ -3770,7 +3770,7 @@
                 </a:solidFill>
               </a:rPr>
               <a:pPr/>
-              <a:t>6/2/15</a:t>
+              <a:t>6/3/15</a:t>
             </a:fld>
             <a:endParaRPr lang="en-US" dirty="0">
               <a:solidFill>
@@ -3928,7 +3928,7 @@
                 </a:solidFill>
               </a:rPr>
               <a:pPr/>
-              <a:t>6/2/15</a:t>
+              <a:t>6/3/15</a:t>
             </a:fld>
             <a:endParaRPr lang="en-US" dirty="0">
               <a:solidFill>
@@ -4063,7 +4063,7 @@
                 </a:solidFill>
               </a:rPr>
               <a:pPr/>
-              <a:t>6/2/15</a:t>
+              <a:t>6/3/15</a:t>
             </a:fld>
             <a:endParaRPr lang="en-US" dirty="0">
               <a:solidFill>
@@ -4380,7 +4380,7 @@
                 </a:solidFill>
               </a:rPr>
               <a:pPr/>
-              <a:t>6/2/15</a:t>
+              <a:t>6/3/15</a:t>
             </a:fld>
             <a:endParaRPr lang="en-US" dirty="0">
               <a:solidFill>
@@ -4673,7 +4673,7 @@
                 </a:solidFill>
               </a:rPr>
               <a:pPr/>
-              <a:t>6/2/15</a:t>
+              <a:t>6/3/15</a:t>
             </a:fld>
             <a:endParaRPr lang="en-US" dirty="0">
               <a:solidFill>
@@ -4926,7 +4926,7 @@
                 </a:solidFill>
               </a:rPr>
               <a:pPr/>
-              <a:t>6/2/15</a:t>
+              <a:t>6/3/15</a:t>
             </a:fld>
             <a:endParaRPr lang="en-US" dirty="0">
               <a:solidFill>
@@ -5663,7 +5663,15 @@
             </a:pPr>
             <a:r>
               <a:rPr lang="en-US" sz="4000" dirty="0" smtClean="0"/>
-              <a:t>Product reviews contain many aspects (e.g. </a:t>
+              <a:t>Product reviews contain many </a:t>
+            </a:r>
+            <a:r>
+              <a:rPr lang="en-US" sz="4000" i="1" dirty="0" smtClean="0"/>
+              <a:t>aspects</a:t>
+            </a:r>
+            <a:r>
+              <a:rPr lang="en-US" sz="4000" dirty="0" smtClean="0"/>
+              <a:t> (e.g. </a:t>
             </a:r>
             <a:r>
               <a:rPr lang="en-US" sz="4000" i="1" dirty="0" smtClean="0"/>
@@ -5697,7 +5705,19 @@
             </a:pPr>
             <a:r>
               <a:rPr lang="en-US" sz="4000" dirty="0" smtClean="0"/>
-              <a:t>Deep learning to summarize </a:t>
+              <a:t>Here we </a:t>
+            </a:r>
+            <a:r>
+              <a:rPr lang="en-US" sz="4000" dirty="0" smtClean="0"/>
+              <a:t>use </a:t>
+            </a:r>
+            <a:r>
+              <a:rPr lang="en-US" sz="4000" dirty="0" smtClean="0"/>
+              <a:t>deep </a:t>
+            </a:r>
+            <a:r>
+              <a:rPr lang="en-US" sz="4000" dirty="0" smtClean="0"/>
+              <a:t>learning to summarize </a:t>
             </a:r>
             <a:r>
               <a:rPr lang="en-US" sz="4000" b="1" dirty="0" smtClean="0"/>
@@ -5715,7 +5735,15 @@
             </a:pPr>
             <a:r>
               <a:rPr lang="en-US" sz="4000" dirty="0" smtClean="0"/>
-              <a:t>Two components: </a:t>
+              <a:t>The project has </a:t>
+            </a:r>
+            <a:r>
+              <a:rPr lang="en-US" sz="4000" dirty="0" smtClean="0"/>
+              <a:t>two </a:t>
+            </a:r>
+            <a:r>
+              <a:rPr lang="en-US" sz="4000" dirty="0" smtClean="0"/>
+              <a:t>components: </a:t>
             </a:r>
           </a:p>
           <a:p>
@@ -5773,7 +5801,7 @@
         <p:spPr bwMode="auto">
           <a:xfrm>
             <a:off x="1447800" y="11598362"/>
-            <a:ext cx="13264741" cy="974638"/>
+            <a:ext cx="13240512" cy="974638"/>
           </a:xfrm>
           <a:prstGeom prst="rect">
             <a:avLst/>
@@ -5892,7 +5920,7 @@
         </p:nvSpPr>
         <p:spPr>
           <a:xfrm>
-            <a:off x="29549961" y="6248400"/>
+            <a:off x="29489400" y="6132016"/>
             <a:ext cx="13243959" cy="4154984"/>
           </a:xfrm>
           <a:prstGeom prst="rect">
@@ -5916,10 +5944,10 @@
           <a:lstStyle/>
           <a:p>
             <a:r>
-              <a:rPr lang="en-US" sz="4800" b="1" dirty="0"/>
+              <a:rPr lang="en-US" sz="4200" b="1" dirty="0"/>
               <a:t>Unsupervised Aspect Discovery</a:t>
             </a:r>
-            <a:endParaRPr lang="en-US" sz="4800" dirty="0" smtClean="0"/>
+            <a:endParaRPr lang="en-US" sz="4200" dirty="0" smtClean="0"/>
           </a:p>
           <a:p>
             <a:pPr marL="571500" indent="-571500">
@@ -6002,11 +6030,7 @@
             </a:pPr>
             <a:r>
               <a:rPr lang="en-US" sz="3600" dirty="0" smtClean="0"/>
-              <a:t>Discovery </a:t>
-            </a:r>
-            <a:r>
-              <a:rPr lang="en-US" sz="3600" dirty="0" smtClean="0"/>
-              <a:t>of new associated aspects (</a:t>
+              <a:t>Discovery of new associated aspects (</a:t>
             </a:r>
             <a:r>
               <a:rPr lang="en-US" sz="3200" dirty="0" smtClean="0">
@@ -6066,7 +6090,7 @@
         <p:spPr>
           <a:xfrm>
             <a:off x="1447801" y="12801600"/>
-            <a:ext cx="13258800" cy="9510297"/>
+            <a:ext cx="13249656" cy="8648522"/>
           </a:xfrm>
           <a:prstGeom prst="rect">
             <a:avLst/>
@@ -6089,12 +6113,8 @@
           <a:lstStyle/>
           <a:p>
             <a:r>
-              <a:rPr lang="en-US" sz="4800" b="1" dirty="0" smtClean="0"/>
-              <a:t>Dataset:</a:t>
-            </a:r>
-            <a:r>
               <a:rPr lang="en-US" sz="3600" b="1" dirty="0" smtClean="0"/>
-              <a:t> </a:t>
+              <a:t>Dataset: </a:t>
             </a:r>
             <a:r>
               <a:rPr lang="en-US" sz="3600" dirty="0" smtClean="0"/>
@@ -6111,11 +6131,11 @@
             <a:endParaRPr lang="en-US" sz="3600" dirty="0"/>
           </a:p>
           <a:p>
-            <a:endParaRPr lang="en-US" sz="3600" b="1" dirty="0"/>
-          </a:p>
-          <a:p>
-            <a:r>
-              <a:rPr lang="en-US" sz="4800" b="1" dirty="0" smtClean="0"/>
+            <a:endParaRPr lang="en-US" sz="2000" b="1" dirty="0"/>
+          </a:p>
+          <a:p>
+            <a:r>
+              <a:rPr lang="en-US" sz="4200" b="1" dirty="0" smtClean="0"/>
               <a:t>Unsupervised Aspect Discovery</a:t>
             </a:r>
           </a:p>
@@ -6166,14 +6186,14 @@
             </a:r>
           </a:p>
           <a:p>
-            <a:endParaRPr lang="en-US" sz="3600" i="1" dirty="0" smtClean="0"/>
-          </a:p>
-          <a:p>
-            <a:r>
-              <a:rPr lang="en-US" sz="4800" b="1" dirty="0" smtClean="0"/>
+            <a:endParaRPr lang="en-US" sz="2000" i="1" dirty="0" smtClean="0"/>
+          </a:p>
+          <a:p>
+            <a:r>
+              <a:rPr lang="en-US" sz="4200" b="1" dirty="0" smtClean="0"/>
               <a:t>Aspect-Specific Sentiment Analysis</a:t>
             </a:r>
-            <a:endParaRPr lang="en-US" sz="3600" i="1" dirty="0"/>
+            <a:endParaRPr lang="en-US" sz="4200" i="1" dirty="0"/>
           </a:p>
           <a:p>
             <a:pPr marL="571500" lvl="1" indent="-571500">
@@ -6220,13 +6240,8 @@
             </a:pPr>
             <a:r>
               <a:rPr lang="en-US" sz="3600" dirty="0" smtClean="0"/>
-              <a:t>Multiclass (positive, neutral, negative) classification problem: Convolutional Neural </a:t>
-            </a:r>
-            <a:r>
-              <a:rPr lang="en-US" sz="3600" dirty="0" smtClean="0"/>
-              <a:t>Network (CNN)</a:t>
-            </a:r>
-            <a:endParaRPr lang="en-US" sz="3600" dirty="0" smtClean="0"/>
+              <a:t>Multiclass (positive, neutral, negative) classification problem: Convolutional Neural Network (CNN)</a:t>
+            </a:r>
           </a:p>
         </p:txBody>
       </p:sp>
@@ -6240,8 +6255,8 @@
         </p:nvSpPr>
         <p:spPr bwMode="auto">
           <a:xfrm>
-            <a:off x="29489400" y="4953000"/>
-            <a:ext cx="13258903" cy="974638"/>
+            <a:off x="29489400" y="4937760"/>
+            <a:ext cx="13240512" cy="974638"/>
           </a:xfrm>
           <a:prstGeom prst="rect">
             <a:avLst/>
@@ -6301,7 +6316,7 @@
         </p:nvSpPr>
         <p:spPr bwMode="auto">
           <a:xfrm>
-            <a:off x="29579591" y="23028362"/>
+            <a:off x="29489400" y="23028362"/>
             <a:ext cx="13237027" cy="974638"/>
           </a:xfrm>
           <a:prstGeom prst="rect">
@@ -6489,8 +6504,8 @@
         </p:nvSpPr>
         <p:spPr>
           <a:xfrm>
-            <a:off x="29641800" y="28459093"/>
-            <a:ext cx="12954000" cy="954107"/>
+            <a:off x="29489400" y="28422600"/>
+            <a:ext cx="13249656" cy="954107"/>
           </a:xfrm>
           <a:prstGeom prst="rect">
             <a:avLst/>
@@ -6535,8 +6550,8 @@
         </p:nvSpPr>
         <p:spPr>
           <a:xfrm>
-            <a:off x="29565600" y="29413200"/>
-            <a:ext cx="13182600" cy="2123658"/>
+            <a:off x="29498544" y="29413200"/>
+            <a:ext cx="13249656" cy="2123658"/>
           </a:xfrm>
           <a:prstGeom prst="rect">
             <a:avLst/>
@@ -6617,11 +6632,7 @@
             </a:r>
             <a:r>
               <a:rPr lang="en-US" sz="2200" dirty="0" smtClean="0"/>
-              <a:t>Liu, B. </a:t>
-            </a:r>
-            <a:r>
-              <a:rPr lang="en-US" sz="2200" dirty="0" smtClean="0"/>
-              <a:t>(2012). </a:t>
+              <a:t>Liu, B. (2012). </a:t>
             </a:r>
             <a:r>
               <a:rPr lang="en-US" sz="2200" i="1" dirty="0" smtClean="0"/>
@@ -6629,11 +6640,7 @@
             </a:r>
             <a:r>
               <a:rPr lang="en-US" sz="2200" dirty="0" smtClean="0"/>
-              <a:t>. Morgan &amp; Claypool Publishers</a:t>
-            </a:r>
-            <a:r>
-              <a:rPr lang="en-US" sz="2200" dirty="0" smtClean="0"/>
-              <a:t>.</a:t>
+              <a:t>. Morgan &amp; Claypool Publishers.</a:t>
             </a:r>
           </a:p>
           <a:p>
@@ -6643,11 +6650,7 @@
             </a:r>
             <a:r>
               <a:rPr lang="en-US" sz="2200" dirty="0" smtClean="0"/>
-              <a:t>Kim, Y. (2014). Convolutional Neural Networks for Sentence Classification. </a:t>
-            </a:r>
-            <a:r>
-              <a:rPr lang="en-US" sz="2200" dirty="0" smtClean="0"/>
-              <a:t>EMNLP</a:t>
+              <a:t>Kim, Y. (2014). Convolutional Neural Networks for Sentence Classification. EMNLP</a:t>
             </a:r>
             <a:endParaRPr lang="en-US" sz="2200" dirty="0"/>
           </a:p>
@@ -6661,7 +6664,7 @@
         </p:nvSpPr>
         <p:spPr>
           <a:xfrm>
-            <a:off x="15621000" y="6324600"/>
+            <a:off x="15621000" y="6159817"/>
             <a:ext cx="13243959" cy="6370976"/>
           </a:xfrm>
           <a:prstGeom prst="rect">
@@ -6685,10 +6688,10 @@
           <a:lstStyle/>
           <a:p>
             <a:r>
-              <a:rPr lang="en-US" sz="4800" b="1" dirty="0" smtClean="0"/>
+              <a:rPr lang="en-US" sz="4200" b="1" dirty="0" smtClean="0"/>
               <a:t>Unsupervised Aspect Discovery</a:t>
             </a:r>
-            <a:endParaRPr lang="en-US" sz="4800" dirty="0" smtClean="0"/>
+            <a:endParaRPr lang="en-US" sz="4200" dirty="0" smtClean="0"/>
           </a:p>
           <a:p>
             <a:pPr marL="571500" lvl="1" indent="-571500">
@@ -6715,7 +6718,15 @@
             </a:pPr>
             <a:r>
               <a:rPr lang="en-US" sz="3600" dirty="0" smtClean="0"/>
-              <a:t>We generated lists of top 10 and top 5 words based on cosine similarity (see figure on right). Top 5 was of higher quality.</a:t>
+              <a:t>We generated lists of top 10 and top 5 words based on cosine similarity (see figure on right). </a:t>
+            </a:r>
+            <a:r>
+              <a:rPr lang="en-US" sz="3600" b="1" dirty="0" smtClean="0"/>
+              <a:t>Top 5 </a:t>
+            </a:r>
+            <a:r>
+              <a:rPr lang="en-US" sz="3600" dirty="0" smtClean="0"/>
+              <a:t>was of higher quality.</a:t>
             </a:r>
           </a:p>
           <a:p>
@@ -6747,7 +6758,15 @@
             </a:pPr>
             <a:r>
               <a:rPr lang="en-US" sz="3600" dirty="0" smtClean="0"/>
-              <a:t>We tried context windows of 3, 5 and 7 words on either side of the aspect (see figure below). A context window of 3 was optimal.</a:t>
+              <a:t>We tried context windows of 3, 5 and 7 words on either side of the aspect (see figure below). A </a:t>
+            </a:r>
+            <a:r>
+              <a:rPr lang="en-US" sz="3600" b="1" dirty="0" smtClean="0"/>
+              <a:t>context window of 3 </a:t>
+            </a:r>
+            <a:r>
+              <a:rPr lang="en-US" sz="3600" dirty="0" smtClean="0"/>
+              <a:t>was optimal.</a:t>
             </a:r>
             <a:endParaRPr lang="en-US" sz="3600" dirty="0"/>
           </a:p>
@@ -6775,7 +6794,7 @@
         </p:blipFill>
         <p:spPr>
           <a:xfrm>
-            <a:off x="29413200" y="10363200"/>
+            <a:off x="29413200" y="10175174"/>
             <a:ext cx="13667395" cy="4912426"/>
           </a:xfrm>
           <a:prstGeom prst="rect">
@@ -6793,8 +6812,8 @@
         </p:nvSpPr>
         <p:spPr bwMode="auto">
           <a:xfrm>
-            <a:off x="29641800" y="27432000"/>
-            <a:ext cx="4343400" cy="914400"/>
+            <a:off x="29489400" y="27355800"/>
+            <a:ext cx="13240512" cy="914400"/>
           </a:xfrm>
           <a:prstGeom prst="rect">
             <a:avLst/>
@@ -6822,7 +6841,7 @@
                 <a:latin typeface="Arial" panose="020B0604020202020204" pitchFamily="34" charset="0"/>
                 <a:cs typeface="Arial" panose="020B0604020202020204" pitchFamily="34" charset="0"/>
               </a:rPr>
-              <a:t>Acknowledgments</a:t>
+              <a:t>Acknowledgments and References</a:t>
             </a:r>
             <a:endParaRPr lang="en-US" sz="3200" b="1" i="1" dirty="0">
               <a:solidFill>
@@ -6842,8 +6861,8 @@
         </p:nvSpPr>
         <p:spPr>
           <a:xfrm>
-            <a:off x="29565600" y="15033248"/>
-            <a:ext cx="13944600" cy="1477328"/>
+            <a:off x="29489400" y="15163800"/>
+            <a:ext cx="13249656" cy="1477328"/>
           </a:xfrm>
           <a:prstGeom prst="rect">
             <a:avLst/>
@@ -6858,11 +6877,7 @@
           <a:p>
             <a:r>
               <a:rPr lang="en-US" sz="3000" dirty="0" smtClean="0"/>
-              <a:t>Top: Word </a:t>
-            </a:r>
-            <a:r>
-              <a:rPr lang="en-US" sz="3000" dirty="0" smtClean="0"/>
-              <a:t>clouds generated by seeding </a:t>
+              <a:t>Top: Word clouds generated by seeding </a:t>
             </a:r>
             <a:r>
               <a:rPr lang="en-US" sz="3000" i="1" dirty="0" smtClean="0"/>
@@ -6886,31 +6901,7 @@
             </a:r>
             <a:r>
               <a:rPr lang="en-US" sz="3000" dirty="0" smtClean="0"/>
-              <a:t> (right). Words </a:t>
-            </a:r>
-            <a:r>
-              <a:rPr lang="en-US" sz="3000" dirty="0" smtClean="0"/>
-              <a:t>shown a</a:t>
-            </a:r>
-            <a:r>
-              <a:rPr lang="en-US" sz="3000" dirty="0" smtClean="0"/>
-              <a:t>re </a:t>
-            </a:r>
-            <a:r>
-              <a:rPr lang="en-US" sz="3000" dirty="0" smtClean="0"/>
-              <a:t>sized </a:t>
-            </a:r>
-            <a:r>
-              <a:rPr lang="en-US" sz="3000" dirty="0" smtClean="0"/>
-              <a:t>according </a:t>
-            </a:r>
-            <a:r>
-              <a:rPr lang="en-US" sz="3000" dirty="0" smtClean="0"/>
-              <a:t>to cosine </a:t>
-            </a:r>
-            <a:r>
-              <a:rPr lang="en-US" sz="3000" dirty="0" smtClean="0"/>
-              <a:t>similarity with seed word.</a:t>
+              <a:t> (right). Words shown are sized according to cosine similarity with seed word.</a:t>
             </a:r>
           </a:p>
           <a:p>
@@ -6952,7 +6943,7 @@
         </p:blipFill>
         <p:spPr>
           <a:xfrm>
-            <a:off x="1219200" y="22326601"/>
+            <a:off x="1219200" y="21793200"/>
             <a:ext cx="13487400" cy="7086600"/>
           </a:xfrm>
           <a:prstGeom prst="rect">
@@ -6982,7 +6973,7 @@
         </p:blipFill>
         <p:spPr>
           <a:xfrm>
-            <a:off x="14890007" y="12348389"/>
+            <a:off x="14890007" y="12115800"/>
             <a:ext cx="14751793" cy="6324600"/>
           </a:xfrm>
           <a:prstGeom prst="rect">
@@ -6998,7 +6989,7 @@
         </p:nvSpPr>
         <p:spPr>
           <a:xfrm>
-            <a:off x="15621000" y="18749189"/>
+            <a:off x="15621000" y="18365212"/>
             <a:ext cx="13243959" cy="3046988"/>
           </a:xfrm>
           <a:prstGeom prst="rect">
@@ -7022,14 +7013,14 @@
           <a:lstStyle/>
           <a:p>
             <a:r>
-              <a:rPr lang="en-US" sz="4800" b="1" dirty="0"/>
+              <a:rPr lang="en-US" sz="4200" b="1" dirty="0"/>
               <a:t>Aspect-Specific Sentiment </a:t>
             </a:r>
             <a:r>
-              <a:rPr lang="en-US" sz="4800" b="1" dirty="0" smtClean="0"/>
+              <a:rPr lang="en-US" sz="4200" b="1" dirty="0" smtClean="0"/>
               <a:t>Analysis (Using CNN)</a:t>
             </a:r>
-            <a:endParaRPr lang="en-US" sz="3600" i="1" dirty="0"/>
+            <a:endParaRPr lang="en-US" sz="4200" i="1" dirty="0"/>
           </a:p>
           <a:p>
             <a:pPr marL="571500" lvl="1" indent="-571500">
@@ -7038,39 +7029,7 @@
             </a:pPr>
             <a:r>
               <a:rPr lang="en-US" sz="3600" dirty="0" smtClean="0"/>
-              <a:t>To </a:t>
-            </a:r>
-            <a:r>
-              <a:rPr lang="en-US" sz="3600" dirty="0" smtClean="0"/>
-              <a:t>learn </a:t>
-            </a:r>
-            <a:r>
-              <a:rPr lang="en-US" sz="3600" dirty="0" smtClean="0"/>
-              <a:t>aspect</a:t>
-            </a:r>
-            <a:r>
-              <a:rPr lang="en-US" sz="3600" dirty="0" smtClean="0"/>
-              <a:t>-</a:t>
-            </a:r>
-            <a:r>
-              <a:rPr lang="en-US" sz="3600" dirty="0" smtClean="0"/>
-              <a:t>level </a:t>
-            </a:r>
-            <a:r>
-              <a:rPr lang="en-US" sz="3600" dirty="0" smtClean="0"/>
-              <a:t>sentiment we used a variation of the convolutional neural network </a:t>
-            </a:r>
-            <a:r>
-              <a:rPr lang="en-US" sz="3600" dirty="0" smtClean="0"/>
-              <a:t>as described by </a:t>
-            </a:r>
-            <a:r>
-              <a:rPr lang="en-US" sz="3600" dirty="0" smtClean="0"/>
-              <a:t>Yoon </a:t>
-            </a:r>
-            <a:r>
-              <a:rPr lang="en-US" sz="3600" dirty="0" smtClean="0"/>
-              <a:t>Kim</a:t>
+              <a:t>To learn aspect-level sentiment we used a variation of the convolutional neural network as described by Yoon Kim</a:t>
             </a:r>
             <a:r>
               <a:rPr lang="en-US" sz="3600" baseline="30000" dirty="0" smtClean="0"/>
@@ -7080,7 +7039,6 @@
               <a:rPr lang="en-US" sz="3600" dirty="0" smtClean="0"/>
               <a:t>.</a:t>
             </a:r>
-            <a:endParaRPr lang="en-US" sz="3600" dirty="0" smtClean="0"/>
           </a:p>
           <a:p>
             <a:pPr marL="571500" lvl="1" indent="-571500">
@@ -7093,34 +7051,14 @@
             </a:r>
             <a:r>
               <a:rPr lang="en-US" sz="3600" dirty="0" smtClean="0"/>
-              <a:t>: hidden </a:t>
-            </a:r>
-            <a:r>
-              <a:rPr lang="en-US" sz="3600" dirty="0" smtClean="0"/>
-              <a:t>layer </a:t>
-            </a:r>
-            <a:r>
-              <a:rPr lang="en-US" sz="3600" dirty="0" smtClean="0"/>
-              <a:t>dimension = </a:t>
-            </a:r>
-            <a:r>
-              <a:rPr lang="en-US" sz="3600" dirty="0" smtClean="0"/>
-              <a:t>100</a:t>
-            </a:r>
-            <a:r>
-              <a:rPr lang="en-US" sz="3600" dirty="0" smtClean="0"/>
-              <a:t>, </a:t>
+              <a:t>: hidden layer dimension = 100, </a:t>
             </a:r>
             <a:br>
               <a:rPr lang="en-US" sz="3600" dirty="0" smtClean="0"/>
             </a:br>
             <a:r>
               <a:rPr lang="en-US" sz="3600" dirty="0" smtClean="0"/>
-              <a:t>filter size</a:t>
-            </a:r>
-            <a:r>
-              <a:rPr lang="en-US" sz="3600" dirty="0" smtClean="0"/>
-              <a:t> </a:t>
+              <a:t>filter size </a:t>
             </a:r>
             <a:r>
               <a:rPr lang="en-US" sz="3600" dirty="0"/>
@@ -7154,8 +7092,8 @@
         </p:nvSpPr>
         <p:spPr>
           <a:xfrm>
-            <a:off x="29337000" y="16535400"/>
-            <a:ext cx="14020800" cy="6801862"/>
+            <a:off x="29489400" y="16777692"/>
+            <a:ext cx="13249656" cy="6463308"/>
           </a:xfrm>
           <a:prstGeom prst="rect">
             <a:avLst/>
@@ -7175,202 +7113,202 @@
           </a:p>
           <a:p>
             <a:r>
-              <a:rPr lang="en-US" sz="3000" dirty="0" smtClean="0"/>
+              <a:rPr lang="en-US" sz="2800" dirty="0" smtClean="0"/>
               <a:t>Positive</a:t>
             </a:r>
             <a:r>
-              <a:rPr lang="en-US" sz="3000" dirty="0" smtClean="0">
+              <a:rPr lang="en-US" sz="2800" dirty="0" smtClean="0">
                 <a:latin typeface="Calibri"/>
                 <a:cs typeface="Calibri"/>
               </a:rPr>
               <a:t>: </a:t>
             </a:r>
             <a:r>
-              <a:rPr lang="en-US" sz="3000" dirty="0" smtClean="0">
+              <a:rPr lang="en-US" sz="2800" dirty="0" smtClean="0">
                 <a:latin typeface="Helvetica"/>
                 <a:cs typeface="Helvetica"/>
               </a:rPr>
               <a:t>“…sharp </a:t>
             </a:r>
             <a:r>
-              <a:rPr lang="en-US" sz="3000" dirty="0">
+              <a:rPr lang="en-US" sz="2800" dirty="0">
                 <a:latin typeface="Helvetica"/>
                 <a:cs typeface="Helvetica"/>
               </a:rPr>
               <a:t>from </a:t>
             </a:r>
             <a:r>
-              <a:rPr lang="en-US" sz="3000" dirty="0" err="1">
+              <a:rPr lang="en-US" sz="2800" dirty="0" err="1">
                 <a:latin typeface="Helvetica"/>
                 <a:cs typeface="Helvetica"/>
               </a:rPr>
               <a:t>wide_open</a:t>
             </a:r>
             <a:r>
-              <a:rPr lang="en-US" sz="3000" dirty="0">
+              <a:rPr lang="en-US" sz="2800" dirty="0">
                 <a:latin typeface="Helvetica"/>
                 <a:cs typeface="Helvetica"/>
               </a:rPr>
               <a:t>, great </a:t>
             </a:r>
             <a:r>
-              <a:rPr lang="en-US" sz="3000" b="1" dirty="0" err="1">
+              <a:rPr lang="en-US" sz="2800" b="1" dirty="0" err="1">
                 <a:latin typeface="Helvetica"/>
                 <a:cs typeface="Helvetica"/>
               </a:rPr>
               <a:t>color</a:t>
             </a:r>
             <a:r>
-              <a:rPr lang="en-US" sz="3000" dirty="0" err="1">
+              <a:rPr lang="en-US" sz="2800" dirty="0" err="1">
                 <a:latin typeface="Helvetica"/>
                 <a:cs typeface="Helvetica"/>
               </a:rPr>
               <a:t>_rendering</a:t>
             </a:r>
             <a:r>
-              <a:rPr lang="en-US" sz="3000" dirty="0">
+              <a:rPr lang="en-US" sz="2800" dirty="0">
                 <a:latin typeface="Helvetica"/>
                 <a:cs typeface="Helvetica"/>
               </a:rPr>
               <a:t>, excellent construction, weather </a:t>
             </a:r>
             <a:r>
-              <a:rPr lang="en-US" sz="3000" dirty="0" err="1" smtClean="0">
+              <a:rPr lang="en-US" sz="2800" dirty="0" err="1" smtClean="0">
                 <a:latin typeface="Helvetica"/>
                 <a:cs typeface="Helvetica"/>
               </a:rPr>
               <a:t>sealedcons</a:t>
             </a:r>
             <a:r>
-              <a:rPr lang="en-US" sz="3000" dirty="0" smtClean="0">
+              <a:rPr lang="en-US" sz="2800" dirty="0" smtClean="0">
                 <a:latin typeface="Helvetica"/>
                 <a:cs typeface="Helvetica"/>
               </a:rPr>
               <a:t>…”</a:t>
             </a:r>
-            <a:endParaRPr lang="en-US" sz="3000" dirty="0">
+            <a:endParaRPr lang="en-US" sz="2800" dirty="0">
               <a:latin typeface="Helvetica"/>
               <a:cs typeface="Helvetica"/>
             </a:endParaRPr>
           </a:p>
           <a:p>
             <a:r>
-              <a:rPr lang="en-US" sz="3000" dirty="0"/>
+              <a:rPr lang="en-US" sz="2800" dirty="0"/>
               <a:t>Positive</a:t>
             </a:r>
             <a:r>
-              <a:rPr lang="en-US" sz="3000" dirty="0" smtClean="0">
+              <a:rPr lang="en-US" sz="2800" dirty="0" smtClean="0">
                 <a:cs typeface="Calibri"/>
               </a:rPr>
               <a:t>: </a:t>
             </a:r>
             <a:r>
-              <a:rPr lang="en-US" sz="3000" dirty="0" smtClean="0">
+              <a:rPr lang="en-US" sz="2800" dirty="0" smtClean="0">
                 <a:latin typeface="Helvetica"/>
                 <a:cs typeface="Helvetica"/>
               </a:rPr>
               <a:t>“…better </a:t>
             </a:r>
             <a:r>
-              <a:rPr lang="en-US" sz="3000" dirty="0" err="1">
+              <a:rPr lang="en-US" sz="2800" dirty="0" err="1">
                 <a:latin typeface="Helvetica"/>
                 <a:cs typeface="Helvetica"/>
               </a:rPr>
               <a:t>low_light</a:t>
             </a:r>
             <a:r>
-              <a:rPr lang="en-US" sz="3000" dirty="0">
+              <a:rPr lang="en-US" sz="2800" dirty="0">
                 <a:latin typeface="Helvetica"/>
                 <a:cs typeface="Helvetica"/>
               </a:rPr>
               <a:t>, </a:t>
             </a:r>
             <a:r>
-              <a:rPr lang="en-US" sz="3000" dirty="0" err="1">
+              <a:rPr lang="en-US" sz="2800" dirty="0" err="1">
                 <a:latin typeface="Helvetica"/>
                 <a:cs typeface="Helvetica"/>
               </a:rPr>
               <a:t>high_iso</a:t>
             </a:r>
             <a:r>
-              <a:rPr lang="en-US" sz="3000" dirty="0">
+              <a:rPr lang="en-US" sz="2800" dirty="0">
                 <a:latin typeface="Helvetica"/>
                 <a:cs typeface="Helvetica"/>
               </a:rPr>
               <a:t> </a:t>
             </a:r>
             <a:r>
-              <a:rPr lang="en-US" sz="3000" b="1" dirty="0">
+              <a:rPr lang="en-US" sz="2800" b="1" dirty="0">
                 <a:latin typeface="Helvetica"/>
                 <a:cs typeface="Helvetica"/>
               </a:rPr>
               <a:t>performance</a:t>
             </a:r>
             <a:r>
-              <a:rPr lang="en-US" sz="3000" dirty="0">
+              <a:rPr lang="en-US" sz="2800" dirty="0">
                 <a:latin typeface="Helvetica"/>
                 <a:cs typeface="Helvetica"/>
               </a:rPr>
               <a:t> for shooting </a:t>
             </a:r>
             <a:r>
-              <a:rPr lang="en-US" sz="3000" dirty="0" err="1" smtClean="0">
+              <a:rPr lang="en-US" sz="2800" dirty="0" err="1" smtClean="0">
                 <a:latin typeface="Helvetica"/>
                 <a:cs typeface="Helvetica"/>
               </a:rPr>
               <a:t>indoor_sports</a:t>
             </a:r>
             <a:r>
-              <a:rPr lang="en-US" sz="3000" dirty="0" smtClean="0">
+              <a:rPr lang="en-US" sz="2800" dirty="0" smtClean="0">
                 <a:latin typeface="Helvetica"/>
                 <a:cs typeface="Helvetica"/>
               </a:rPr>
               <a:t>.”</a:t>
             </a:r>
-            <a:endParaRPr lang="en-US" sz="3000" dirty="0" smtClean="0"/>
-          </a:p>
-          <a:p>
-            <a:r>
-              <a:rPr lang="en-US" sz="3000" dirty="0" smtClean="0"/>
+            <a:endParaRPr lang="en-US" sz="2800" dirty="0" smtClean="0"/>
+          </a:p>
+          <a:p>
+            <a:r>
+              <a:rPr lang="en-US" sz="2800" dirty="0" smtClean="0"/>
               <a:t>Negative: </a:t>
             </a:r>
             <a:r>
-              <a:rPr lang="en-US" sz="3000" dirty="0" smtClean="0">
+              <a:rPr lang="en-US" sz="2800" dirty="0" smtClean="0">
                 <a:latin typeface="Helvetica"/>
                 <a:cs typeface="Helvetica"/>
               </a:rPr>
               <a:t>“… </a:t>
             </a:r>
             <a:r>
-              <a:rPr lang="en-US" sz="3000" dirty="0" err="1">
+              <a:rPr lang="en-US" sz="2800" dirty="0" err="1">
                 <a:latin typeface="Helvetica"/>
                 <a:cs typeface="Helvetica"/>
               </a:rPr>
               <a:t>i</a:t>
             </a:r>
             <a:r>
-              <a:rPr lang="en-US" sz="3000" dirty="0">
+              <a:rPr lang="en-US" sz="2800" dirty="0">
                 <a:latin typeface="Helvetica"/>
                 <a:cs typeface="Helvetica"/>
               </a:rPr>
               <a:t> got was the blue </a:t>
             </a:r>
             <a:r>
-              <a:rPr lang="en-US" sz="3000" b="1" dirty="0">
+              <a:rPr lang="en-US" sz="2800" b="1" dirty="0">
                 <a:latin typeface="Helvetica"/>
                 <a:cs typeface="Helvetica"/>
               </a:rPr>
               <a:t>screen</a:t>
             </a:r>
             <a:r>
-              <a:rPr lang="en-US" sz="3000" dirty="0">
+              <a:rPr lang="en-US" sz="2800" dirty="0">
                 <a:latin typeface="Helvetica"/>
                 <a:cs typeface="Helvetica"/>
               </a:rPr>
               <a:t> of death and some </a:t>
             </a:r>
             <a:r>
-              <a:rPr lang="en-US" sz="3000" dirty="0" smtClean="0">
+              <a:rPr lang="en-US" sz="2800" dirty="0" smtClean="0">
                 <a:latin typeface="Helvetica"/>
                 <a:cs typeface="Helvetica"/>
               </a:rPr>
@@ -7379,46 +7317,46 @@
           </a:p>
           <a:p>
             <a:r>
-              <a:rPr lang="en-US" sz="3000" dirty="0" smtClean="0"/>
+              <a:rPr lang="en-US" sz="2800" dirty="0" smtClean="0"/>
               <a:t>Negative: </a:t>
             </a:r>
             <a:r>
-              <a:rPr lang="en-US" sz="3000" dirty="0" smtClean="0">
+              <a:rPr lang="en-US" sz="2800" dirty="0" smtClean="0">
                 <a:latin typeface="Helvetica"/>
                 <a:cs typeface="Helvetica"/>
               </a:rPr>
               <a:t>“…sometimes </a:t>
             </a:r>
             <a:r>
-              <a:rPr lang="en-US" sz="3000" dirty="0">
+              <a:rPr lang="en-US" sz="2800" dirty="0">
                 <a:latin typeface="Helvetica"/>
                 <a:cs typeface="Helvetica"/>
               </a:rPr>
               <a:t>the </a:t>
             </a:r>
             <a:r>
-              <a:rPr lang="en-US" sz="3000" b="1" dirty="0" err="1">
+              <a:rPr lang="en-US" sz="2800" b="1" dirty="0" err="1">
                 <a:latin typeface="Helvetica"/>
                 <a:cs typeface="Helvetica"/>
               </a:rPr>
               <a:t>gps</a:t>
             </a:r>
             <a:r>
-              <a:rPr lang="en-US" sz="3000" dirty="0">
+              <a:rPr lang="en-US" sz="2800" dirty="0">
                 <a:latin typeface="Helvetica"/>
                 <a:cs typeface="Helvetica"/>
               </a:rPr>
               <a:t> took me on </a:t>
             </a:r>
             <a:r>
-              <a:rPr lang="en-US" sz="3000" dirty="0" err="1" smtClean="0">
+              <a:rPr lang="en-US" sz="2800" dirty="0" err="1" smtClean="0">
                 <a:latin typeface="Helvetica"/>
                 <a:cs typeface="Helvetica"/>
               </a:rPr>
               <a:t>strange_routes</a:t>
             </a:r>
             <a:r>
-              <a:rPr lang="en-US" sz="3000" dirty="0" smtClean="0">
+              <a:rPr lang="en-US" sz="2800" dirty="0" smtClean="0">
                 <a:latin typeface="Helvetica"/>
                 <a:cs typeface="Helvetica"/>
               </a:rPr>
@@ -7436,225 +7374,225 @@
           </a:p>
           <a:p>
             <a:r>
-              <a:rPr lang="en-US" sz="3000" dirty="0"/>
+              <a:rPr lang="en-US" sz="2800" dirty="0"/>
               <a:t>Positive: </a:t>
             </a:r>
             <a:r>
-              <a:rPr lang="en-US" sz="3000" dirty="0">
+              <a:rPr lang="en-US" sz="2800" dirty="0">
                 <a:latin typeface="Helvetica"/>
                 <a:cs typeface="Helvetica"/>
               </a:rPr>
               <a:t>“how well this </a:t>
             </a:r>
             <a:r>
-              <a:rPr lang="en-US" sz="3000" b="1" dirty="0" err="1">
+              <a:rPr lang="en-US" sz="2800" b="1" dirty="0" err="1">
                 <a:latin typeface="Helvetica"/>
                 <a:cs typeface="Helvetica"/>
               </a:rPr>
               <a:t>mpDG_player</a:t>
             </a:r>
             <a:r>
-              <a:rPr lang="en-US" sz="3000" dirty="0">
+              <a:rPr lang="en-US" sz="2800" dirty="0">
                 <a:latin typeface="Helvetica"/>
                 <a:cs typeface="Helvetica"/>
               </a:rPr>
               <a:t> </a:t>
             </a:r>
             <a:r>
-              <a:rPr lang="en-US" sz="3000" dirty="0" smtClean="0">
+              <a:rPr lang="en-US" sz="2800" dirty="0" smtClean="0">
                 <a:latin typeface="Helvetica"/>
                 <a:cs typeface="Helvetica"/>
               </a:rPr>
               <a:t>sounds” </a:t>
             </a:r>
             <a:r>
-              <a:rPr lang="en-US" sz="3000" dirty="0" smtClean="0"/>
+              <a:rPr lang="en-US" sz="2800" dirty="0" smtClean="0"/>
               <a:t>[mp3_player was labeled an aspect?]</a:t>
             </a:r>
           </a:p>
           <a:p>
             <a:r>
-              <a:rPr lang="en-US" sz="3000" dirty="0"/>
+              <a:rPr lang="en-US" sz="2800" dirty="0"/>
               <a:t>Positive: </a:t>
             </a:r>
             <a:r>
-              <a:rPr lang="en-US" sz="3000" dirty="0" smtClean="0">
+              <a:rPr lang="en-US" sz="2800" dirty="0" smtClean="0">
                 <a:latin typeface="Helvetica"/>
                 <a:cs typeface="Helvetica"/>
               </a:rPr>
               <a:t>“…the </a:t>
             </a:r>
             <a:r>
-              <a:rPr lang="en-US" sz="3000" dirty="0">
+              <a:rPr lang="en-US" sz="2800" dirty="0">
                 <a:latin typeface="Helvetica"/>
                 <a:cs typeface="Helvetica"/>
               </a:rPr>
               <a:t>speakers come with a </a:t>
             </a:r>
             <a:r>
-              <a:rPr lang="en-US" sz="3000" b="1" dirty="0" err="1">
+              <a:rPr lang="en-US" sz="2800" b="1" dirty="0" err="1">
                 <a:latin typeface="Helvetica"/>
                 <a:cs typeface="Helvetica"/>
               </a:rPr>
               <a:t>remote</a:t>
             </a:r>
             <a:r>
-              <a:rPr lang="en-US" sz="3000" dirty="0" err="1">
+              <a:rPr lang="en-US" sz="2800" dirty="0" err="1">
                 <a:latin typeface="Helvetica"/>
                 <a:cs typeface="Helvetica"/>
               </a:rPr>
               <a:t>_control</a:t>
             </a:r>
             <a:r>
-              <a:rPr lang="en-US" sz="3000" dirty="0">
+              <a:rPr lang="en-US" sz="2800" dirty="0">
                 <a:latin typeface="Helvetica"/>
                 <a:cs typeface="Helvetica"/>
               </a:rPr>
               <a:t> which </a:t>
             </a:r>
             <a:r>
-              <a:rPr lang="en-US" sz="3000" dirty="0" err="1">
+              <a:rPr lang="en-US" sz="2800" dirty="0" err="1">
                 <a:latin typeface="Helvetica"/>
                 <a:cs typeface="Helvetica"/>
               </a:rPr>
               <a:t>doesnt</a:t>
             </a:r>
             <a:r>
-              <a:rPr lang="en-US" sz="3000" dirty="0">
+              <a:rPr lang="en-US" sz="2800" dirty="0">
                 <a:latin typeface="Helvetica"/>
                 <a:cs typeface="Helvetica"/>
               </a:rPr>
               <a:t> work </a:t>
             </a:r>
             <a:r>
-              <a:rPr lang="en-US" sz="3000" dirty="0" smtClean="0">
+              <a:rPr lang="en-US" sz="2800" dirty="0" smtClean="0">
                 <a:latin typeface="Helvetica"/>
                 <a:cs typeface="Helvetica"/>
               </a:rPr>
               <a:t>just…”</a:t>
             </a:r>
             <a:r>
-              <a:rPr lang="en-US" sz="3000" dirty="0" smtClean="0"/>
+              <a:rPr lang="en-US" sz="2800" dirty="0" smtClean="0"/>
               <a:t> [should be negative?]</a:t>
             </a:r>
-            <a:endParaRPr lang="en-US" sz="3000" dirty="0"/>
-          </a:p>
-          <a:p>
-            <a:r>
-              <a:rPr lang="en-US" sz="3000" dirty="0" smtClean="0"/>
+            <a:endParaRPr lang="en-US" sz="2800" dirty="0"/>
+          </a:p>
+          <a:p>
+            <a:r>
+              <a:rPr lang="en-US" sz="2800" dirty="0" smtClean="0"/>
               <a:t>Negative</a:t>
             </a:r>
             <a:r>
-              <a:rPr lang="en-US" sz="3000" dirty="0"/>
+              <a:rPr lang="en-US" sz="2800" dirty="0"/>
               <a:t>: </a:t>
             </a:r>
             <a:r>
-              <a:rPr lang="en-US" sz="3000" dirty="0">
+              <a:rPr lang="en-US" sz="2800" dirty="0">
                 <a:latin typeface="Helvetica"/>
                 <a:cs typeface="Helvetica"/>
               </a:rPr>
               <a:t>“a proprietary to standard </a:t>
             </a:r>
             <a:r>
-              <a:rPr lang="en-US" sz="3000" dirty="0" err="1">
+              <a:rPr lang="en-US" sz="2800" dirty="0" err="1">
                 <a:latin typeface="Helvetica"/>
                 <a:cs typeface="Helvetica"/>
               </a:rPr>
               <a:t>usb</a:t>
             </a:r>
             <a:r>
-              <a:rPr lang="en-US" sz="3000" dirty="0">
+              <a:rPr lang="en-US" sz="2800" dirty="0">
                 <a:latin typeface="Helvetica"/>
                 <a:cs typeface="Helvetica"/>
               </a:rPr>
               <a:t> </a:t>
             </a:r>
             <a:r>
-              <a:rPr lang="en-US" sz="3000" b="1" dirty="0" smtClean="0">
+              <a:rPr lang="en-US" sz="2800" b="1" dirty="0" smtClean="0">
                 <a:latin typeface="Helvetica"/>
                 <a:cs typeface="Helvetica"/>
               </a:rPr>
               <a:t>cable</a:t>
             </a:r>
             <a:r>
-              <a:rPr lang="en-US" sz="3000" dirty="0" smtClean="0">
+              <a:rPr lang="en-US" sz="2800" dirty="0" smtClean="0">
                 <a:latin typeface="Helvetica"/>
                 <a:cs typeface="Helvetica"/>
               </a:rPr>
               <a:t>”</a:t>
             </a:r>
             <a:r>
-              <a:rPr lang="en-US" sz="3000" dirty="0" smtClean="0"/>
+              <a:rPr lang="en-US" sz="2800" dirty="0" smtClean="0"/>
               <a:t> [lexicon classifies ‘proprietary’ as </a:t>
             </a:r>
             <a:r>
-              <a:rPr lang="en-US" sz="3000" dirty="0" err="1" smtClean="0"/>
+              <a:rPr lang="en-US" sz="2800" dirty="0" err="1" smtClean="0"/>
               <a:t>neg</a:t>
             </a:r>
             <a:r>
-              <a:rPr lang="en-US" sz="3000" dirty="0" smtClean="0"/>
+              <a:rPr lang="en-US" sz="2800" dirty="0" smtClean="0"/>
               <a:t>]</a:t>
             </a:r>
-            <a:endParaRPr lang="en-US" sz="3000" dirty="0"/>
-          </a:p>
-          <a:p>
-            <a:r>
-              <a:rPr lang="en-US" sz="3000" dirty="0" smtClean="0"/>
+            <a:endParaRPr lang="en-US" sz="2800" dirty="0"/>
+          </a:p>
+          <a:p>
+            <a:r>
+              <a:rPr lang="en-US" sz="2800" dirty="0" smtClean="0"/>
               <a:t>Negative</a:t>
             </a:r>
             <a:r>
-              <a:rPr lang="en-US" sz="3000" dirty="0"/>
+              <a:rPr lang="en-US" sz="2800" dirty="0"/>
               <a:t>: </a:t>
             </a:r>
             <a:r>
-              <a:rPr lang="en-US" sz="3000" dirty="0">
+              <a:rPr lang="en-US" sz="2800" dirty="0">
                 <a:latin typeface="Helvetica"/>
                 <a:cs typeface="Helvetica"/>
               </a:rPr>
               <a:t>“this </a:t>
             </a:r>
             <a:r>
-              <a:rPr lang="en-US" sz="3000" b="1" dirty="0">
+              <a:rPr lang="en-US" sz="2800" b="1" dirty="0">
                 <a:latin typeface="Helvetica"/>
                 <a:cs typeface="Helvetica"/>
               </a:rPr>
               <a:t>camera</a:t>
             </a:r>
             <a:r>
-              <a:rPr lang="en-US" sz="3000" dirty="0">
+              <a:rPr lang="en-US" sz="2800" dirty="0">
                 <a:latin typeface="Helvetica"/>
                 <a:cs typeface="Helvetica"/>
               </a:rPr>
               <a:t> is a steal </a:t>
             </a:r>
             <a:r>
-              <a:rPr lang="en-US" sz="3000" dirty="0" err="1">
+              <a:rPr lang="en-US" sz="2800" dirty="0" err="1">
                 <a:latin typeface="Helvetica"/>
                 <a:cs typeface="Helvetica"/>
               </a:rPr>
               <a:t>i</a:t>
             </a:r>
             <a:r>
-              <a:rPr lang="en-US" sz="3000" dirty="0">
+              <a:rPr lang="en-US" sz="2800" dirty="0">
                 <a:latin typeface="Helvetica"/>
                 <a:cs typeface="Helvetica"/>
               </a:rPr>
               <a:t> </a:t>
             </a:r>
             <a:r>
-              <a:rPr lang="en-US" sz="3000" dirty="0" smtClean="0">
+              <a:rPr lang="en-US" sz="2800" dirty="0" smtClean="0">
                 <a:latin typeface="Helvetica"/>
                 <a:cs typeface="Helvetica"/>
               </a:rPr>
               <a:t>would…”</a:t>
             </a:r>
             <a:r>
-              <a:rPr lang="en-US" sz="3000" dirty="0" smtClean="0"/>
+              <a:rPr lang="en-US" sz="2800" dirty="0" smtClean="0"/>
               <a:t> [non-literal language is hard!]</a:t>
             </a:r>
           </a:p>
           <a:p>
-            <a:endParaRPr lang="en-US" sz="3000" dirty="0"/>
+            <a:endParaRPr lang="en-US" sz="2800" dirty="0"/>
           </a:p>
         </p:txBody>
       </p:sp>
@@ -7666,7 +7604,7 @@
         </p:nvSpPr>
         <p:spPr>
           <a:xfrm>
-            <a:off x="29565600" y="24231600"/>
+            <a:off x="29489400" y="24231600"/>
             <a:ext cx="13243959" cy="2862322"/>
           </a:xfrm>
           <a:prstGeom prst="rect">
@@ -7707,7 +7645,6 @@
               <a:rPr lang="en-US" sz="3600" dirty="0" smtClean="0"/>
               <a:t>The end result is a unsupervised deep network model for aspect-specific sentiment analysis.</a:t>
             </a:r>
-            <a:endParaRPr lang="en-US" sz="3600" dirty="0" smtClean="0"/>
           </a:p>
         </p:txBody>
       </p:sp>
@@ -7781,8 +7718,8 @@
         </p:nvSpPr>
         <p:spPr>
           <a:xfrm>
-            <a:off x="15544800" y="23397389"/>
-            <a:ext cx="5395359" cy="1384995"/>
+            <a:off x="15621000" y="22710338"/>
+            <a:ext cx="13249656" cy="1292662"/>
           </a:xfrm>
           <a:prstGeom prst="rect">
             <a:avLst/>
@@ -7805,10 +7742,14 @@
           <a:lstStyle/>
           <a:p>
             <a:r>
-              <a:rPr lang="en-US" sz="4800" b="1" dirty="0" smtClean="0"/>
-              <a:t>CNN</a:t>
-            </a:r>
-            <a:endParaRPr lang="en-US" sz="4800" dirty="0" smtClean="0"/>
+              <a:rPr lang="en-US" sz="4200" b="1" dirty="0"/>
+              <a:t>Aspect-Specific Sentiment </a:t>
+            </a:r>
+            <a:r>
+              <a:rPr lang="en-US" sz="4200" b="1" dirty="0" smtClean="0"/>
+              <a:t>Analysis (Using CNN)</a:t>
+            </a:r>
+            <a:endParaRPr lang="en-US" sz="4200" dirty="0" smtClean="0"/>
           </a:p>
           <a:p>
             <a:pPr marL="571500" indent="-571500">
@@ -7816,16 +7757,18 @@
               <a:buChar char="•"/>
             </a:pPr>
             <a:r>
-              <a:rPr lang="en-US" sz="3600" dirty="0" smtClean="0"/>
-              <a:t>Results</a:t>
-            </a:r>
-            <a:r>
               <a:rPr lang="en-US" sz="3600" dirty="0" smtClean="0">
                 <a:sym typeface="Wingdings"/>
               </a:rPr>
-              <a:t>.</a:t>
-            </a:r>
-            <a:endParaRPr lang="en-US" sz="3600" i="1" dirty="0" smtClean="0"/>
+              <a:t>10-fold cross validation 3-class classification accuracy: </a:t>
+            </a:r>
+            <a:r>
+              <a:rPr lang="en-US" sz="3600" b="1" u="sng" dirty="0" smtClean="0">
+                <a:sym typeface="Wingdings"/>
+              </a:rPr>
+              <a:t>97.89%</a:t>
+            </a:r>
+            <a:endParaRPr lang="en-US" sz="3600" b="1" i="1" u="sng" dirty="0" smtClean="0"/>
           </a:p>
         </p:txBody>
       </p:sp>
@@ -7839,8 +7782,8 @@
         </p:nvSpPr>
         <p:spPr bwMode="auto">
           <a:xfrm>
-            <a:off x="15575280" y="22178189"/>
-            <a:ext cx="13258903" cy="974638"/>
+            <a:off x="15617952" y="21564600"/>
+            <a:ext cx="13240512" cy="974638"/>
           </a:xfrm>
           <a:prstGeom prst="rect">
             <a:avLst/>
@@ -7890,16 +7833,74 @@
           </a:p>
         </p:txBody>
       </p:sp>
-      <p:sp>
-        <p:nvSpPr>
-          <p:cNvPr id="4" name="TextBox 3"/>
+      <p:pic>
+        <p:nvPicPr>
+          <p:cNvPr id="7" name="Picture 6" descr="log_06022015_1240_window_3.eps"/>
+          <p:cNvPicPr>
+            <a:picLocks noChangeAspect="1"/>
+          </p:cNvPicPr>
+          <p:nvPr/>
+        </p:nvPicPr>
+        <p:blipFill rotWithShape="1">
+          <a:blip r:embed="rId10">
+            <a:extLst>
+              <a:ext uri="{28A0092B-C50C-407E-A947-70E740481C1C}">
+                <a14:useLocalDpi xmlns:a14="http://schemas.microsoft.com/office/drawing/2010/main" val="0"/>
+              </a:ext>
+            </a:extLst>
+          </a:blip>
+          <a:srcRect l="5023" r="5487"/>
+          <a:stretch/>
+        </p:blipFill>
+        <p:spPr>
+          <a:xfrm>
+            <a:off x="15392400" y="24293512"/>
+            <a:ext cx="6437300" cy="5394960"/>
+          </a:xfrm>
+          <a:prstGeom prst="rect">
+            <a:avLst/>
+          </a:prstGeom>
+        </p:spPr>
+      </p:pic>
+      <p:pic>
+        <p:nvPicPr>
+          <p:cNvPr id="8" name="Picture 7" descr="trainval_bs_50.eps"/>
+          <p:cNvPicPr>
+            <a:picLocks noChangeAspect="1"/>
+          </p:cNvPicPr>
+          <p:nvPr/>
+        </p:nvPicPr>
+        <p:blipFill rotWithShape="1">
+          <a:blip r:embed="rId11">
+            <a:extLst>
+              <a:ext uri="{28A0092B-C50C-407E-A947-70E740481C1C}">
+                <a14:useLocalDpi xmlns:a14="http://schemas.microsoft.com/office/drawing/2010/main" val="0"/>
+              </a:ext>
+            </a:extLst>
+          </a:blip>
+          <a:srcRect l="2247" t="3634" r="5756"/>
+          <a:stretch/>
+        </p:blipFill>
+        <p:spPr>
+          <a:xfrm>
+            <a:off x="21869400" y="24283770"/>
+            <a:ext cx="6867093" cy="5394960"/>
+          </a:xfrm>
+          <a:prstGeom prst="rect">
+            <a:avLst/>
+          </a:prstGeom>
+        </p:spPr>
+      </p:pic>
+      <p:sp>
+        <p:nvSpPr>
+          <p:cNvPr id="37" name="TextBox 36"/>
           <p:cNvSpPr txBox="1"/>
           <p:nvPr/>
         </p:nvSpPr>
         <p:spPr>
           <a:xfrm>
-            <a:off x="21945600" y="24845189"/>
-            <a:ext cx="6096000" cy="2739211"/>
+            <a:off x="15392400" y="29764672"/>
+            <a:ext cx="13335000" cy="1477328"/>
           </a:xfrm>
           <a:prstGeom prst="rect">
             <a:avLst/>
@@ -7913,16 +7914,18 @@
           <a:lstStyle/>
           <a:p>
             <a:r>
-              <a:rPr lang="en-US" dirty="0" smtClean="0"/>
-              <a:t>Insert Graph</a:t>
-            </a:r>
-          </a:p>
-          <a:p>
-            <a:r>
-              <a:rPr lang="en-US" dirty="0" smtClean="0"/>
-              <a:t>Here</a:t>
-            </a:r>
-            <a:endParaRPr lang="en-US" dirty="0"/>
+              <a:rPr lang="en-US" sz="3000" dirty="0" smtClean="0"/>
+              <a:t>Model results. CNN was trained to predict the sentiment of the context window around the aspect into </a:t>
+            </a:r>
+            <a:r>
+              <a:rPr lang="en-US" sz="3000" dirty="0" smtClean="0"/>
+              <a:t>3 classes: positive, neutral and negative. </a:t>
+            </a:r>
+            <a:r>
+              <a:rPr lang="en-US" sz="3000" dirty="0" smtClean="0"/>
+              <a:t>Left: Loss curve. Right: Training and Validation accuracy.</a:t>
+            </a:r>
+            <a:endParaRPr lang="en-US" sz="3000" dirty="0"/>
           </a:p>
         </p:txBody>
       </p:sp>
